--- a/figures/gpu_intro/GPU_intro_Pix.pptx
+++ b/figures/gpu_intro/GPU_intro_Pix.pptx
@@ -5,10 +5,11 @@
     <p:sldMasterId id="2147483648" r:id="rId1"/>
   </p:sldMasterIdLst>
   <p:sldIdLst>
-    <p:sldId id="256" r:id="rId2"/>
+    <p:sldId id="257" r:id="rId2"/>
+    <p:sldId id="256" r:id="rId3"/>
   </p:sldIdLst>
   <p:sldSz cx="12192000" cy="6858000"/>
-  <p:notesSz cx="6858000" cy="9144000"/>
+  <p:notesSz cx="6881813" cy="9296400"/>
   <p:defaultTextStyle>
     <a:defPPr>
       <a:defRPr lang="en-US"/>
@@ -254,7 +255,7 @@
           <a:p>
             <a:fld id="{8749049F-65FB-400B-99EA-5CA2D1D00F38}" type="datetimeFigureOut">
               <a:rPr lang="en-US" smtClean="0"/>
-              <a:t>3/2/2017</a:t>
+              <a:t>3/3/2017</a:t>
             </a:fld>
             <a:endParaRPr lang="en-US"/>
           </a:p>
@@ -424,7 +425,7 @@
           <a:p>
             <a:fld id="{8749049F-65FB-400B-99EA-5CA2D1D00F38}" type="datetimeFigureOut">
               <a:rPr lang="en-US" smtClean="0"/>
-              <a:t>3/2/2017</a:t>
+              <a:t>3/3/2017</a:t>
             </a:fld>
             <a:endParaRPr lang="en-US"/>
           </a:p>
@@ -604,7 +605,7 @@
           <a:p>
             <a:fld id="{8749049F-65FB-400B-99EA-5CA2D1D00F38}" type="datetimeFigureOut">
               <a:rPr lang="en-US" smtClean="0"/>
-              <a:t>3/2/2017</a:t>
+              <a:t>3/3/2017</a:t>
             </a:fld>
             <a:endParaRPr lang="en-US"/>
           </a:p>
@@ -774,7 +775,7 @@
           <a:p>
             <a:fld id="{8749049F-65FB-400B-99EA-5CA2D1D00F38}" type="datetimeFigureOut">
               <a:rPr lang="en-US" smtClean="0"/>
-              <a:t>3/2/2017</a:t>
+              <a:t>3/3/2017</a:t>
             </a:fld>
             <a:endParaRPr lang="en-US"/>
           </a:p>
@@ -1020,7 +1021,7 @@
           <a:p>
             <a:fld id="{8749049F-65FB-400B-99EA-5CA2D1D00F38}" type="datetimeFigureOut">
               <a:rPr lang="en-US" smtClean="0"/>
-              <a:t>3/2/2017</a:t>
+              <a:t>3/3/2017</a:t>
             </a:fld>
             <a:endParaRPr lang="en-US"/>
           </a:p>
@@ -1252,7 +1253,7 @@
           <a:p>
             <a:fld id="{8749049F-65FB-400B-99EA-5CA2D1D00F38}" type="datetimeFigureOut">
               <a:rPr lang="en-US" smtClean="0"/>
-              <a:t>3/2/2017</a:t>
+              <a:t>3/3/2017</a:t>
             </a:fld>
             <a:endParaRPr lang="en-US"/>
           </a:p>
@@ -1619,7 +1620,7 @@
           <a:p>
             <a:fld id="{8749049F-65FB-400B-99EA-5CA2D1D00F38}" type="datetimeFigureOut">
               <a:rPr lang="en-US" smtClean="0"/>
-              <a:t>3/2/2017</a:t>
+              <a:t>3/3/2017</a:t>
             </a:fld>
             <a:endParaRPr lang="en-US"/>
           </a:p>
@@ -1737,7 +1738,7 @@
           <a:p>
             <a:fld id="{8749049F-65FB-400B-99EA-5CA2D1D00F38}" type="datetimeFigureOut">
               <a:rPr lang="en-US" smtClean="0"/>
-              <a:t>3/2/2017</a:t>
+              <a:t>3/3/2017</a:t>
             </a:fld>
             <a:endParaRPr lang="en-US"/>
           </a:p>
@@ -1832,7 +1833,7 @@
           <a:p>
             <a:fld id="{8749049F-65FB-400B-99EA-5CA2D1D00F38}" type="datetimeFigureOut">
               <a:rPr lang="en-US" smtClean="0"/>
-              <a:t>3/2/2017</a:t>
+              <a:t>3/3/2017</a:t>
             </a:fld>
             <a:endParaRPr lang="en-US"/>
           </a:p>
@@ -2109,7 +2110,7 @@
           <a:p>
             <a:fld id="{8749049F-65FB-400B-99EA-5CA2D1D00F38}" type="datetimeFigureOut">
               <a:rPr lang="en-US" smtClean="0"/>
-              <a:t>3/2/2017</a:t>
+              <a:t>3/3/2017</a:t>
             </a:fld>
             <a:endParaRPr lang="en-US"/>
           </a:p>
@@ -2362,7 +2363,7 @@
           <a:p>
             <a:fld id="{8749049F-65FB-400B-99EA-5CA2D1D00F38}" type="datetimeFigureOut">
               <a:rPr lang="en-US" smtClean="0"/>
-              <a:t>3/2/2017</a:t>
+              <a:t>3/3/2017</a:t>
             </a:fld>
             <a:endParaRPr lang="en-US"/>
           </a:p>
@@ -2575,7 +2576,7 @@
           <a:p>
             <a:fld id="{8749049F-65FB-400B-99EA-5CA2D1D00F38}" type="datetimeFigureOut">
               <a:rPr lang="en-US" smtClean="0"/>
-              <a:t>3/2/2017</a:t>
+              <a:t>3/3/2017</a:t>
             </a:fld>
             <a:endParaRPr lang="en-US"/>
           </a:p>
@@ -2964,6 +2965,298 @@
 </file>
 
 <file path=ppt/slides/slide1.xml><?xml version="1.0" encoding="utf-8"?>
+<p:sld xmlns:a="http://schemas.openxmlformats.org/drawingml/2006/main" xmlns:r="http://schemas.openxmlformats.org/officeDocument/2006/relationships" xmlns:p="http://schemas.openxmlformats.org/presentationml/2006/main">
+  <p:cSld>
+    <p:spTree>
+      <p:nvGrpSpPr>
+        <p:cNvPr id="1" name=""/>
+        <p:cNvGrpSpPr/>
+        <p:nvPr/>
+      </p:nvGrpSpPr>
+      <p:grpSpPr>
+        <a:xfrm>
+          <a:off x="0" y="0"/>
+          <a:ext cx="0" cy="0"/>
+          <a:chOff x="0" y="0"/>
+          <a:chExt cx="0" cy="0"/>
+        </a:xfrm>
+      </p:grpSpPr>
+      <p:pic>
+        <p:nvPicPr>
+          <p:cNvPr id="5" name="Picture 4"/>
+          <p:cNvPicPr>
+            <a:picLocks noChangeAspect="1"/>
+          </p:cNvPicPr>
+          <p:nvPr/>
+        </p:nvPicPr>
+        <p:blipFill rotWithShape="1">
+          <a:blip r:embed="rId2" cstate="print">
+            <a:extLst>
+              <a:ext uri="{28A0092B-C50C-407E-A947-70E740481C1C}">
+                <a14:useLocalDpi xmlns:a14="http://schemas.microsoft.com/office/drawing/2010/main" val="0"/>
+              </a:ext>
+            </a:extLst>
+          </a:blip>
+          <a:srcRect t="9441" b="9288"/>
+          <a:stretch/>
+        </p:blipFill>
+        <p:spPr>
+          <a:xfrm>
+            <a:off x="-6253163" y="642257"/>
+            <a:ext cx="6858000" cy="5573486"/>
+          </a:xfrm>
+          <a:prstGeom prst="rect">
+            <a:avLst/>
+          </a:prstGeom>
+        </p:spPr>
+      </p:pic>
+      <p:grpSp>
+        <p:nvGrpSpPr>
+          <p:cNvPr id="2" name="Group 1"/>
+          <p:cNvGrpSpPr/>
+          <p:nvPr/>
+        </p:nvGrpSpPr>
+        <p:grpSpPr>
+          <a:xfrm>
+            <a:off x="1785937" y="1495425"/>
+            <a:ext cx="8620125" cy="3867150"/>
+            <a:chOff x="1785937" y="1495425"/>
+            <a:chExt cx="8620125" cy="3867150"/>
+          </a:xfrm>
+        </p:grpSpPr>
+        <p:pic>
+          <p:nvPicPr>
+            <p:cNvPr id="4" name="Picture 3"/>
+            <p:cNvPicPr>
+              <a:picLocks noChangeAspect="1"/>
+            </p:cNvPicPr>
+            <p:nvPr/>
+          </p:nvPicPr>
+          <p:blipFill>
+            <a:blip r:embed="rId3">
+              <a:extLst>
+                <a:ext uri="{28A0092B-C50C-407E-A947-70E740481C1C}">
+                  <a14:useLocalDpi xmlns:a14="http://schemas.microsoft.com/office/drawing/2010/main" val="0"/>
+                </a:ext>
+              </a:extLst>
+            </a:blip>
+            <a:stretch>
+              <a:fillRect/>
+            </a:stretch>
+          </p:blipFill>
+          <p:spPr>
+            <a:xfrm>
+              <a:off x="1785937" y="1495425"/>
+              <a:ext cx="8620125" cy="3867150"/>
+            </a:xfrm>
+            <a:prstGeom prst="rect">
+              <a:avLst/>
+            </a:prstGeom>
+          </p:spPr>
+        </p:pic>
+        <p:sp>
+          <p:nvSpPr>
+            <p:cNvPr id="10" name="Rectangle 9"/>
+            <p:cNvSpPr/>
+            <p:nvPr/>
+          </p:nvSpPr>
+          <p:spPr>
+            <a:xfrm>
+              <a:off x="6477000" y="1981200"/>
+              <a:ext cx="609600" cy="2133600"/>
+            </a:xfrm>
+            <a:prstGeom prst="rect">
+              <a:avLst/>
+            </a:prstGeom>
+            <a:noFill/>
+            <a:ln w="57150">
+              <a:solidFill>
+                <a:srgbClr val="FFFF00"/>
+              </a:solidFill>
+              <a:prstDash val="solid"/>
+            </a:ln>
+          </p:spPr>
+          <p:style>
+            <a:lnRef idx="2">
+              <a:schemeClr val="accent1">
+                <a:shade val="50000"/>
+              </a:schemeClr>
+            </a:lnRef>
+            <a:fillRef idx="1">
+              <a:schemeClr val="accent1"/>
+            </a:fillRef>
+            <a:effectRef idx="0">
+              <a:schemeClr val="accent1"/>
+            </a:effectRef>
+            <a:fontRef idx="minor">
+              <a:schemeClr val="lt1"/>
+            </a:fontRef>
+          </p:style>
+          <p:txBody>
+            <a:bodyPr rtlCol="0" anchor="ctr"/>
+            <a:lstStyle/>
+            <a:p>
+              <a:pPr algn="ctr"/>
+              <a:endParaRPr lang="en-US"/>
+            </a:p>
+          </p:txBody>
+        </p:sp>
+        <p:sp>
+          <p:nvSpPr>
+            <p:cNvPr id="11" name="Rectangle 10"/>
+            <p:cNvSpPr/>
+            <p:nvPr/>
+          </p:nvSpPr>
+          <p:spPr>
+            <a:xfrm>
+              <a:off x="4267200" y="1600200"/>
+              <a:ext cx="2133600" cy="609600"/>
+            </a:xfrm>
+            <a:prstGeom prst="rect">
+              <a:avLst/>
+            </a:prstGeom>
+            <a:noFill/>
+            <a:ln w="57150">
+              <a:solidFill>
+                <a:srgbClr val="FFFF00"/>
+              </a:solidFill>
+              <a:prstDash val="solid"/>
+            </a:ln>
+          </p:spPr>
+          <p:style>
+            <a:lnRef idx="2">
+              <a:schemeClr val="accent1">
+                <a:shade val="50000"/>
+              </a:schemeClr>
+            </a:lnRef>
+            <a:fillRef idx="1">
+              <a:schemeClr val="accent1"/>
+            </a:fillRef>
+            <a:effectRef idx="0">
+              <a:schemeClr val="accent1"/>
+            </a:effectRef>
+            <a:fontRef idx="minor">
+              <a:schemeClr val="lt1"/>
+            </a:fontRef>
+          </p:style>
+          <p:txBody>
+            <a:bodyPr rtlCol="0" anchor="ctr"/>
+            <a:lstStyle/>
+            <a:p>
+              <a:pPr algn="ctr"/>
+              <a:endParaRPr lang="en-US"/>
+            </a:p>
+          </p:txBody>
+        </p:sp>
+        <p:sp>
+          <p:nvSpPr>
+            <p:cNvPr id="12" name="Rectangle 11"/>
+            <p:cNvSpPr/>
+            <p:nvPr/>
+          </p:nvSpPr>
+          <p:spPr>
+            <a:xfrm>
+              <a:off x="3429000" y="1905000"/>
+              <a:ext cx="685800" cy="2133600"/>
+            </a:xfrm>
+            <a:prstGeom prst="rect">
+              <a:avLst/>
+            </a:prstGeom>
+            <a:noFill/>
+            <a:ln w="57150">
+              <a:solidFill>
+                <a:srgbClr val="FFFF00"/>
+              </a:solidFill>
+              <a:prstDash val="solid"/>
+            </a:ln>
+          </p:spPr>
+          <p:style>
+            <a:lnRef idx="2">
+              <a:schemeClr val="accent1">
+                <a:shade val="50000"/>
+              </a:schemeClr>
+            </a:lnRef>
+            <a:fillRef idx="1">
+              <a:schemeClr val="accent1"/>
+            </a:fillRef>
+            <a:effectRef idx="0">
+              <a:schemeClr val="accent1"/>
+            </a:effectRef>
+            <a:fontRef idx="minor">
+              <a:schemeClr val="lt1"/>
+            </a:fontRef>
+          </p:style>
+          <p:txBody>
+            <a:bodyPr rtlCol="0" anchor="ctr"/>
+            <a:lstStyle/>
+            <a:p>
+              <a:pPr algn="ctr"/>
+              <a:endParaRPr lang="en-US"/>
+            </a:p>
+          </p:txBody>
+        </p:sp>
+        <p:sp>
+          <p:nvSpPr>
+            <p:cNvPr id="15" name="Rectangle 14"/>
+            <p:cNvSpPr/>
+            <p:nvPr/>
+          </p:nvSpPr>
+          <p:spPr>
+            <a:xfrm>
+              <a:off x="4444091" y="2376488"/>
+              <a:ext cx="1728109" cy="1738312"/>
+            </a:xfrm>
+            <a:prstGeom prst="rect">
+              <a:avLst/>
+            </a:prstGeom>
+            <a:noFill/>
+            <a:ln w="57150">
+              <a:solidFill>
+                <a:srgbClr val="FF0000"/>
+              </a:solidFill>
+              <a:prstDash val="solid"/>
+            </a:ln>
+          </p:spPr>
+          <p:style>
+            <a:lnRef idx="2">
+              <a:schemeClr val="accent1">
+                <a:shade val="50000"/>
+              </a:schemeClr>
+            </a:lnRef>
+            <a:fillRef idx="1">
+              <a:schemeClr val="accent1"/>
+            </a:fillRef>
+            <a:effectRef idx="0">
+              <a:schemeClr val="accent1"/>
+            </a:effectRef>
+            <a:fontRef idx="minor">
+              <a:schemeClr val="lt1"/>
+            </a:fontRef>
+          </p:style>
+          <p:txBody>
+            <a:bodyPr rtlCol="0" anchor="ctr"/>
+            <a:lstStyle/>
+            <a:p>
+              <a:pPr algn="ctr"/>
+              <a:endParaRPr lang="en-US"/>
+            </a:p>
+          </p:txBody>
+        </p:sp>
+      </p:grpSp>
+    </p:spTree>
+    <p:extLst>
+      <p:ext uri="{BB962C8B-B14F-4D97-AF65-F5344CB8AC3E}">
+        <p14:creationId xmlns:p14="http://schemas.microsoft.com/office/powerpoint/2010/main" val="4204449928"/>
+      </p:ext>
+    </p:extLst>
+  </p:cSld>
+  <p:clrMapOvr>
+    <a:masterClrMapping/>
+  </p:clrMapOvr>
+</p:sld>
+</file>
+
+<file path=ppt/slides/slide2.xml><?xml version="1.0" encoding="utf-8"?>
 <p:sld xmlns:a="http://schemas.openxmlformats.org/drawingml/2006/main" xmlns:r="http://schemas.openxmlformats.org/officeDocument/2006/relationships" xmlns:p="http://schemas.openxmlformats.org/presentationml/2006/main">
   <p:cSld>
     <p:spTree>
@@ -5147,1758 +5440,4914 @@
           </a:p>
         </p:txBody>
       </p:sp>
-      <p:sp>
-        <p:nvSpPr>
-          <p:cNvPr id="55" name="Rectangle 54"/>
-          <p:cNvSpPr/>
+      <p:grpSp>
+        <p:nvGrpSpPr>
+          <p:cNvPr id="218" name="Group 217"/>
+          <p:cNvGrpSpPr/>
           <p:nvPr/>
-        </p:nvSpPr>
-        <p:spPr>
+        </p:nvGrpSpPr>
+        <p:grpSpPr>
           <a:xfrm>
-            <a:off x="1532351" y="685802"/>
-            <a:ext cx="1828800" cy="1822869"/>
+            <a:off x="2047876" y="1430500"/>
+            <a:ext cx="9763124" cy="5075343"/>
+            <a:chOff x="2047876" y="1430500"/>
+            <a:chExt cx="9763124" cy="5075343"/>
           </a:xfrm>
-          <a:prstGeom prst="rect">
-            <a:avLst/>
-          </a:prstGeom>
-          <a:solidFill>
-            <a:schemeClr val="bg1">
-              <a:lumMod val="95000"/>
-            </a:schemeClr>
-          </a:solidFill>
-          <a:ln>
-            <a:solidFill>
-              <a:schemeClr val="tx1"/>
-            </a:solidFill>
-          </a:ln>
-        </p:spPr>
-        <p:style>
-          <a:lnRef idx="2">
-            <a:schemeClr val="accent1">
-              <a:shade val="50000"/>
-            </a:schemeClr>
-          </a:lnRef>
-          <a:fillRef idx="1">
-            <a:schemeClr val="accent1"/>
-          </a:fillRef>
-          <a:effectRef idx="0">
-            <a:schemeClr val="accent1"/>
-          </a:effectRef>
-          <a:fontRef idx="minor">
-            <a:schemeClr val="lt1"/>
-          </a:fontRef>
-        </p:style>
-        <p:txBody>
-          <a:bodyPr rtlCol="0" anchor="ctr"/>
-          <a:lstStyle/>
-          <a:p>
-            <a:pPr algn="ctr"/>
-            <a:r>
-              <a:rPr lang="en-US" dirty="0" smtClean="0">
-                <a:ln w="0"/>
+        </p:grpSpPr>
+        <p:grpSp>
+          <p:nvGrpSpPr>
+            <p:cNvPr id="202" name="Group 201"/>
+            <p:cNvGrpSpPr/>
+            <p:nvPr/>
+          </p:nvGrpSpPr>
+          <p:grpSpPr>
+            <a:xfrm>
+              <a:off x="2047876" y="1430500"/>
+              <a:ext cx="7814565" cy="5075343"/>
+              <a:chOff x="2047876" y="1430500"/>
+              <a:chExt cx="7814565" cy="5075343"/>
+            </a:xfrm>
+          </p:grpSpPr>
+          <p:grpSp>
+            <p:nvGrpSpPr>
+              <p:cNvPr id="198" name="Group 197"/>
+              <p:cNvGrpSpPr/>
+              <p:nvPr/>
+            </p:nvGrpSpPr>
+            <p:grpSpPr>
+              <a:xfrm>
+                <a:off x="7924800" y="1506700"/>
+                <a:ext cx="1828800" cy="3078057"/>
+                <a:chOff x="7924800" y="1523393"/>
+                <a:chExt cx="1828800" cy="3078057"/>
+              </a:xfrm>
+            </p:grpSpPr>
+            <p:sp>
+              <p:nvSpPr>
+                <p:cNvPr id="172" name="Rectangle 171"/>
+                <p:cNvSpPr/>
+                <p:nvPr/>
+              </p:nvSpPr>
+              <p:spPr>
+                <a:xfrm>
+                  <a:off x="7924800" y="1523393"/>
+                  <a:ext cx="1828800" cy="3078057"/>
+                </a:xfrm>
+                <a:prstGeom prst="rect">
+                  <a:avLst/>
+                </a:prstGeom>
+                <a:solidFill>
+                  <a:schemeClr val="bg1">
+                    <a:lumMod val="95000"/>
+                  </a:schemeClr>
+                </a:solidFill>
+                <a:ln>
+                  <a:solidFill>
+                    <a:schemeClr val="tx1"/>
+                  </a:solidFill>
+                </a:ln>
+              </p:spPr>
+              <p:style>
+                <a:lnRef idx="2">
+                  <a:schemeClr val="accent1">
+                    <a:shade val="50000"/>
+                  </a:schemeClr>
+                </a:lnRef>
+                <a:fillRef idx="1">
+                  <a:schemeClr val="accent1"/>
+                </a:fillRef>
+                <a:effectRef idx="0">
+                  <a:schemeClr val="accent1"/>
+                </a:effectRef>
+                <a:fontRef idx="minor">
+                  <a:schemeClr val="lt1"/>
+                </a:fontRef>
+              </p:style>
+              <p:txBody>
+                <a:bodyPr rtlCol="0" anchor="ctr"/>
+                <a:lstStyle/>
+                <a:p>
+                  <a:pPr algn="ctr"/>
+                  <a:endParaRPr lang="en-US" dirty="0">
+                    <a:latin typeface="Times New Roman" panose="02020603050405020304" pitchFamily="18" charset="0"/>
+                    <a:cs typeface="Times New Roman" panose="02020603050405020304" pitchFamily="18" charset="0"/>
+                  </a:endParaRPr>
+                </a:p>
+              </p:txBody>
+            </p:sp>
+            <p:sp>
+              <p:nvSpPr>
+                <p:cNvPr id="173" name="Rectangle 172"/>
+                <p:cNvSpPr/>
+                <p:nvPr/>
+              </p:nvSpPr>
+              <p:spPr>
+                <a:xfrm>
+                  <a:off x="8001000" y="3855538"/>
+                  <a:ext cx="571500" cy="593513"/>
+                </a:xfrm>
+                <a:prstGeom prst="rect">
+                  <a:avLst/>
+                </a:prstGeom>
+                <a:solidFill>
+                  <a:schemeClr val="bg1">
+                    <a:lumMod val="95000"/>
+                  </a:schemeClr>
+                </a:solidFill>
+                <a:ln>
+                  <a:solidFill>
+                    <a:schemeClr val="tx1"/>
+                  </a:solidFill>
+                </a:ln>
+              </p:spPr>
+              <p:style>
+                <a:lnRef idx="2">
+                  <a:schemeClr val="accent1">
+                    <a:shade val="50000"/>
+                  </a:schemeClr>
+                </a:lnRef>
+                <a:fillRef idx="1">
+                  <a:schemeClr val="accent1"/>
+                </a:fillRef>
+                <a:effectRef idx="0">
+                  <a:schemeClr val="accent1"/>
+                </a:effectRef>
+                <a:fontRef idx="minor">
+                  <a:schemeClr val="lt1"/>
+                </a:fontRef>
+              </p:style>
+              <p:txBody>
+                <a:bodyPr rtlCol="0" anchor="ctr"/>
+                <a:lstStyle/>
+                <a:p>
+                  <a:pPr algn="ctr"/>
+                  <a:r>
+                    <a:rPr lang="en-US" dirty="0" smtClean="0">
+                      <a:ln w="0"/>
+                      <a:solidFill>
+                        <a:schemeClr val="tx1"/>
+                      </a:solidFill>
+                      <a:effectLst>
+                        <a:outerShdw blurRad="38100" dist="19050" dir="2700000" algn="tl" rotWithShape="0">
+                          <a:schemeClr val="dk1">
+                            <a:alpha val="40000"/>
+                          </a:schemeClr>
+                        </a:outerShdw>
+                      </a:effectLst>
+                      <a:latin typeface="Times New Roman" panose="02020603050405020304" pitchFamily="18" charset="0"/>
+                      <a:cs typeface="Times New Roman" panose="02020603050405020304" pitchFamily="18" charset="0"/>
+                    </a:rPr>
+                    <a:t>L1</a:t>
+                  </a:r>
+                  <a:endParaRPr lang="en-US" dirty="0">
+                    <a:latin typeface="Times New Roman" panose="02020603050405020304" pitchFamily="18" charset="0"/>
+                    <a:cs typeface="Times New Roman" panose="02020603050405020304" pitchFamily="18" charset="0"/>
+                  </a:endParaRPr>
+                </a:p>
+              </p:txBody>
+            </p:sp>
+            <p:sp>
+              <p:nvSpPr>
+                <p:cNvPr id="174" name="Rectangle 173"/>
+                <p:cNvSpPr/>
+                <p:nvPr/>
+              </p:nvSpPr>
+              <p:spPr>
+                <a:xfrm>
+                  <a:off x="8648700" y="3855538"/>
+                  <a:ext cx="1028700" cy="593513"/>
+                </a:xfrm>
+                <a:prstGeom prst="rect">
+                  <a:avLst/>
+                </a:prstGeom>
+                <a:solidFill>
+                  <a:schemeClr val="bg1">
+                    <a:lumMod val="95000"/>
+                  </a:schemeClr>
+                </a:solidFill>
+                <a:ln>
+                  <a:solidFill>
+                    <a:schemeClr val="tx1"/>
+                  </a:solidFill>
+                </a:ln>
+              </p:spPr>
+              <p:style>
+                <a:lnRef idx="2">
+                  <a:schemeClr val="accent1">
+                    <a:shade val="50000"/>
+                  </a:schemeClr>
+                </a:lnRef>
+                <a:fillRef idx="1">
+                  <a:schemeClr val="accent1"/>
+                </a:fillRef>
+                <a:effectRef idx="0">
+                  <a:schemeClr val="accent1"/>
+                </a:effectRef>
+                <a:fontRef idx="minor">
+                  <a:schemeClr val="lt1"/>
+                </a:fontRef>
+              </p:style>
+              <p:txBody>
+                <a:bodyPr rtlCol="0" anchor="ctr"/>
+                <a:lstStyle/>
+                <a:p>
+                  <a:pPr algn="ctr"/>
+                  <a:r>
+                    <a:rPr lang="en-US" dirty="0" smtClean="0">
+                      <a:ln w="0"/>
+                      <a:solidFill>
+                        <a:schemeClr val="tx1"/>
+                      </a:solidFill>
+                      <a:effectLst>
+                        <a:outerShdw blurRad="38100" dist="19050" dir="2700000" algn="tl" rotWithShape="0">
+                          <a:schemeClr val="dk1">
+                            <a:alpha val="40000"/>
+                          </a:schemeClr>
+                        </a:outerShdw>
+                      </a:effectLst>
+                      <a:latin typeface="Times New Roman" panose="02020603050405020304" pitchFamily="18" charset="0"/>
+                      <a:cs typeface="Times New Roman" panose="02020603050405020304" pitchFamily="18" charset="0"/>
+                    </a:rPr>
+                    <a:t>Shared Memory</a:t>
+                  </a:r>
+                  <a:endParaRPr lang="en-US" dirty="0">
+                    <a:latin typeface="Times New Roman" panose="02020603050405020304" pitchFamily="18" charset="0"/>
+                    <a:cs typeface="Times New Roman" panose="02020603050405020304" pitchFamily="18" charset="0"/>
+                  </a:endParaRPr>
+                </a:p>
+              </p:txBody>
+            </p:sp>
+            <p:sp>
+              <p:nvSpPr>
+                <p:cNvPr id="175" name="Rectangle 174"/>
+                <p:cNvSpPr/>
+                <p:nvPr/>
+              </p:nvSpPr>
+              <p:spPr>
+                <a:xfrm>
+                  <a:off x="8001000" y="3188789"/>
+                  <a:ext cx="1676400" cy="593513"/>
+                </a:xfrm>
+                <a:prstGeom prst="rect">
+                  <a:avLst/>
+                </a:prstGeom>
+                <a:solidFill>
+                  <a:schemeClr val="bg1">
+                    <a:lumMod val="95000"/>
+                  </a:schemeClr>
+                </a:solidFill>
+                <a:ln>
+                  <a:solidFill>
+                    <a:schemeClr val="tx1"/>
+                  </a:solidFill>
+                </a:ln>
+              </p:spPr>
+              <p:style>
+                <a:lnRef idx="2">
+                  <a:schemeClr val="accent1">
+                    <a:shade val="50000"/>
+                  </a:schemeClr>
+                </a:lnRef>
+                <a:fillRef idx="1">
+                  <a:schemeClr val="accent1"/>
+                </a:fillRef>
+                <a:effectRef idx="0">
+                  <a:schemeClr val="accent1"/>
+                </a:effectRef>
+                <a:fontRef idx="minor">
+                  <a:schemeClr val="lt1"/>
+                </a:fontRef>
+              </p:style>
+              <p:txBody>
+                <a:bodyPr rtlCol="0" anchor="ctr"/>
+                <a:lstStyle/>
+                <a:p>
+                  <a:pPr algn="ctr"/>
+                  <a:r>
+                    <a:rPr lang="en-US" dirty="0" smtClean="0">
+                      <a:ln w="0"/>
+                      <a:solidFill>
+                        <a:schemeClr val="tx1"/>
+                      </a:solidFill>
+                      <a:effectLst>
+                        <a:outerShdw blurRad="38100" dist="19050" dir="2700000" algn="tl" rotWithShape="0">
+                          <a:schemeClr val="dk1">
+                            <a:alpha val="40000"/>
+                          </a:schemeClr>
+                        </a:outerShdw>
+                      </a:effectLst>
+                      <a:latin typeface="Times New Roman" panose="02020603050405020304" pitchFamily="18" charset="0"/>
+                      <a:cs typeface="Times New Roman" panose="02020603050405020304" pitchFamily="18" charset="0"/>
+                    </a:rPr>
+                    <a:t>Registers</a:t>
+                  </a:r>
+                  <a:endParaRPr lang="en-US" dirty="0">
+                    <a:latin typeface="Times New Roman" panose="02020603050405020304" pitchFamily="18" charset="0"/>
+                    <a:cs typeface="Times New Roman" panose="02020603050405020304" pitchFamily="18" charset="0"/>
+                  </a:endParaRPr>
+                </a:p>
+              </p:txBody>
+            </p:sp>
+            <p:grpSp>
+              <p:nvGrpSpPr>
+                <p:cNvPr id="176" name="Group 175"/>
+                <p:cNvGrpSpPr/>
+                <p:nvPr/>
+              </p:nvGrpSpPr>
+              <p:grpSpPr>
+                <a:xfrm>
+                  <a:off x="8001000" y="1928527"/>
+                  <a:ext cx="1676400" cy="1187026"/>
+                  <a:chOff x="1010059" y="1590946"/>
+                  <a:chExt cx="1676400" cy="1187026"/>
+                </a:xfrm>
+              </p:grpSpPr>
+              <p:sp>
+                <p:nvSpPr>
+                  <p:cNvPr id="178" name="Rectangle 177"/>
+                  <p:cNvSpPr/>
+                  <p:nvPr/>
+                </p:nvSpPr>
+                <p:spPr>
+                  <a:xfrm>
+                    <a:off x="1010059" y="1590946"/>
+                    <a:ext cx="1676400" cy="1187026"/>
+                  </a:xfrm>
+                  <a:prstGeom prst="rect">
+                    <a:avLst/>
+                  </a:prstGeom>
+                  <a:solidFill>
+                    <a:schemeClr val="bg1">
+                      <a:lumMod val="95000"/>
+                    </a:schemeClr>
+                  </a:solidFill>
+                  <a:ln>
+                    <a:solidFill>
+                      <a:schemeClr val="tx1"/>
+                    </a:solidFill>
+                  </a:ln>
+                </p:spPr>
+                <p:style>
+                  <a:lnRef idx="2">
+                    <a:schemeClr val="accent1">
+                      <a:shade val="50000"/>
+                    </a:schemeClr>
+                  </a:lnRef>
+                  <a:fillRef idx="1">
+                    <a:schemeClr val="accent1"/>
+                  </a:fillRef>
+                  <a:effectRef idx="0">
+                    <a:schemeClr val="accent1"/>
+                  </a:effectRef>
+                  <a:fontRef idx="minor">
+                    <a:schemeClr val="lt1"/>
+                  </a:fontRef>
+                </p:style>
+                <p:txBody>
+                  <a:bodyPr rtlCol="0" anchor="ctr"/>
+                  <a:lstStyle/>
+                  <a:p>
+                    <a:pPr algn="ctr"/>
+                    <a:endParaRPr lang="en-US" dirty="0" smtClean="0">
+                      <a:ln w="0"/>
+                      <a:solidFill>
+                        <a:schemeClr val="tx1"/>
+                      </a:solidFill>
+                      <a:effectLst>
+                        <a:outerShdw blurRad="38100" dist="19050" dir="2700000" algn="tl" rotWithShape="0">
+                          <a:schemeClr val="dk1">
+                            <a:alpha val="40000"/>
+                          </a:schemeClr>
+                        </a:outerShdw>
+                      </a:effectLst>
+                      <a:latin typeface="Times New Roman" panose="02020603050405020304" pitchFamily="18" charset="0"/>
+                      <a:cs typeface="Times New Roman" panose="02020603050405020304" pitchFamily="18" charset="0"/>
+                    </a:endParaRPr>
+                  </a:p>
+                  <a:p>
+                    <a:pPr algn="ctr"/>
+                    <a:endParaRPr lang="en-US" dirty="0">
+                      <a:ln w="0"/>
+                      <a:solidFill>
+                        <a:schemeClr val="tx1"/>
+                      </a:solidFill>
+                      <a:effectLst>
+                        <a:outerShdw blurRad="38100" dist="19050" dir="2700000" algn="tl" rotWithShape="0">
+                          <a:schemeClr val="dk1">
+                            <a:alpha val="40000"/>
+                          </a:schemeClr>
+                        </a:outerShdw>
+                      </a:effectLst>
+                      <a:latin typeface="Times New Roman" panose="02020603050405020304" pitchFamily="18" charset="0"/>
+                      <a:cs typeface="Times New Roman" panose="02020603050405020304" pitchFamily="18" charset="0"/>
+                    </a:endParaRPr>
+                  </a:p>
+                  <a:p>
+                    <a:pPr algn="ctr"/>
+                    <a:r>
+                      <a:rPr lang="en-US" dirty="0" smtClean="0">
+                        <a:ln w="0"/>
+                        <a:solidFill>
+                          <a:schemeClr val="tx1"/>
+                        </a:solidFill>
+                        <a:effectLst>
+                          <a:outerShdw blurRad="38100" dist="19050" dir="2700000" algn="tl" rotWithShape="0">
+                            <a:schemeClr val="dk1">
+                              <a:alpha val="40000"/>
+                            </a:schemeClr>
+                          </a:outerShdw>
+                        </a:effectLst>
+                        <a:latin typeface="Times New Roman" panose="02020603050405020304" pitchFamily="18" charset="0"/>
+                        <a:cs typeface="Times New Roman" panose="02020603050405020304" pitchFamily="18" charset="0"/>
+                      </a:rPr>
+                      <a:t>Threads on CUDA Cores</a:t>
+                    </a:r>
+                    <a:endParaRPr lang="en-US" dirty="0">
+                      <a:latin typeface="Times New Roman" panose="02020603050405020304" pitchFamily="18" charset="0"/>
+                      <a:cs typeface="Times New Roman" panose="02020603050405020304" pitchFamily="18" charset="0"/>
+                    </a:endParaRPr>
+                  </a:p>
+                </p:txBody>
+              </p:sp>
+              <p:grpSp>
+                <p:nvGrpSpPr>
+                  <p:cNvPr id="179" name="Group 178"/>
+                  <p:cNvGrpSpPr/>
+                  <p:nvPr/>
+                </p:nvGrpSpPr>
+                <p:grpSpPr>
+                  <a:xfrm>
+                    <a:off x="1607637" y="1676400"/>
+                    <a:ext cx="481243" cy="533400"/>
+                    <a:chOff x="4724400" y="1219200"/>
+                    <a:chExt cx="481243" cy="533400"/>
+                  </a:xfrm>
+                </p:grpSpPr>
+                <p:grpSp>
+                  <p:nvGrpSpPr>
+                    <p:cNvPr id="180" name="Group 179"/>
+                    <p:cNvGrpSpPr/>
+                    <p:nvPr/>
+                  </p:nvGrpSpPr>
+                  <p:grpSpPr>
+                    <a:xfrm>
+                      <a:off x="4724400" y="1219200"/>
+                      <a:ext cx="91968" cy="533400"/>
+                      <a:chOff x="5318233" y="1905000"/>
+                      <a:chExt cx="91968" cy="533400"/>
+                    </a:xfrm>
+                  </p:grpSpPr>
+                  <p:sp>
+                    <p:nvSpPr>
+                      <p:cNvPr id="196" name="Freeform 195"/>
+                      <p:cNvSpPr/>
+                      <p:nvPr/>
+                    </p:nvSpPr>
+                    <p:spPr>
+                      <a:xfrm>
+                        <a:off x="5318233" y="1905000"/>
+                        <a:ext cx="91968" cy="483661"/>
+                      </a:xfrm>
+                      <a:custGeom>
+                        <a:avLst/>
+                        <a:gdLst>
+                          <a:gd name="connsiteX0" fmla="*/ 151904 w 302029"/>
+                          <a:gd name="connsiteY0" fmla="*/ 0 h 1138237"/>
+                          <a:gd name="connsiteX1" fmla="*/ 4267 w 302029"/>
+                          <a:gd name="connsiteY1" fmla="*/ 378619 h 1138237"/>
+                          <a:gd name="connsiteX2" fmla="*/ 299542 w 302029"/>
+                          <a:gd name="connsiteY2" fmla="*/ 762000 h 1138237"/>
+                          <a:gd name="connsiteX3" fmla="*/ 151904 w 302029"/>
+                          <a:gd name="connsiteY3" fmla="*/ 1138237 h 1138237"/>
+                        </a:gdLst>
+                        <a:ahLst/>
+                        <a:cxnLst>
+                          <a:cxn ang="0">
+                            <a:pos x="connsiteX0" y="connsiteY0"/>
+                          </a:cxn>
+                          <a:cxn ang="0">
+                            <a:pos x="connsiteX1" y="connsiteY1"/>
+                          </a:cxn>
+                          <a:cxn ang="0">
+                            <a:pos x="connsiteX2" y="connsiteY2"/>
+                          </a:cxn>
+                          <a:cxn ang="0">
+                            <a:pos x="connsiteX3" y="connsiteY3"/>
+                          </a:cxn>
+                        </a:cxnLst>
+                        <a:rect l="l" t="t" r="r" b="b"/>
+                        <a:pathLst>
+                          <a:path w="302029" h="1138237">
+                            <a:moveTo>
+                              <a:pt x="151904" y="0"/>
+                            </a:moveTo>
+                            <a:cubicBezTo>
+                              <a:pt x="65782" y="125809"/>
+                              <a:pt x="-20339" y="251619"/>
+                              <a:pt x="4267" y="378619"/>
+                            </a:cubicBezTo>
+                            <a:cubicBezTo>
+                              <a:pt x="28873" y="505619"/>
+                              <a:pt x="274936" y="635397"/>
+                              <a:pt x="299542" y="762000"/>
+                            </a:cubicBezTo>
+                            <a:cubicBezTo>
+                              <a:pt x="324148" y="888603"/>
+                              <a:pt x="158254" y="1083468"/>
+                              <a:pt x="151904" y="1138237"/>
+                            </a:cubicBezTo>
+                          </a:path>
+                        </a:pathLst>
+                      </a:custGeom>
+                      <a:noFill/>
+                      <a:ln>
+                        <a:solidFill>
+                          <a:schemeClr val="tx1"/>
+                        </a:solidFill>
+                      </a:ln>
+                    </p:spPr>
+                    <p:style>
+                      <a:lnRef idx="2">
+                        <a:schemeClr val="accent1">
+                          <a:shade val="50000"/>
+                        </a:schemeClr>
+                      </a:lnRef>
+                      <a:fillRef idx="1">
+                        <a:schemeClr val="accent1"/>
+                      </a:fillRef>
+                      <a:effectRef idx="0">
+                        <a:schemeClr val="accent1"/>
+                      </a:effectRef>
+                      <a:fontRef idx="minor">
+                        <a:schemeClr val="lt1"/>
+                      </a:fontRef>
+                    </p:style>
+                    <p:txBody>
+                      <a:bodyPr rtlCol="0" anchor="ctr"/>
+                      <a:lstStyle/>
+                      <a:p>
+                        <a:pPr algn="ctr"/>
+                        <a:endParaRPr lang="en-US"/>
+                      </a:p>
+                    </p:txBody>
+                  </p:sp>
+                  <p:cxnSp>
+                    <p:nvCxnSpPr>
+                      <p:cNvPr id="197" name="Straight Connector 196"/>
+                      <p:cNvCxnSpPr/>
+                      <p:nvPr/>
+                    </p:nvCxnSpPr>
+                    <p:spPr>
+                      <a:xfrm>
+                        <a:off x="5364217" y="2388661"/>
+                        <a:ext cx="0" cy="49739"/>
+                      </a:xfrm>
+                      <a:prstGeom prst="line">
+                        <a:avLst/>
+                      </a:prstGeom>
+                      <a:ln w="12700">
+                        <a:solidFill>
+                          <a:schemeClr val="tx1"/>
+                        </a:solidFill>
+                        <a:headEnd type="none" w="med" len="med"/>
+                        <a:tailEnd type="triangle" w="med" len="med"/>
+                      </a:ln>
+                    </p:spPr>
+                    <p:style>
+                      <a:lnRef idx="1">
+                        <a:schemeClr val="accent1"/>
+                      </a:lnRef>
+                      <a:fillRef idx="0">
+                        <a:schemeClr val="accent1"/>
+                      </a:fillRef>
+                      <a:effectRef idx="0">
+                        <a:schemeClr val="accent1"/>
+                      </a:effectRef>
+                      <a:fontRef idx="minor">
+                        <a:schemeClr val="tx1"/>
+                      </a:fontRef>
+                    </p:style>
+                  </p:cxnSp>
+                </p:grpSp>
+                <p:grpSp>
+                  <p:nvGrpSpPr>
+                    <p:cNvPr id="181" name="Group 180"/>
+                    <p:cNvGrpSpPr/>
+                    <p:nvPr/>
+                  </p:nvGrpSpPr>
+                  <p:grpSpPr>
+                    <a:xfrm>
+                      <a:off x="4880110" y="1219200"/>
+                      <a:ext cx="91968" cy="533400"/>
+                      <a:chOff x="5318233" y="1905000"/>
+                      <a:chExt cx="91968" cy="533400"/>
+                    </a:xfrm>
+                  </p:grpSpPr>
+                  <p:sp>
+                    <p:nvSpPr>
+                      <p:cNvPr id="194" name="Freeform 193"/>
+                      <p:cNvSpPr/>
+                      <p:nvPr/>
+                    </p:nvSpPr>
+                    <p:spPr>
+                      <a:xfrm>
+                        <a:off x="5318233" y="1905000"/>
+                        <a:ext cx="91968" cy="483661"/>
+                      </a:xfrm>
+                      <a:custGeom>
+                        <a:avLst/>
+                        <a:gdLst>
+                          <a:gd name="connsiteX0" fmla="*/ 151904 w 302029"/>
+                          <a:gd name="connsiteY0" fmla="*/ 0 h 1138237"/>
+                          <a:gd name="connsiteX1" fmla="*/ 4267 w 302029"/>
+                          <a:gd name="connsiteY1" fmla="*/ 378619 h 1138237"/>
+                          <a:gd name="connsiteX2" fmla="*/ 299542 w 302029"/>
+                          <a:gd name="connsiteY2" fmla="*/ 762000 h 1138237"/>
+                          <a:gd name="connsiteX3" fmla="*/ 151904 w 302029"/>
+                          <a:gd name="connsiteY3" fmla="*/ 1138237 h 1138237"/>
+                        </a:gdLst>
+                        <a:ahLst/>
+                        <a:cxnLst>
+                          <a:cxn ang="0">
+                            <a:pos x="connsiteX0" y="connsiteY0"/>
+                          </a:cxn>
+                          <a:cxn ang="0">
+                            <a:pos x="connsiteX1" y="connsiteY1"/>
+                          </a:cxn>
+                          <a:cxn ang="0">
+                            <a:pos x="connsiteX2" y="connsiteY2"/>
+                          </a:cxn>
+                          <a:cxn ang="0">
+                            <a:pos x="connsiteX3" y="connsiteY3"/>
+                          </a:cxn>
+                        </a:cxnLst>
+                        <a:rect l="l" t="t" r="r" b="b"/>
+                        <a:pathLst>
+                          <a:path w="302029" h="1138237">
+                            <a:moveTo>
+                              <a:pt x="151904" y="0"/>
+                            </a:moveTo>
+                            <a:cubicBezTo>
+                              <a:pt x="65782" y="125809"/>
+                              <a:pt x="-20339" y="251619"/>
+                              <a:pt x="4267" y="378619"/>
+                            </a:cubicBezTo>
+                            <a:cubicBezTo>
+                              <a:pt x="28873" y="505619"/>
+                              <a:pt x="274936" y="635397"/>
+                              <a:pt x="299542" y="762000"/>
+                            </a:cubicBezTo>
+                            <a:cubicBezTo>
+                              <a:pt x="324148" y="888603"/>
+                              <a:pt x="158254" y="1083468"/>
+                              <a:pt x="151904" y="1138237"/>
+                            </a:cubicBezTo>
+                          </a:path>
+                        </a:pathLst>
+                      </a:custGeom>
+                      <a:noFill/>
+                      <a:ln>
+                        <a:solidFill>
+                          <a:schemeClr val="tx1"/>
+                        </a:solidFill>
+                      </a:ln>
+                    </p:spPr>
+                    <p:style>
+                      <a:lnRef idx="2">
+                        <a:schemeClr val="accent1">
+                          <a:shade val="50000"/>
+                        </a:schemeClr>
+                      </a:lnRef>
+                      <a:fillRef idx="1">
+                        <a:schemeClr val="accent1"/>
+                      </a:fillRef>
+                      <a:effectRef idx="0">
+                        <a:schemeClr val="accent1"/>
+                      </a:effectRef>
+                      <a:fontRef idx="minor">
+                        <a:schemeClr val="lt1"/>
+                      </a:fontRef>
+                    </p:style>
+                    <p:txBody>
+                      <a:bodyPr rtlCol="0" anchor="ctr"/>
+                      <a:lstStyle/>
+                      <a:p>
+                        <a:pPr algn="ctr"/>
+                        <a:endParaRPr lang="en-US"/>
+                      </a:p>
+                    </p:txBody>
+                  </p:sp>
+                  <p:cxnSp>
+                    <p:nvCxnSpPr>
+                      <p:cNvPr id="195" name="Straight Connector 194"/>
+                      <p:cNvCxnSpPr/>
+                      <p:nvPr/>
+                    </p:nvCxnSpPr>
+                    <p:spPr>
+                      <a:xfrm>
+                        <a:off x="5364217" y="2388661"/>
+                        <a:ext cx="0" cy="49739"/>
+                      </a:xfrm>
+                      <a:prstGeom prst="line">
+                        <a:avLst/>
+                      </a:prstGeom>
+                      <a:ln w="12700">
+                        <a:solidFill>
+                          <a:schemeClr val="tx1"/>
+                        </a:solidFill>
+                        <a:headEnd type="none" w="med" len="med"/>
+                        <a:tailEnd type="triangle" w="med" len="med"/>
+                      </a:ln>
+                    </p:spPr>
+                    <p:style>
+                      <a:lnRef idx="1">
+                        <a:schemeClr val="accent1"/>
+                      </a:lnRef>
+                      <a:fillRef idx="0">
+                        <a:schemeClr val="accent1"/>
+                      </a:fillRef>
+                      <a:effectRef idx="0">
+                        <a:schemeClr val="accent1"/>
+                      </a:effectRef>
+                      <a:fontRef idx="minor">
+                        <a:schemeClr val="tx1"/>
+                      </a:fontRef>
+                    </p:style>
+                  </p:cxnSp>
+                </p:grpSp>
+                <p:grpSp>
+                  <p:nvGrpSpPr>
+                    <p:cNvPr id="182" name="Group 181"/>
+                    <p:cNvGrpSpPr/>
+                    <p:nvPr/>
+                  </p:nvGrpSpPr>
+                  <p:grpSpPr>
+                    <a:xfrm>
+                      <a:off x="5035820" y="1219200"/>
+                      <a:ext cx="91968" cy="533400"/>
+                      <a:chOff x="5318233" y="1905000"/>
+                      <a:chExt cx="91968" cy="533400"/>
+                    </a:xfrm>
+                  </p:grpSpPr>
+                  <p:sp>
+                    <p:nvSpPr>
+                      <p:cNvPr id="192" name="Freeform 191"/>
+                      <p:cNvSpPr/>
+                      <p:nvPr/>
+                    </p:nvSpPr>
+                    <p:spPr>
+                      <a:xfrm>
+                        <a:off x="5318233" y="1905000"/>
+                        <a:ext cx="91968" cy="483661"/>
+                      </a:xfrm>
+                      <a:custGeom>
+                        <a:avLst/>
+                        <a:gdLst>
+                          <a:gd name="connsiteX0" fmla="*/ 151904 w 302029"/>
+                          <a:gd name="connsiteY0" fmla="*/ 0 h 1138237"/>
+                          <a:gd name="connsiteX1" fmla="*/ 4267 w 302029"/>
+                          <a:gd name="connsiteY1" fmla="*/ 378619 h 1138237"/>
+                          <a:gd name="connsiteX2" fmla="*/ 299542 w 302029"/>
+                          <a:gd name="connsiteY2" fmla="*/ 762000 h 1138237"/>
+                          <a:gd name="connsiteX3" fmla="*/ 151904 w 302029"/>
+                          <a:gd name="connsiteY3" fmla="*/ 1138237 h 1138237"/>
+                        </a:gdLst>
+                        <a:ahLst/>
+                        <a:cxnLst>
+                          <a:cxn ang="0">
+                            <a:pos x="connsiteX0" y="connsiteY0"/>
+                          </a:cxn>
+                          <a:cxn ang="0">
+                            <a:pos x="connsiteX1" y="connsiteY1"/>
+                          </a:cxn>
+                          <a:cxn ang="0">
+                            <a:pos x="connsiteX2" y="connsiteY2"/>
+                          </a:cxn>
+                          <a:cxn ang="0">
+                            <a:pos x="connsiteX3" y="connsiteY3"/>
+                          </a:cxn>
+                        </a:cxnLst>
+                        <a:rect l="l" t="t" r="r" b="b"/>
+                        <a:pathLst>
+                          <a:path w="302029" h="1138237">
+                            <a:moveTo>
+                              <a:pt x="151904" y="0"/>
+                            </a:moveTo>
+                            <a:cubicBezTo>
+                              <a:pt x="65782" y="125809"/>
+                              <a:pt x="-20339" y="251619"/>
+                              <a:pt x="4267" y="378619"/>
+                            </a:cubicBezTo>
+                            <a:cubicBezTo>
+                              <a:pt x="28873" y="505619"/>
+                              <a:pt x="274936" y="635397"/>
+                              <a:pt x="299542" y="762000"/>
+                            </a:cubicBezTo>
+                            <a:cubicBezTo>
+                              <a:pt x="324148" y="888603"/>
+                              <a:pt x="158254" y="1083468"/>
+                              <a:pt x="151904" y="1138237"/>
+                            </a:cubicBezTo>
+                          </a:path>
+                        </a:pathLst>
+                      </a:custGeom>
+                      <a:noFill/>
+                      <a:ln>
+                        <a:solidFill>
+                          <a:schemeClr val="tx1"/>
+                        </a:solidFill>
+                      </a:ln>
+                    </p:spPr>
+                    <p:style>
+                      <a:lnRef idx="2">
+                        <a:schemeClr val="accent1">
+                          <a:shade val="50000"/>
+                        </a:schemeClr>
+                      </a:lnRef>
+                      <a:fillRef idx="1">
+                        <a:schemeClr val="accent1"/>
+                      </a:fillRef>
+                      <a:effectRef idx="0">
+                        <a:schemeClr val="accent1"/>
+                      </a:effectRef>
+                      <a:fontRef idx="minor">
+                        <a:schemeClr val="lt1"/>
+                      </a:fontRef>
+                    </p:style>
+                    <p:txBody>
+                      <a:bodyPr rtlCol="0" anchor="ctr"/>
+                      <a:lstStyle/>
+                      <a:p>
+                        <a:pPr algn="ctr"/>
+                        <a:endParaRPr lang="en-US"/>
+                      </a:p>
+                    </p:txBody>
+                  </p:sp>
+                  <p:cxnSp>
+                    <p:nvCxnSpPr>
+                      <p:cNvPr id="193" name="Straight Connector 192"/>
+                      <p:cNvCxnSpPr/>
+                      <p:nvPr/>
+                    </p:nvCxnSpPr>
+                    <p:spPr>
+                      <a:xfrm>
+                        <a:off x="5364217" y="2388661"/>
+                        <a:ext cx="0" cy="49739"/>
+                      </a:xfrm>
+                      <a:prstGeom prst="line">
+                        <a:avLst/>
+                      </a:prstGeom>
+                      <a:ln w="12700">
+                        <a:solidFill>
+                          <a:schemeClr val="tx1"/>
+                        </a:solidFill>
+                        <a:headEnd type="none" w="med" len="med"/>
+                        <a:tailEnd type="triangle" w="med" len="med"/>
+                      </a:ln>
+                    </p:spPr>
+                    <p:style>
+                      <a:lnRef idx="1">
+                        <a:schemeClr val="accent1"/>
+                      </a:lnRef>
+                      <a:fillRef idx="0">
+                        <a:schemeClr val="accent1"/>
+                      </a:fillRef>
+                      <a:effectRef idx="0">
+                        <a:schemeClr val="accent1"/>
+                      </a:effectRef>
+                      <a:fontRef idx="minor">
+                        <a:schemeClr val="tx1"/>
+                      </a:fontRef>
+                    </p:style>
+                  </p:cxnSp>
+                </p:grpSp>
+                <p:grpSp>
+                  <p:nvGrpSpPr>
+                    <p:cNvPr id="183" name="Group 182"/>
+                    <p:cNvGrpSpPr/>
+                    <p:nvPr/>
+                  </p:nvGrpSpPr>
+                  <p:grpSpPr>
+                    <a:xfrm>
+                      <a:off x="4802255" y="1219200"/>
+                      <a:ext cx="91968" cy="533400"/>
+                      <a:chOff x="5318233" y="1905000"/>
+                      <a:chExt cx="91968" cy="533400"/>
+                    </a:xfrm>
+                  </p:grpSpPr>
+                  <p:sp>
+                    <p:nvSpPr>
+                      <p:cNvPr id="190" name="Freeform 189"/>
+                      <p:cNvSpPr/>
+                      <p:nvPr/>
+                    </p:nvSpPr>
+                    <p:spPr>
+                      <a:xfrm>
+                        <a:off x="5318233" y="1905000"/>
+                        <a:ext cx="91968" cy="483661"/>
+                      </a:xfrm>
+                      <a:custGeom>
+                        <a:avLst/>
+                        <a:gdLst>
+                          <a:gd name="connsiteX0" fmla="*/ 151904 w 302029"/>
+                          <a:gd name="connsiteY0" fmla="*/ 0 h 1138237"/>
+                          <a:gd name="connsiteX1" fmla="*/ 4267 w 302029"/>
+                          <a:gd name="connsiteY1" fmla="*/ 378619 h 1138237"/>
+                          <a:gd name="connsiteX2" fmla="*/ 299542 w 302029"/>
+                          <a:gd name="connsiteY2" fmla="*/ 762000 h 1138237"/>
+                          <a:gd name="connsiteX3" fmla="*/ 151904 w 302029"/>
+                          <a:gd name="connsiteY3" fmla="*/ 1138237 h 1138237"/>
+                        </a:gdLst>
+                        <a:ahLst/>
+                        <a:cxnLst>
+                          <a:cxn ang="0">
+                            <a:pos x="connsiteX0" y="connsiteY0"/>
+                          </a:cxn>
+                          <a:cxn ang="0">
+                            <a:pos x="connsiteX1" y="connsiteY1"/>
+                          </a:cxn>
+                          <a:cxn ang="0">
+                            <a:pos x="connsiteX2" y="connsiteY2"/>
+                          </a:cxn>
+                          <a:cxn ang="0">
+                            <a:pos x="connsiteX3" y="connsiteY3"/>
+                          </a:cxn>
+                        </a:cxnLst>
+                        <a:rect l="l" t="t" r="r" b="b"/>
+                        <a:pathLst>
+                          <a:path w="302029" h="1138237">
+                            <a:moveTo>
+                              <a:pt x="151904" y="0"/>
+                            </a:moveTo>
+                            <a:cubicBezTo>
+                              <a:pt x="65782" y="125809"/>
+                              <a:pt x="-20339" y="251619"/>
+                              <a:pt x="4267" y="378619"/>
+                            </a:cubicBezTo>
+                            <a:cubicBezTo>
+                              <a:pt x="28873" y="505619"/>
+                              <a:pt x="274936" y="635397"/>
+                              <a:pt x="299542" y="762000"/>
+                            </a:cubicBezTo>
+                            <a:cubicBezTo>
+                              <a:pt x="324148" y="888603"/>
+                              <a:pt x="158254" y="1083468"/>
+                              <a:pt x="151904" y="1138237"/>
+                            </a:cubicBezTo>
+                          </a:path>
+                        </a:pathLst>
+                      </a:custGeom>
+                      <a:noFill/>
+                      <a:ln>
+                        <a:solidFill>
+                          <a:schemeClr val="tx1"/>
+                        </a:solidFill>
+                      </a:ln>
+                    </p:spPr>
+                    <p:style>
+                      <a:lnRef idx="2">
+                        <a:schemeClr val="accent1">
+                          <a:shade val="50000"/>
+                        </a:schemeClr>
+                      </a:lnRef>
+                      <a:fillRef idx="1">
+                        <a:schemeClr val="accent1"/>
+                      </a:fillRef>
+                      <a:effectRef idx="0">
+                        <a:schemeClr val="accent1"/>
+                      </a:effectRef>
+                      <a:fontRef idx="minor">
+                        <a:schemeClr val="lt1"/>
+                      </a:fontRef>
+                    </p:style>
+                    <p:txBody>
+                      <a:bodyPr rtlCol="0" anchor="ctr"/>
+                      <a:lstStyle/>
+                      <a:p>
+                        <a:pPr algn="ctr"/>
+                        <a:endParaRPr lang="en-US"/>
+                      </a:p>
+                    </p:txBody>
+                  </p:sp>
+                  <p:cxnSp>
+                    <p:nvCxnSpPr>
+                      <p:cNvPr id="191" name="Straight Connector 190"/>
+                      <p:cNvCxnSpPr/>
+                      <p:nvPr/>
+                    </p:nvCxnSpPr>
+                    <p:spPr>
+                      <a:xfrm>
+                        <a:off x="5364217" y="2388661"/>
+                        <a:ext cx="0" cy="49739"/>
+                      </a:xfrm>
+                      <a:prstGeom prst="line">
+                        <a:avLst/>
+                      </a:prstGeom>
+                      <a:ln w="12700">
+                        <a:solidFill>
+                          <a:schemeClr val="tx1"/>
+                        </a:solidFill>
+                        <a:headEnd type="none" w="med" len="med"/>
+                        <a:tailEnd type="triangle" w="med" len="med"/>
+                      </a:ln>
+                    </p:spPr>
+                    <p:style>
+                      <a:lnRef idx="1">
+                        <a:schemeClr val="accent1"/>
+                      </a:lnRef>
+                      <a:fillRef idx="0">
+                        <a:schemeClr val="accent1"/>
+                      </a:fillRef>
+                      <a:effectRef idx="0">
+                        <a:schemeClr val="accent1"/>
+                      </a:effectRef>
+                      <a:fontRef idx="minor">
+                        <a:schemeClr val="tx1"/>
+                      </a:fontRef>
+                    </p:style>
+                  </p:cxnSp>
+                </p:grpSp>
+                <p:grpSp>
+                  <p:nvGrpSpPr>
+                    <p:cNvPr id="184" name="Group 183"/>
+                    <p:cNvGrpSpPr/>
+                    <p:nvPr/>
+                  </p:nvGrpSpPr>
+                  <p:grpSpPr>
+                    <a:xfrm>
+                      <a:off x="4957965" y="1219200"/>
+                      <a:ext cx="91968" cy="533400"/>
+                      <a:chOff x="5318233" y="1905000"/>
+                      <a:chExt cx="91968" cy="533400"/>
+                    </a:xfrm>
+                  </p:grpSpPr>
+                  <p:sp>
+                    <p:nvSpPr>
+                      <p:cNvPr id="188" name="Freeform 187"/>
+                      <p:cNvSpPr/>
+                      <p:nvPr/>
+                    </p:nvSpPr>
+                    <p:spPr>
+                      <a:xfrm>
+                        <a:off x="5318233" y="1905000"/>
+                        <a:ext cx="91968" cy="483661"/>
+                      </a:xfrm>
+                      <a:custGeom>
+                        <a:avLst/>
+                        <a:gdLst>
+                          <a:gd name="connsiteX0" fmla="*/ 151904 w 302029"/>
+                          <a:gd name="connsiteY0" fmla="*/ 0 h 1138237"/>
+                          <a:gd name="connsiteX1" fmla="*/ 4267 w 302029"/>
+                          <a:gd name="connsiteY1" fmla="*/ 378619 h 1138237"/>
+                          <a:gd name="connsiteX2" fmla="*/ 299542 w 302029"/>
+                          <a:gd name="connsiteY2" fmla="*/ 762000 h 1138237"/>
+                          <a:gd name="connsiteX3" fmla="*/ 151904 w 302029"/>
+                          <a:gd name="connsiteY3" fmla="*/ 1138237 h 1138237"/>
+                        </a:gdLst>
+                        <a:ahLst/>
+                        <a:cxnLst>
+                          <a:cxn ang="0">
+                            <a:pos x="connsiteX0" y="connsiteY0"/>
+                          </a:cxn>
+                          <a:cxn ang="0">
+                            <a:pos x="connsiteX1" y="connsiteY1"/>
+                          </a:cxn>
+                          <a:cxn ang="0">
+                            <a:pos x="connsiteX2" y="connsiteY2"/>
+                          </a:cxn>
+                          <a:cxn ang="0">
+                            <a:pos x="connsiteX3" y="connsiteY3"/>
+                          </a:cxn>
+                        </a:cxnLst>
+                        <a:rect l="l" t="t" r="r" b="b"/>
+                        <a:pathLst>
+                          <a:path w="302029" h="1138237">
+                            <a:moveTo>
+                              <a:pt x="151904" y="0"/>
+                            </a:moveTo>
+                            <a:cubicBezTo>
+                              <a:pt x="65782" y="125809"/>
+                              <a:pt x="-20339" y="251619"/>
+                              <a:pt x="4267" y="378619"/>
+                            </a:cubicBezTo>
+                            <a:cubicBezTo>
+                              <a:pt x="28873" y="505619"/>
+                              <a:pt x="274936" y="635397"/>
+                              <a:pt x="299542" y="762000"/>
+                            </a:cubicBezTo>
+                            <a:cubicBezTo>
+                              <a:pt x="324148" y="888603"/>
+                              <a:pt x="158254" y="1083468"/>
+                              <a:pt x="151904" y="1138237"/>
+                            </a:cubicBezTo>
+                          </a:path>
+                        </a:pathLst>
+                      </a:custGeom>
+                      <a:noFill/>
+                      <a:ln>
+                        <a:solidFill>
+                          <a:schemeClr val="tx1"/>
+                        </a:solidFill>
+                      </a:ln>
+                    </p:spPr>
+                    <p:style>
+                      <a:lnRef idx="2">
+                        <a:schemeClr val="accent1">
+                          <a:shade val="50000"/>
+                        </a:schemeClr>
+                      </a:lnRef>
+                      <a:fillRef idx="1">
+                        <a:schemeClr val="accent1"/>
+                      </a:fillRef>
+                      <a:effectRef idx="0">
+                        <a:schemeClr val="accent1"/>
+                      </a:effectRef>
+                      <a:fontRef idx="minor">
+                        <a:schemeClr val="lt1"/>
+                      </a:fontRef>
+                    </p:style>
+                    <p:txBody>
+                      <a:bodyPr rtlCol="0" anchor="ctr"/>
+                      <a:lstStyle/>
+                      <a:p>
+                        <a:pPr algn="ctr"/>
+                        <a:endParaRPr lang="en-US"/>
+                      </a:p>
+                    </p:txBody>
+                  </p:sp>
+                  <p:cxnSp>
+                    <p:nvCxnSpPr>
+                      <p:cNvPr id="189" name="Straight Connector 188"/>
+                      <p:cNvCxnSpPr/>
+                      <p:nvPr/>
+                    </p:nvCxnSpPr>
+                    <p:spPr>
+                      <a:xfrm>
+                        <a:off x="5364217" y="2388661"/>
+                        <a:ext cx="0" cy="49739"/>
+                      </a:xfrm>
+                      <a:prstGeom prst="line">
+                        <a:avLst/>
+                      </a:prstGeom>
+                      <a:ln w="12700">
+                        <a:solidFill>
+                          <a:schemeClr val="tx1"/>
+                        </a:solidFill>
+                        <a:headEnd type="none" w="med" len="med"/>
+                        <a:tailEnd type="triangle" w="med" len="med"/>
+                      </a:ln>
+                    </p:spPr>
+                    <p:style>
+                      <a:lnRef idx="1">
+                        <a:schemeClr val="accent1"/>
+                      </a:lnRef>
+                      <a:fillRef idx="0">
+                        <a:schemeClr val="accent1"/>
+                      </a:fillRef>
+                      <a:effectRef idx="0">
+                        <a:schemeClr val="accent1"/>
+                      </a:effectRef>
+                      <a:fontRef idx="minor">
+                        <a:schemeClr val="tx1"/>
+                      </a:fontRef>
+                    </p:style>
+                  </p:cxnSp>
+                </p:grpSp>
+                <p:grpSp>
+                  <p:nvGrpSpPr>
+                    <p:cNvPr id="185" name="Group 184"/>
+                    <p:cNvGrpSpPr/>
+                    <p:nvPr/>
+                  </p:nvGrpSpPr>
+                  <p:grpSpPr>
+                    <a:xfrm>
+                      <a:off x="5113675" y="1219200"/>
+                      <a:ext cx="91968" cy="533400"/>
+                      <a:chOff x="5318233" y="1905000"/>
+                      <a:chExt cx="91968" cy="533400"/>
+                    </a:xfrm>
+                  </p:grpSpPr>
+                  <p:sp>
+                    <p:nvSpPr>
+                      <p:cNvPr id="186" name="Freeform 185"/>
+                      <p:cNvSpPr/>
+                      <p:nvPr/>
+                    </p:nvSpPr>
+                    <p:spPr>
+                      <a:xfrm>
+                        <a:off x="5318233" y="1905000"/>
+                        <a:ext cx="91968" cy="483661"/>
+                      </a:xfrm>
+                      <a:custGeom>
+                        <a:avLst/>
+                        <a:gdLst>
+                          <a:gd name="connsiteX0" fmla="*/ 151904 w 302029"/>
+                          <a:gd name="connsiteY0" fmla="*/ 0 h 1138237"/>
+                          <a:gd name="connsiteX1" fmla="*/ 4267 w 302029"/>
+                          <a:gd name="connsiteY1" fmla="*/ 378619 h 1138237"/>
+                          <a:gd name="connsiteX2" fmla="*/ 299542 w 302029"/>
+                          <a:gd name="connsiteY2" fmla="*/ 762000 h 1138237"/>
+                          <a:gd name="connsiteX3" fmla="*/ 151904 w 302029"/>
+                          <a:gd name="connsiteY3" fmla="*/ 1138237 h 1138237"/>
+                        </a:gdLst>
+                        <a:ahLst/>
+                        <a:cxnLst>
+                          <a:cxn ang="0">
+                            <a:pos x="connsiteX0" y="connsiteY0"/>
+                          </a:cxn>
+                          <a:cxn ang="0">
+                            <a:pos x="connsiteX1" y="connsiteY1"/>
+                          </a:cxn>
+                          <a:cxn ang="0">
+                            <a:pos x="connsiteX2" y="connsiteY2"/>
+                          </a:cxn>
+                          <a:cxn ang="0">
+                            <a:pos x="connsiteX3" y="connsiteY3"/>
+                          </a:cxn>
+                        </a:cxnLst>
+                        <a:rect l="l" t="t" r="r" b="b"/>
+                        <a:pathLst>
+                          <a:path w="302029" h="1138237">
+                            <a:moveTo>
+                              <a:pt x="151904" y="0"/>
+                            </a:moveTo>
+                            <a:cubicBezTo>
+                              <a:pt x="65782" y="125809"/>
+                              <a:pt x="-20339" y="251619"/>
+                              <a:pt x="4267" y="378619"/>
+                            </a:cubicBezTo>
+                            <a:cubicBezTo>
+                              <a:pt x="28873" y="505619"/>
+                              <a:pt x="274936" y="635397"/>
+                              <a:pt x="299542" y="762000"/>
+                            </a:cubicBezTo>
+                            <a:cubicBezTo>
+                              <a:pt x="324148" y="888603"/>
+                              <a:pt x="158254" y="1083468"/>
+                              <a:pt x="151904" y="1138237"/>
+                            </a:cubicBezTo>
+                          </a:path>
+                        </a:pathLst>
+                      </a:custGeom>
+                      <a:noFill/>
+                      <a:ln>
+                        <a:solidFill>
+                          <a:schemeClr val="tx1"/>
+                        </a:solidFill>
+                      </a:ln>
+                    </p:spPr>
+                    <p:style>
+                      <a:lnRef idx="2">
+                        <a:schemeClr val="accent1">
+                          <a:shade val="50000"/>
+                        </a:schemeClr>
+                      </a:lnRef>
+                      <a:fillRef idx="1">
+                        <a:schemeClr val="accent1"/>
+                      </a:fillRef>
+                      <a:effectRef idx="0">
+                        <a:schemeClr val="accent1"/>
+                      </a:effectRef>
+                      <a:fontRef idx="minor">
+                        <a:schemeClr val="lt1"/>
+                      </a:fontRef>
+                    </p:style>
+                    <p:txBody>
+                      <a:bodyPr rtlCol="0" anchor="ctr"/>
+                      <a:lstStyle/>
+                      <a:p>
+                        <a:pPr algn="ctr"/>
+                        <a:endParaRPr lang="en-US"/>
+                      </a:p>
+                    </p:txBody>
+                  </p:sp>
+                  <p:cxnSp>
+                    <p:nvCxnSpPr>
+                      <p:cNvPr id="187" name="Straight Connector 186"/>
+                      <p:cNvCxnSpPr/>
+                      <p:nvPr/>
+                    </p:nvCxnSpPr>
+                    <p:spPr>
+                      <a:xfrm>
+                        <a:off x="5364217" y="2388661"/>
+                        <a:ext cx="0" cy="49739"/>
+                      </a:xfrm>
+                      <a:prstGeom prst="line">
+                        <a:avLst/>
+                      </a:prstGeom>
+                      <a:ln w="12700">
+                        <a:solidFill>
+                          <a:schemeClr val="tx1"/>
+                        </a:solidFill>
+                        <a:headEnd type="none" w="med" len="med"/>
+                        <a:tailEnd type="triangle" w="med" len="med"/>
+                      </a:ln>
+                    </p:spPr>
+                    <p:style>
+                      <a:lnRef idx="1">
+                        <a:schemeClr val="accent1"/>
+                      </a:lnRef>
+                      <a:fillRef idx="0">
+                        <a:schemeClr val="accent1"/>
+                      </a:fillRef>
+                      <a:effectRef idx="0">
+                        <a:schemeClr val="accent1"/>
+                      </a:effectRef>
+                      <a:fontRef idx="minor">
+                        <a:schemeClr val="tx1"/>
+                      </a:fontRef>
+                    </p:style>
+                  </p:cxnSp>
+                </p:grpSp>
+              </p:grpSp>
+            </p:grpSp>
+            <p:sp>
+              <p:nvSpPr>
+                <p:cNvPr id="177" name="Rectangle 176"/>
+                <p:cNvSpPr/>
+                <p:nvPr/>
+              </p:nvSpPr>
+              <p:spPr>
+                <a:xfrm>
+                  <a:off x="8439091" y="1541294"/>
+                  <a:ext cx="800219" cy="369332"/>
+                </a:xfrm>
+                <a:prstGeom prst="rect">
+                  <a:avLst/>
+                </a:prstGeom>
+              </p:spPr>
+              <p:txBody>
+                <a:bodyPr wrap="none">
+                  <a:spAutoFit/>
+                </a:bodyPr>
+                <a:lstStyle/>
+                <a:p>
+                  <a:r>
+                    <a:rPr lang="en-US" dirty="0" smtClean="0">
+                      <a:ln w="0"/>
+                      <a:effectLst>
+                        <a:outerShdw blurRad="38100" dist="19050" dir="2700000" algn="tl" rotWithShape="0">
+                          <a:schemeClr val="dk1">
+                            <a:alpha val="40000"/>
+                          </a:schemeClr>
+                        </a:outerShdw>
+                      </a:effectLst>
+                      <a:latin typeface="Times New Roman" panose="02020603050405020304" pitchFamily="18" charset="0"/>
+                      <a:cs typeface="Times New Roman" panose="02020603050405020304" pitchFamily="18" charset="0"/>
+                    </a:rPr>
+                    <a:t>SM-M</a:t>
+                  </a:r>
+                  <a:endParaRPr lang="en-US" dirty="0"/>
+                </a:p>
+              </p:txBody>
+            </p:sp>
+          </p:grpSp>
+          <p:grpSp>
+            <p:nvGrpSpPr>
+              <p:cNvPr id="119" name="Group 118"/>
+              <p:cNvGrpSpPr/>
+              <p:nvPr/>
+            </p:nvGrpSpPr>
+            <p:grpSpPr>
+              <a:xfrm>
+                <a:off x="3546192" y="1506700"/>
+                <a:ext cx="1828800" cy="3078057"/>
+                <a:chOff x="3546192" y="1522785"/>
+                <a:chExt cx="1828800" cy="3078057"/>
+              </a:xfrm>
+            </p:grpSpPr>
+            <p:sp>
+              <p:nvSpPr>
+                <p:cNvPr id="55" name="Rectangle 54"/>
+                <p:cNvSpPr/>
+                <p:nvPr/>
+              </p:nvSpPr>
+              <p:spPr>
+                <a:xfrm>
+                  <a:off x="3546192" y="1522785"/>
+                  <a:ext cx="1828800" cy="3078057"/>
+                </a:xfrm>
+                <a:prstGeom prst="rect">
+                  <a:avLst/>
+                </a:prstGeom>
+                <a:solidFill>
+                  <a:schemeClr val="bg1">
+                    <a:lumMod val="95000"/>
+                  </a:schemeClr>
+                </a:solidFill>
+                <a:ln>
+                  <a:solidFill>
+                    <a:schemeClr val="tx1"/>
+                  </a:solidFill>
+                </a:ln>
+              </p:spPr>
+              <p:style>
+                <a:lnRef idx="2">
+                  <a:schemeClr val="accent1">
+                    <a:shade val="50000"/>
+                  </a:schemeClr>
+                </a:lnRef>
+                <a:fillRef idx="1">
+                  <a:schemeClr val="accent1"/>
+                </a:fillRef>
+                <a:effectRef idx="0">
+                  <a:schemeClr val="accent1"/>
+                </a:effectRef>
+                <a:fontRef idx="minor">
+                  <a:schemeClr val="lt1"/>
+                </a:fontRef>
+              </p:style>
+              <p:txBody>
+                <a:bodyPr rtlCol="0" anchor="ctr"/>
+                <a:lstStyle/>
+                <a:p>
+                  <a:pPr algn="ctr"/>
+                  <a:endParaRPr lang="en-US" dirty="0">
+                    <a:latin typeface="Times New Roman" panose="02020603050405020304" pitchFamily="18" charset="0"/>
+                    <a:cs typeface="Times New Roman" panose="02020603050405020304" pitchFamily="18" charset="0"/>
+                  </a:endParaRPr>
+                </a:p>
+              </p:txBody>
+            </p:sp>
+            <p:sp>
+              <p:nvSpPr>
+                <p:cNvPr id="56" name="Rectangle 55"/>
+                <p:cNvSpPr/>
+                <p:nvPr/>
+              </p:nvSpPr>
+              <p:spPr>
+                <a:xfrm>
+                  <a:off x="3622392" y="3854930"/>
+                  <a:ext cx="571500" cy="593513"/>
+                </a:xfrm>
+                <a:prstGeom prst="rect">
+                  <a:avLst/>
+                </a:prstGeom>
+                <a:solidFill>
+                  <a:schemeClr val="bg1">
+                    <a:lumMod val="95000"/>
+                  </a:schemeClr>
+                </a:solidFill>
+                <a:ln>
+                  <a:solidFill>
+                    <a:schemeClr val="tx1"/>
+                  </a:solidFill>
+                </a:ln>
+              </p:spPr>
+              <p:style>
+                <a:lnRef idx="2">
+                  <a:schemeClr val="accent1">
+                    <a:shade val="50000"/>
+                  </a:schemeClr>
+                </a:lnRef>
+                <a:fillRef idx="1">
+                  <a:schemeClr val="accent1"/>
+                </a:fillRef>
+                <a:effectRef idx="0">
+                  <a:schemeClr val="accent1"/>
+                </a:effectRef>
+                <a:fontRef idx="minor">
+                  <a:schemeClr val="lt1"/>
+                </a:fontRef>
+              </p:style>
+              <p:txBody>
+                <a:bodyPr rtlCol="0" anchor="ctr"/>
+                <a:lstStyle/>
+                <a:p>
+                  <a:pPr algn="ctr"/>
+                  <a:r>
+                    <a:rPr lang="en-US" dirty="0" smtClean="0">
+                      <a:ln w="0"/>
+                      <a:solidFill>
+                        <a:schemeClr val="tx1"/>
+                      </a:solidFill>
+                      <a:effectLst>
+                        <a:outerShdw blurRad="38100" dist="19050" dir="2700000" algn="tl" rotWithShape="0">
+                          <a:schemeClr val="dk1">
+                            <a:alpha val="40000"/>
+                          </a:schemeClr>
+                        </a:outerShdw>
+                      </a:effectLst>
+                      <a:latin typeface="Times New Roman" panose="02020603050405020304" pitchFamily="18" charset="0"/>
+                      <a:cs typeface="Times New Roman" panose="02020603050405020304" pitchFamily="18" charset="0"/>
+                    </a:rPr>
+                    <a:t>L1</a:t>
+                  </a:r>
+                  <a:endParaRPr lang="en-US" dirty="0">
+                    <a:latin typeface="Times New Roman" panose="02020603050405020304" pitchFamily="18" charset="0"/>
+                    <a:cs typeface="Times New Roman" panose="02020603050405020304" pitchFamily="18" charset="0"/>
+                  </a:endParaRPr>
+                </a:p>
+              </p:txBody>
+            </p:sp>
+            <p:sp>
+              <p:nvSpPr>
+                <p:cNvPr id="57" name="Rectangle 56"/>
+                <p:cNvSpPr/>
+                <p:nvPr/>
+              </p:nvSpPr>
+              <p:spPr>
+                <a:xfrm>
+                  <a:off x="4270092" y="3854930"/>
+                  <a:ext cx="1028700" cy="593513"/>
+                </a:xfrm>
+                <a:prstGeom prst="rect">
+                  <a:avLst/>
+                </a:prstGeom>
+                <a:solidFill>
+                  <a:schemeClr val="bg1">
+                    <a:lumMod val="95000"/>
+                  </a:schemeClr>
+                </a:solidFill>
+                <a:ln>
+                  <a:solidFill>
+                    <a:schemeClr val="tx1"/>
+                  </a:solidFill>
+                </a:ln>
+              </p:spPr>
+              <p:style>
+                <a:lnRef idx="2">
+                  <a:schemeClr val="accent1">
+                    <a:shade val="50000"/>
+                  </a:schemeClr>
+                </a:lnRef>
+                <a:fillRef idx="1">
+                  <a:schemeClr val="accent1"/>
+                </a:fillRef>
+                <a:effectRef idx="0">
+                  <a:schemeClr val="accent1"/>
+                </a:effectRef>
+                <a:fontRef idx="minor">
+                  <a:schemeClr val="lt1"/>
+                </a:fontRef>
+              </p:style>
+              <p:txBody>
+                <a:bodyPr rtlCol="0" anchor="ctr"/>
+                <a:lstStyle/>
+                <a:p>
+                  <a:pPr algn="ctr"/>
+                  <a:r>
+                    <a:rPr lang="en-US" dirty="0" smtClean="0">
+                      <a:ln w="0"/>
+                      <a:solidFill>
+                        <a:schemeClr val="tx1"/>
+                      </a:solidFill>
+                      <a:effectLst>
+                        <a:outerShdw blurRad="38100" dist="19050" dir="2700000" algn="tl" rotWithShape="0">
+                          <a:schemeClr val="dk1">
+                            <a:alpha val="40000"/>
+                          </a:schemeClr>
+                        </a:outerShdw>
+                      </a:effectLst>
+                      <a:latin typeface="Times New Roman" panose="02020603050405020304" pitchFamily="18" charset="0"/>
+                      <a:cs typeface="Times New Roman" panose="02020603050405020304" pitchFamily="18" charset="0"/>
+                    </a:rPr>
+                    <a:t>Shared Memory</a:t>
+                  </a:r>
+                  <a:endParaRPr lang="en-US" dirty="0">
+                    <a:latin typeface="Times New Roman" panose="02020603050405020304" pitchFamily="18" charset="0"/>
+                    <a:cs typeface="Times New Roman" panose="02020603050405020304" pitchFamily="18" charset="0"/>
+                  </a:endParaRPr>
+                </a:p>
+              </p:txBody>
+            </p:sp>
+            <p:sp>
+              <p:nvSpPr>
+                <p:cNvPr id="58" name="Rectangle 57"/>
+                <p:cNvSpPr/>
+                <p:nvPr/>
+              </p:nvSpPr>
+              <p:spPr>
+                <a:xfrm>
+                  <a:off x="3622392" y="3188181"/>
+                  <a:ext cx="1676400" cy="593513"/>
+                </a:xfrm>
+                <a:prstGeom prst="rect">
+                  <a:avLst/>
+                </a:prstGeom>
+                <a:solidFill>
+                  <a:schemeClr val="bg1">
+                    <a:lumMod val="95000"/>
+                  </a:schemeClr>
+                </a:solidFill>
+                <a:ln>
+                  <a:solidFill>
+                    <a:schemeClr val="tx1"/>
+                  </a:solidFill>
+                </a:ln>
+              </p:spPr>
+              <p:style>
+                <a:lnRef idx="2">
+                  <a:schemeClr val="accent1">
+                    <a:shade val="50000"/>
+                  </a:schemeClr>
+                </a:lnRef>
+                <a:fillRef idx="1">
+                  <a:schemeClr val="accent1"/>
+                </a:fillRef>
+                <a:effectRef idx="0">
+                  <a:schemeClr val="accent1"/>
+                </a:effectRef>
+                <a:fontRef idx="minor">
+                  <a:schemeClr val="lt1"/>
+                </a:fontRef>
+              </p:style>
+              <p:txBody>
+                <a:bodyPr rtlCol="0" anchor="ctr"/>
+                <a:lstStyle/>
+                <a:p>
+                  <a:pPr algn="ctr"/>
+                  <a:r>
+                    <a:rPr lang="en-US" dirty="0" smtClean="0">
+                      <a:ln w="0"/>
+                      <a:solidFill>
+                        <a:schemeClr val="tx1"/>
+                      </a:solidFill>
+                      <a:effectLst>
+                        <a:outerShdw blurRad="38100" dist="19050" dir="2700000" algn="tl" rotWithShape="0">
+                          <a:schemeClr val="dk1">
+                            <a:alpha val="40000"/>
+                          </a:schemeClr>
+                        </a:outerShdw>
+                      </a:effectLst>
+                      <a:latin typeface="Times New Roman" panose="02020603050405020304" pitchFamily="18" charset="0"/>
+                      <a:cs typeface="Times New Roman" panose="02020603050405020304" pitchFamily="18" charset="0"/>
+                    </a:rPr>
+                    <a:t>Registers</a:t>
+                  </a:r>
+                  <a:endParaRPr lang="en-US" dirty="0">
+                    <a:latin typeface="Times New Roman" panose="02020603050405020304" pitchFamily="18" charset="0"/>
+                    <a:cs typeface="Times New Roman" panose="02020603050405020304" pitchFamily="18" charset="0"/>
+                  </a:endParaRPr>
+                </a:p>
+              </p:txBody>
+            </p:sp>
+            <p:grpSp>
+              <p:nvGrpSpPr>
+                <p:cNvPr id="100" name="Group 99"/>
+                <p:cNvGrpSpPr/>
+                <p:nvPr/>
+              </p:nvGrpSpPr>
+              <p:grpSpPr>
+                <a:xfrm>
+                  <a:off x="3622392" y="1927919"/>
+                  <a:ext cx="1676400" cy="1187026"/>
+                  <a:chOff x="1010059" y="1590946"/>
+                  <a:chExt cx="1676400" cy="1187026"/>
+                </a:xfrm>
+              </p:grpSpPr>
+              <p:sp>
+                <p:nvSpPr>
+                  <p:cNvPr id="140" name="Rectangle 139"/>
+                  <p:cNvSpPr/>
+                  <p:nvPr/>
+                </p:nvSpPr>
+                <p:spPr>
+                  <a:xfrm>
+                    <a:off x="1010059" y="1590946"/>
+                    <a:ext cx="1676400" cy="1187026"/>
+                  </a:xfrm>
+                  <a:prstGeom prst="rect">
+                    <a:avLst/>
+                  </a:prstGeom>
+                  <a:solidFill>
+                    <a:schemeClr val="bg1">
+                      <a:lumMod val="95000"/>
+                    </a:schemeClr>
+                  </a:solidFill>
+                  <a:ln>
+                    <a:solidFill>
+                      <a:schemeClr val="tx1"/>
+                    </a:solidFill>
+                  </a:ln>
+                </p:spPr>
+                <p:style>
+                  <a:lnRef idx="2">
+                    <a:schemeClr val="accent1">
+                      <a:shade val="50000"/>
+                    </a:schemeClr>
+                  </a:lnRef>
+                  <a:fillRef idx="1">
+                    <a:schemeClr val="accent1"/>
+                  </a:fillRef>
+                  <a:effectRef idx="0">
+                    <a:schemeClr val="accent1"/>
+                  </a:effectRef>
+                  <a:fontRef idx="minor">
+                    <a:schemeClr val="lt1"/>
+                  </a:fontRef>
+                </p:style>
+                <p:txBody>
+                  <a:bodyPr rtlCol="0" anchor="ctr"/>
+                  <a:lstStyle/>
+                  <a:p>
+                    <a:pPr algn="ctr"/>
+                    <a:endParaRPr lang="en-US" dirty="0" smtClean="0">
+                      <a:ln w="0"/>
+                      <a:solidFill>
+                        <a:schemeClr val="tx1"/>
+                      </a:solidFill>
+                      <a:effectLst>
+                        <a:outerShdw blurRad="38100" dist="19050" dir="2700000" algn="tl" rotWithShape="0">
+                          <a:schemeClr val="dk1">
+                            <a:alpha val="40000"/>
+                          </a:schemeClr>
+                        </a:outerShdw>
+                      </a:effectLst>
+                      <a:latin typeface="Times New Roman" panose="02020603050405020304" pitchFamily="18" charset="0"/>
+                      <a:cs typeface="Times New Roman" panose="02020603050405020304" pitchFamily="18" charset="0"/>
+                    </a:endParaRPr>
+                  </a:p>
+                  <a:p>
+                    <a:pPr algn="ctr"/>
+                    <a:endParaRPr lang="en-US" dirty="0">
+                      <a:ln w="0"/>
+                      <a:solidFill>
+                        <a:schemeClr val="tx1"/>
+                      </a:solidFill>
+                      <a:effectLst>
+                        <a:outerShdw blurRad="38100" dist="19050" dir="2700000" algn="tl" rotWithShape="0">
+                          <a:schemeClr val="dk1">
+                            <a:alpha val="40000"/>
+                          </a:schemeClr>
+                        </a:outerShdw>
+                      </a:effectLst>
+                      <a:latin typeface="Times New Roman" panose="02020603050405020304" pitchFamily="18" charset="0"/>
+                      <a:cs typeface="Times New Roman" panose="02020603050405020304" pitchFamily="18" charset="0"/>
+                    </a:endParaRPr>
+                  </a:p>
+                  <a:p>
+                    <a:pPr algn="ctr"/>
+                    <a:r>
+                      <a:rPr lang="en-US" dirty="0" smtClean="0">
+                        <a:ln w="0"/>
+                        <a:solidFill>
+                          <a:schemeClr val="tx1"/>
+                        </a:solidFill>
+                        <a:effectLst>
+                          <a:outerShdw blurRad="38100" dist="19050" dir="2700000" algn="tl" rotWithShape="0">
+                            <a:schemeClr val="dk1">
+                              <a:alpha val="40000"/>
+                            </a:schemeClr>
+                          </a:outerShdw>
+                        </a:effectLst>
+                        <a:latin typeface="Times New Roman" panose="02020603050405020304" pitchFamily="18" charset="0"/>
+                        <a:cs typeface="Times New Roman" panose="02020603050405020304" pitchFamily="18" charset="0"/>
+                      </a:rPr>
+                      <a:t>Threads on CUDA Cores</a:t>
+                    </a:r>
+                    <a:endParaRPr lang="en-US" dirty="0">
+                      <a:latin typeface="Times New Roman" panose="02020603050405020304" pitchFamily="18" charset="0"/>
+                      <a:cs typeface="Times New Roman" panose="02020603050405020304" pitchFamily="18" charset="0"/>
+                    </a:endParaRPr>
+                  </a:p>
+                </p:txBody>
+              </p:sp>
+              <p:grpSp>
+                <p:nvGrpSpPr>
+                  <p:cNvPr id="99" name="Group 98"/>
+                  <p:cNvGrpSpPr/>
+                  <p:nvPr/>
+                </p:nvGrpSpPr>
+                <p:grpSpPr>
+                  <a:xfrm>
+                    <a:off x="1607637" y="1676400"/>
+                    <a:ext cx="481243" cy="533400"/>
+                    <a:chOff x="4724400" y="1219200"/>
+                    <a:chExt cx="481243" cy="533400"/>
+                  </a:xfrm>
+                </p:grpSpPr>
+                <p:grpSp>
+                  <p:nvGrpSpPr>
+                    <p:cNvPr id="98" name="Group 97"/>
+                    <p:cNvGrpSpPr/>
+                    <p:nvPr/>
+                  </p:nvGrpSpPr>
+                  <p:grpSpPr>
+                    <a:xfrm>
+                      <a:off x="4724400" y="1219200"/>
+                      <a:ext cx="91968" cy="533400"/>
+                      <a:chOff x="5318233" y="1905000"/>
+                      <a:chExt cx="91968" cy="533400"/>
+                    </a:xfrm>
+                  </p:grpSpPr>
+                  <p:sp>
+                    <p:nvSpPr>
+                      <p:cNvPr id="76" name="Freeform 75"/>
+                      <p:cNvSpPr/>
+                      <p:nvPr/>
+                    </p:nvSpPr>
+                    <p:spPr>
+                      <a:xfrm>
+                        <a:off x="5318233" y="1905000"/>
+                        <a:ext cx="91968" cy="483661"/>
+                      </a:xfrm>
+                      <a:custGeom>
+                        <a:avLst/>
+                        <a:gdLst>
+                          <a:gd name="connsiteX0" fmla="*/ 151904 w 302029"/>
+                          <a:gd name="connsiteY0" fmla="*/ 0 h 1138237"/>
+                          <a:gd name="connsiteX1" fmla="*/ 4267 w 302029"/>
+                          <a:gd name="connsiteY1" fmla="*/ 378619 h 1138237"/>
+                          <a:gd name="connsiteX2" fmla="*/ 299542 w 302029"/>
+                          <a:gd name="connsiteY2" fmla="*/ 762000 h 1138237"/>
+                          <a:gd name="connsiteX3" fmla="*/ 151904 w 302029"/>
+                          <a:gd name="connsiteY3" fmla="*/ 1138237 h 1138237"/>
+                        </a:gdLst>
+                        <a:ahLst/>
+                        <a:cxnLst>
+                          <a:cxn ang="0">
+                            <a:pos x="connsiteX0" y="connsiteY0"/>
+                          </a:cxn>
+                          <a:cxn ang="0">
+                            <a:pos x="connsiteX1" y="connsiteY1"/>
+                          </a:cxn>
+                          <a:cxn ang="0">
+                            <a:pos x="connsiteX2" y="connsiteY2"/>
+                          </a:cxn>
+                          <a:cxn ang="0">
+                            <a:pos x="connsiteX3" y="connsiteY3"/>
+                          </a:cxn>
+                        </a:cxnLst>
+                        <a:rect l="l" t="t" r="r" b="b"/>
+                        <a:pathLst>
+                          <a:path w="302029" h="1138237">
+                            <a:moveTo>
+                              <a:pt x="151904" y="0"/>
+                            </a:moveTo>
+                            <a:cubicBezTo>
+                              <a:pt x="65782" y="125809"/>
+                              <a:pt x="-20339" y="251619"/>
+                              <a:pt x="4267" y="378619"/>
+                            </a:cubicBezTo>
+                            <a:cubicBezTo>
+                              <a:pt x="28873" y="505619"/>
+                              <a:pt x="274936" y="635397"/>
+                              <a:pt x="299542" y="762000"/>
+                            </a:cubicBezTo>
+                            <a:cubicBezTo>
+                              <a:pt x="324148" y="888603"/>
+                              <a:pt x="158254" y="1083468"/>
+                              <a:pt x="151904" y="1138237"/>
+                            </a:cubicBezTo>
+                          </a:path>
+                        </a:pathLst>
+                      </a:custGeom>
+                      <a:noFill/>
+                      <a:ln>
+                        <a:solidFill>
+                          <a:schemeClr val="tx1"/>
+                        </a:solidFill>
+                      </a:ln>
+                    </p:spPr>
+                    <p:style>
+                      <a:lnRef idx="2">
+                        <a:schemeClr val="accent1">
+                          <a:shade val="50000"/>
+                        </a:schemeClr>
+                      </a:lnRef>
+                      <a:fillRef idx="1">
+                        <a:schemeClr val="accent1"/>
+                      </a:fillRef>
+                      <a:effectRef idx="0">
+                        <a:schemeClr val="accent1"/>
+                      </a:effectRef>
+                      <a:fontRef idx="minor">
+                        <a:schemeClr val="lt1"/>
+                      </a:fontRef>
+                    </p:style>
+                    <p:txBody>
+                      <a:bodyPr rtlCol="0" anchor="ctr"/>
+                      <a:lstStyle/>
+                      <a:p>
+                        <a:pPr algn="ctr"/>
+                        <a:endParaRPr lang="en-US"/>
+                      </a:p>
+                    </p:txBody>
+                  </p:sp>
+                  <p:cxnSp>
+                    <p:nvCxnSpPr>
+                      <p:cNvPr id="82" name="Straight Connector 81"/>
+                      <p:cNvCxnSpPr/>
+                      <p:nvPr/>
+                    </p:nvCxnSpPr>
+                    <p:spPr>
+                      <a:xfrm>
+                        <a:off x="5364217" y="2388661"/>
+                        <a:ext cx="0" cy="49739"/>
+                      </a:xfrm>
+                      <a:prstGeom prst="line">
+                        <a:avLst/>
+                      </a:prstGeom>
+                      <a:ln w="12700">
+                        <a:solidFill>
+                          <a:schemeClr val="tx1"/>
+                        </a:solidFill>
+                        <a:headEnd type="none" w="med" len="med"/>
+                        <a:tailEnd type="triangle" w="med" len="med"/>
+                      </a:ln>
+                    </p:spPr>
+                    <p:style>
+                      <a:lnRef idx="1">
+                        <a:schemeClr val="accent1"/>
+                      </a:lnRef>
+                      <a:fillRef idx="0">
+                        <a:schemeClr val="accent1"/>
+                      </a:fillRef>
+                      <a:effectRef idx="0">
+                        <a:schemeClr val="accent1"/>
+                      </a:effectRef>
+                      <a:fontRef idx="minor">
+                        <a:schemeClr val="tx1"/>
+                      </a:fontRef>
+                    </p:style>
+                  </p:cxnSp>
+                </p:grpSp>
+                <p:grpSp>
+                  <p:nvGrpSpPr>
+                    <p:cNvPr id="120" name="Group 119"/>
+                    <p:cNvGrpSpPr/>
+                    <p:nvPr/>
+                  </p:nvGrpSpPr>
+                  <p:grpSpPr>
+                    <a:xfrm>
+                      <a:off x="4880110" y="1219200"/>
+                      <a:ext cx="91968" cy="533400"/>
+                      <a:chOff x="5318233" y="1905000"/>
+                      <a:chExt cx="91968" cy="533400"/>
+                    </a:xfrm>
+                  </p:grpSpPr>
+                  <p:sp>
+                    <p:nvSpPr>
+                      <p:cNvPr id="121" name="Freeform 120"/>
+                      <p:cNvSpPr/>
+                      <p:nvPr/>
+                    </p:nvSpPr>
+                    <p:spPr>
+                      <a:xfrm>
+                        <a:off x="5318233" y="1905000"/>
+                        <a:ext cx="91968" cy="483661"/>
+                      </a:xfrm>
+                      <a:custGeom>
+                        <a:avLst/>
+                        <a:gdLst>
+                          <a:gd name="connsiteX0" fmla="*/ 151904 w 302029"/>
+                          <a:gd name="connsiteY0" fmla="*/ 0 h 1138237"/>
+                          <a:gd name="connsiteX1" fmla="*/ 4267 w 302029"/>
+                          <a:gd name="connsiteY1" fmla="*/ 378619 h 1138237"/>
+                          <a:gd name="connsiteX2" fmla="*/ 299542 w 302029"/>
+                          <a:gd name="connsiteY2" fmla="*/ 762000 h 1138237"/>
+                          <a:gd name="connsiteX3" fmla="*/ 151904 w 302029"/>
+                          <a:gd name="connsiteY3" fmla="*/ 1138237 h 1138237"/>
+                        </a:gdLst>
+                        <a:ahLst/>
+                        <a:cxnLst>
+                          <a:cxn ang="0">
+                            <a:pos x="connsiteX0" y="connsiteY0"/>
+                          </a:cxn>
+                          <a:cxn ang="0">
+                            <a:pos x="connsiteX1" y="connsiteY1"/>
+                          </a:cxn>
+                          <a:cxn ang="0">
+                            <a:pos x="connsiteX2" y="connsiteY2"/>
+                          </a:cxn>
+                          <a:cxn ang="0">
+                            <a:pos x="connsiteX3" y="connsiteY3"/>
+                          </a:cxn>
+                        </a:cxnLst>
+                        <a:rect l="l" t="t" r="r" b="b"/>
+                        <a:pathLst>
+                          <a:path w="302029" h="1138237">
+                            <a:moveTo>
+                              <a:pt x="151904" y="0"/>
+                            </a:moveTo>
+                            <a:cubicBezTo>
+                              <a:pt x="65782" y="125809"/>
+                              <a:pt x="-20339" y="251619"/>
+                              <a:pt x="4267" y="378619"/>
+                            </a:cubicBezTo>
+                            <a:cubicBezTo>
+                              <a:pt x="28873" y="505619"/>
+                              <a:pt x="274936" y="635397"/>
+                              <a:pt x="299542" y="762000"/>
+                            </a:cubicBezTo>
+                            <a:cubicBezTo>
+                              <a:pt x="324148" y="888603"/>
+                              <a:pt x="158254" y="1083468"/>
+                              <a:pt x="151904" y="1138237"/>
+                            </a:cubicBezTo>
+                          </a:path>
+                        </a:pathLst>
+                      </a:custGeom>
+                      <a:noFill/>
+                      <a:ln>
+                        <a:solidFill>
+                          <a:schemeClr val="tx1"/>
+                        </a:solidFill>
+                      </a:ln>
+                    </p:spPr>
+                    <p:style>
+                      <a:lnRef idx="2">
+                        <a:schemeClr val="accent1">
+                          <a:shade val="50000"/>
+                        </a:schemeClr>
+                      </a:lnRef>
+                      <a:fillRef idx="1">
+                        <a:schemeClr val="accent1"/>
+                      </a:fillRef>
+                      <a:effectRef idx="0">
+                        <a:schemeClr val="accent1"/>
+                      </a:effectRef>
+                      <a:fontRef idx="minor">
+                        <a:schemeClr val="lt1"/>
+                      </a:fontRef>
+                    </p:style>
+                    <p:txBody>
+                      <a:bodyPr rtlCol="0" anchor="ctr"/>
+                      <a:lstStyle/>
+                      <a:p>
+                        <a:pPr algn="ctr"/>
+                        <a:endParaRPr lang="en-US"/>
+                      </a:p>
+                    </p:txBody>
+                  </p:sp>
+                  <p:cxnSp>
+                    <p:nvCxnSpPr>
+                      <p:cNvPr id="122" name="Straight Connector 121"/>
+                      <p:cNvCxnSpPr/>
+                      <p:nvPr/>
+                    </p:nvCxnSpPr>
+                    <p:spPr>
+                      <a:xfrm>
+                        <a:off x="5364217" y="2388661"/>
+                        <a:ext cx="0" cy="49739"/>
+                      </a:xfrm>
+                      <a:prstGeom prst="line">
+                        <a:avLst/>
+                      </a:prstGeom>
+                      <a:ln w="12700">
+                        <a:solidFill>
+                          <a:schemeClr val="tx1"/>
+                        </a:solidFill>
+                        <a:headEnd type="none" w="med" len="med"/>
+                        <a:tailEnd type="triangle" w="med" len="med"/>
+                      </a:ln>
+                    </p:spPr>
+                    <p:style>
+                      <a:lnRef idx="1">
+                        <a:schemeClr val="accent1"/>
+                      </a:lnRef>
+                      <a:fillRef idx="0">
+                        <a:schemeClr val="accent1"/>
+                      </a:fillRef>
+                      <a:effectRef idx="0">
+                        <a:schemeClr val="accent1"/>
+                      </a:effectRef>
+                      <a:fontRef idx="minor">
+                        <a:schemeClr val="tx1"/>
+                      </a:fontRef>
+                    </p:style>
+                  </p:cxnSp>
+                </p:grpSp>
+                <p:grpSp>
+                  <p:nvGrpSpPr>
+                    <p:cNvPr id="123" name="Group 122"/>
+                    <p:cNvGrpSpPr/>
+                    <p:nvPr/>
+                  </p:nvGrpSpPr>
+                  <p:grpSpPr>
+                    <a:xfrm>
+                      <a:off x="5035820" y="1219200"/>
+                      <a:ext cx="91968" cy="533400"/>
+                      <a:chOff x="5318233" y="1905000"/>
+                      <a:chExt cx="91968" cy="533400"/>
+                    </a:xfrm>
+                  </p:grpSpPr>
+                  <p:sp>
+                    <p:nvSpPr>
+                      <p:cNvPr id="125" name="Freeform 124"/>
+                      <p:cNvSpPr/>
+                      <p:nvPr/>
+                    </p:nvSpPr>
+                    <p:spPr>
+                      <a:xfrm>
+                        <a:off x="5318233" y="1905000"/>
+                        <a:ext cx="91968" cy="483661"/>
+                      </a:xfrm>
+                      <a:custGeom>
+                        <a:avLst/>
+                        <a:gdLst>
+                          <a:gd name="connsiteX0" fmla="*/ 151904 w 302029"/>
+                          <a:gd name="connsiteY0" fmla="*/ 0 h 1138237"/>
+                          <a:gd name="connsiteX1" fmla="*/ 4267 w 302029"/>
+                          <a:gd name="connsiteY1" fmla="*/ 378619 h 1138237"/>
+                          <a:gd name="connsiteX2" fmla="*/ 299542 w 302029"/>
+                          <a:gd name="connsiteY2" fmla="*/ 762000 h 1138237"/>
+                          <a:gd name="connsiteX3" fmla="*/ 151904 w 302029"/>
+                          <a:gd name="connsiteY3" fmla="*/ 1138237 h 1138237"/>
+                        </a:gdLst>
+                        <a:ahLst/>
+                        <a:cxnLst>
+                          <a:cxn ang="0">
+                            <a:pos x="connsiteX0" y="connsiteY0"/>
+                          </a:cxn>
+                          <a:cxn ang="0">
+                            <a:pos x="connsiteX1" y="connsiteY1"/>
+                          </a:cxn>
+                          <a:cxn ang="0">
+                            <a:pos x="connsiteX2" y="connsiteY2"/>
+                          </a:cxn>
+                          <a:cxn ang="0">
+                            <a:pos x="connsiteX3" y="connsiteY3"/>
+                          </a:cxn>
+                        </a:cxnLst>
+                        <a:rect l="l" t="t" r="r" b="b"/>
+                        <a:pathLst>
+                          <a:path w="302029" h="1138237">
+                            <a:moveTo>
+                              <a:pt x="151904" y="0"/>
+                            </a:moveTo>
+                            <a:cubicBezTo>
+                              <a:pt x="65782" y="125809"/>
+                              <a:pt x="-20339" y="251619"/>
+                              <a:pt x="4267" y="378619"/>
+                            </a:cubicBezTo>
+                            <a:cubicBezTo>
+                              <a:pt x="28873" y="505619"/>
+                              <a:pt x="274936" y="635397"/>
+                              <a:pt x="299542" y="762000"/>
+                            </a:cubicBezTo>
+                            <a:cubicBezTo>
+                              <a:pt x="324148" y="888603"/>
+                              <a:pt x="158254" y="1083468"/>
+                              <a:pt x="151904" y="1138237"/>
+                            </a:cubicBezTo>
+                          </a:path>
+                        </a:pathLst>
+                      </a:custGeom>
+                      <a:noFill/>
+                      <a:ln>
+                        <a:solidFill>
+                          <a:schemeClr val="tx1"/>
+                        </a:solidFill>
+                      </a:ln>
+                    </p:spPr>
+                    <p:style>
+                      <a:lnRef idx="2">
+                        <a:schemeClr val="accent1">
+                          <a:shade val="50000"/>
+                        </a:schemeClr>
+                      </a:lnRef>
+                      <a:fillRef idx="1">
+                        <a:schemeClr val="accent1"/>
+                      </a:fillRef>
+                      <a:effectRef idx="0">
+                        <a:schemeClr val="accent1"/>
+                      </a:effectRef>
+                      <a:fontRef idx="minor">
+                        <a:schemeClr val="lt1"/>
+                      </a:fontRef>
+                    </p:style>
+                    <p:txBody>
+                      <a:bodyPr rtlCol="0" anchor="ctr"/>
+                      <a:lstStyle/>
+                      <a:p>
+                        <a:pPr algn="ctr"/>
+                        <a:endParaRPr lang="en-US"/>
+                      </a:p>
+                    </p:txBody>
+                  </p:sp>
+                  <p:cxnSp>
+                    <p:nvCxnSpPr>
+                      <p:cNvPr id="126" name="Straight Connector 125"/>
+                      <p:cNvCxnSpPr/>
+                      <p:nvPr/>
+                    </p:nvCxnSpPr>
+                    <p:spPr>
+                      <a:xfrm>
+                        <a:off x="5364217" y="2388661"/>
+                        <a:ext cx="0" cy="49739"/>
+                      </a:xfrm>
+                      <a:prstGeom prst="line">
+                        <a:avLst/>
+                      </a:prstGeom>
+                      <a:ln w="12700">
+                        <a:solidFill>
+                          <a:schemeClr val="tx1"/>
+                        </a:solidFill>
+                        <a:headEnd type="none" w="med" len="med"/>
+                        <a:tailEnd type="triangle" w="med" len="med"/>
+                      </a:ln>
+                    </p:spPr>
+                    <p:style>
+                      <a:lnRef idx="1">
+                        <a:schemeClr val="accent1"/>
+                      </a:lnRef>
+                      <a:fillRef idx="0">
+                        <a:schemeClr val="accent1"/>
+                      </a:fillRef>
+                      <a:effectRef idx="0">
+                        <a:schemeClr val="accent1"/>
+                      </a:effectRef>
+                      <a:fontRef idx="minor">
+                        <a:schemeClr val="tx1"/>
+                      </a:fontRef>
+                    </p:style>
+                  </p:cxnSp>
+                </p:grpSp>
+                <p:grpSp>
+                  <p:nvGrpSpPr>
+                    <p:cNvPr id="127" name="Group 126"/>
+                    <p:cNvGrpSpPr/>
+                    <p:nvPr/>
+                  </p:nvGrpSpPr>
+                  <p:grpSpPr>
+                    <a:xfrm>
+                      <a:off x="4802255" y="1219200"/>
+                      <a:ext cx="91968" cy="533400"/>
+                      <a:chOff x="5318233" y="1905000"/>
+                      <a:chExt cx="91968" cy="533400"/>
+                    </a:xfrm>
+                  </p:grpSpPr>
+                  <p:sp>
+                    <p:nvSpPr>
+                      <p:cNvPr id="128" name="Freeform 127"/>
+                      <p:cNvSpPr/>
+                      <p:nvPr/>
+                    </p:nvSpPr>
+                    <p:spPr>
+                      <a:xfrm>
+                        <a:off x="5318233" y="1905000"/>
+                        <a:ext cx="91968" cy="483661"/>
+                      </a:xfrm>
+                      <a:custGeom>
+                        <a:avLst/>
+                        <a:gdLst>
+                          <a:gd name="connsiteX0" fmla="*/ 151904 w 302029"/>
+                          <a:gd name="connsiteY0" fmla="*/ 0 h 1138237"/>
+                          <a:gd name="connsiteX1" fmla="*/ 4267 w 302029"/>
+                          <a:gd name="connsiteY1" fmla="*/ 378619 h 1138237"/>
+                          <a:gd name="connsiteX2" fmla="*/ 299542 w 302029"/>
+                          <a:gd name="connsiteY2" fmla="*/ 762000 h 1138237"/>
+                          <a:gd name="connsiteX3" fmla="*/ 151904 w 302029"/>
+                          <a:gd name="connsiteY3" fmla="*/ 1138237 h 1138237"/>
+                        </a:gdLst>
+                        <a:ahLst/>
+                        <a:cxnLst>
+                          <a:cxn ang="0">
+                            <a:pos x="connsiteX0" y="connsiteY0"/>
+                          </a:cxn>
+                          <a:cxn ang="0">
+                            <a:pos x="connsiteX1" y="connsiteY1"/>
+                          </a:cxn>
+                          <a:cxn ang="0">
+                            <a:pos x="connsiteX2" y="connsiteY2"/>
+                          </a:cxn>
+                          <a:cxn ang="0">
+                            <a:pos x="connsiteX3" y="connsiteY3"/>
+                          </a:cxn>
+                        </a:cxnLst>
+                        <a:rect l="l" t="t" r="r" b="b"/>
+                        <a:pathLst>
+                          <a:path w="302029" h="1138237">
+                            <a:moveTo>
+                              <a:pt x="151904" y="0"/>
+                            </a:moveTo>
+                            <a:cubicBezTo>
+                              <a:pt x="65782" y="125809"/>
+                              <a:pt x="-20339" y="251619"/>
+                              <a:pt x="4267" y="378619"/>
+                            </a:cubicBezTo>
+                            <a:cubicBezTo>
+                              <a:pt x="28873" y="505619"/>
+                              <a:pt x="274936" y="635397"/>
+                              <a:pt x="299542" y="762000"/>
+                            </a:cubicBezTo>
+                            <a:cubicBezTo>
+                              <a:pt x="324148" y="888603"/>
+                              <a:pt x="158254" y="1083468"/>
+                              <a:pt x="151904" y="1138237"/>
+                            </a:cubicBezTo>
+                          </a:path>
+                        </a:pathLst>
+                      </a:custGeom>
+                      <a:noFill/>
+                      <a:ln>
+                        <a:solidFill>
+                          <a:schemeClr val="tx1"/>
+                        </a:solidFill>
+                      </a:ln>
+                    </p:spPr>
+                    <p:style>
+                      <a:lnRef idx="2">
+                        <a:schemeClr val="accent1">
+                          <a:shade val="50000"/>
+                        </a:schemeClr>
+                      </a:lnRef>
+                      <a:fillRef idx="1">
+                        <a:schemeClr val="accent1"/>
+                      </a:fillRef>
+                      <a:effectRef idx="0">
+                        <a:schemeClr val="accent1"/>
+                      </a:effectRef>
+                      <a:fontRef idx="minor">
+                        <a:schemeClr val="lt1"/>
+                      </a:fontRef>
+                    </p:style>
+                    <p:txBody>
+                      <a:bodyPr rtlCol="0" anchor="ctr"/>
+                      <a:lstStyle/>
+                      <a:p>
+                        <a:pPr algn="ctr"/>
+                        <a:endParaRPr lang="en-US"/>
+                      </a:p>
+                    </p:txBody>
+                  </p:sp>
+                  <p:cxnSp>
+                    <p:nvCxnSpPr>
+                      <p:cNvPr id="129" name="Straight Connector 128"/>
+                      <p:cNvCxnSpPr/>
+                      <p:nvPr/>
+                    </p:nvCxnSpPr>
+                    <p:spPr>
+                      <a:xfrm>
+                        <a:off x="5364217" y="2388661"/>
+                        <a:ext cx="0" cy="49739"/>
+                      </a:xfrm>
+                      <a:prstGeom prst="line">
+                        <a:avLst/>
+                      </a:prstGeom>
+                      <a:ln w="12700">
+                        <a:solidFill>
+                          <a:schemeClr val="tx1"/>
+                        </a:solidFill>
+                        <a:headEnd type="none" w="med" len="med"/>
+                        <a:tailEnd type="triangle" w="med" len="med"/>
+                      </a:ln>
+                    </p:spPr>
+                    <p:style>
+                      <a:lnRef idx="1">
+                        <a:schemeClr val="accent1"/>
+                      </a:lnRef>
+                      <a:fillRef idx="0">
+                        <a:schemeClr val="accent1"/>
+                      </a:fillRef>
+                      <a:effectRef idx="0">
+                        <a:schemeClr val="accent1"/>
+                      </a:effectRef>
+                      <a:fontRef idx="minor">
+                        <a:schemeClr val="tx1"/>
+                      </a:fontRef>
+                    </p:style>
+                  </p:cxnSp>
+                </p:grpSp>
+                <p:grpSp>
+                  <p:nvGrpSpPr>
+                    <p:cNvPr id="130" name="Group 129"/>
+                    <p:cNvGrpSpPr/>
+                    <p:nvPr/>
+                  </p:nvGrpSpPr>
+                  <p:grpSpPr>
+                    <a:xfrm>
+                      <a:off x="4957965" y="1219200"/>
+                      <a:ext cx="91968" cy="533400"/>
+                      <a:chOff x="5318233" y="1905000"/>
+                      <a:chExt cx="91968" cy="533400"/>
+                    </a:xfrm>
+                  </p:grpSpPr>
+                  <p:sp>
+                    <p:nvSpPr>
+                      <p:cNvPr id="132" name="Freeform 131"/>
+                      <p:cNvSpPr/>
+                      <p:nvPr/>
+                    </p:nvSpPr>
+                    <p:spPr>
+                      <a:xfrm>
+                        <a:off x="5318233" y="1905000"/>
+                        <a:ext cx="91968" cy="483661"/>
+                      </a:xfrm>
+                      <a:custGeom>
+                        <a:avLst/>
+                        <a:gdLst>
+                          <a:gd name="connsiteX0" fmla="*/ 151904 w 302029"/>
+                          <a:gd name="connsiteY0" fmla="*/ 0 h 1138237"/>
+                          <a:gd name="connsiteX1" fmla="*/ 4267 w 302029"/>
+                          <a:gd name="connsiteY1" fmla="*/ 378619 h 1138237"/>
+                          <a:gd name="connsiteX2" fmla="*/ 299542 w 302029"/>
+                          <a:gd name="connsiteY2" fmla="*/ 762000 h 1138237"/>
+                          <a:gd name="connsiteX3" fmla="*/ 151904 w 302029"/>
+                          <a:gd name="connsiteY3" fmla="*/ 1138237 h 1138237"/>
+                        </a:gdLst>
+                        <a:ahLst/>
+                        <a:cxnLst>
+                          <a:cxn ang="0">
+                            <a:pos x="connsiteX0" y="connsiteY0"/>
+                          </a:cxn>
+                          <a:cxn ang="0">
+                            <a:pos x="connsiteX1" y="connsiteY1"/>
+                          </a:cxn>
+                          <a:cxn ang="0">
+                            <a:pos x="connsiteX2" y="connsiteY2"/>
+                          </a:cxn>
+                          <a:cxn ang="0">
+                            <a:pos x="connsiteX3" y="connsiteY3"/>
+                          </a:cxn>
+                        </a:cxnLst>
+                        <a:rect l="l" t="t" r="r" b="b"/>
+                        <a:pathLst>
+                          <a:path w="302029" h="1138237">
+                            <a:moveTo>
+                              <a:pt x="151904" y="0"/>
+                            </a:moveTo>
+                            <a:cubicBezTo>
+                              <a:pt x="65782" y="125809"/>
+                              <a:pt x="-20339" y="251619"/>
+                              <a:pt x="4267" y="378619"/>
+                            </a:cubicBezTo>
+                            <a:cubicBezTo>
+                              <a:pt x="28873" y="505619"/>
+                              <a:pt x="274936" y="635397"/>
+                              <a:pt x="299542" y="762000"/>
+                            </a:cubicBezTo>
+                            <a:cubicBezTo>
+                              <a:pt x="324148" y="888603"/>
+                              <a:pt x="158254" y="1083468"/>
+                              <a:pt x="151904" y="1138237"/>
+                            </a:cubicBezTo>
+                          </a:path>
+                        </a:pathLst>
+                      </a:custGeom>
+                      <a:noFill/>
+                      <a:ln>
+                        <a:solidFill>
+                          <a:schemeClr val="tx1"/>
+                        </a:solidFill>
+                      </a:ln>
+                    </p:spPr>
+                    <p:style>
+                      <a:lnRef idx="2">
+                        <a:schemeClr val="accent1">
+                          <a:shade val="50000"/>
+                        </a:schemeClr>
+                      </a:lnRef>
+                      <a:fillRef idx="1">
+                        <a:schemeClr val="accent1"/>
+                      </a:fillRef>
+                      <a:effectRef idx="0">
+                        <a:schemeClr val="accent1"/>
+                      </a:effectRef>
+                      <a:fontRef idx="minor">
+                        <a:schemeClr val="lt1"/>
+                      </a:fontRef>
+                    </p:style>
+                    <p:txBody>
+                      <a:bodyPr rtlCol="0" anchor="ctr"/>
+                      <a:lstStyle/>
+                      <a:p>
+                        <a:pPr algn="ctr"/>
+                        <a:endParaRPr lang="en-US"/>
+                      </a:p>
+                    </p:txBody>
+                  </p:sp>
+                  <p:cxnSp>
+                    <p:nvCxnSpPr>
+                      <p:cNvPr id="133" name="Straight Connector 132"/>
+                      <p:cNvCxnSpPr/>
+                      <p:nvPr/>
+                    </p:nvCxnSpPr>
+                    <p:spPr>
+                      <a:xfrm>
+                        <a:off x="5364217" y="2388661"/>
+                        <a:ext cx="0" cy="49739"/>
+                      </a:xfrm>
+                      <a:prstGeom prst="line">
+                        <a:avLst/>
+                      </a:prstGeom>
+                      <a:ln w="12700">
+                        <a:solidFill>
+                          <a:schemeClr val="tx1"/>
+                        </a:solidFill>
+                        <a:headEnd type="none" w="med" len="med"/>
+                        <a:tailEnd type="triangle" w="med" len="med"/>
+                      </a:ln>
+                    </p:spPr>
+                    <p:style>
+                      <a:lnRef idx="1">
+                        <a:schemeClr val="accent1"/>
+                      </a:lnRef>
+                      <a:fillRef idx="0">
+                        <a:schemeClr val="accent1"/>
+                      </a:fillRef>
+                      <a:effectRef idx="0">
+                        <a:schemeClr val="accent1"/>
+                      </a:effectRef>
+                      <a:fontRef idx="minor">
+                        <a:schemeClr val="tx1"/>
+                      </a:fontRef>
+                    </p:style>
+                  </p:cxnSp>
+                </p:grpSp>
+                <p:grpSp>
+                  <p:nvGrpSpPr>
+                    <p:cNvPr id="136" name="Group 135"/>
+                    <p:cNvGrpSpPr/>
+                    <p:nvPr/>
+                  </p:nvGrpSpPr>
+                  <p:grpSpPr>
+                    <a:xfrm>
+                      <a:off x="5113675" y="1219200"/>
+                      <a:ext cx="91968" cy="533400"/>
+                      <a:chOff x="5318233" y="1905000"/>
+                      <a:chExt cx="91968" cy="533400"/>
+                    </a:xfrm>
+                  </p:grpSpPr>
+                  <p:sp>
+                    <p:nvSpPr>
+                      <p:cNvPr id="137" name="Freeform 136"/>
+                      <p:cNvSpPr/>
+                      <p:nvPr/>
+                    </p:nvSpPr>
+                    <p:spPr>
+                      <a:xfrm>
+                        <a:off x="5318233" y="1905000"/>
+                        <a:ext cx="91968" cy="483661"/>
+                      </a:xfrm>
+                      <a:custGeom>
+                        <a:avLst/>
+                        <a:gdLst>
+                          <a:gd name="connsiteX0" fmla="*/ 151904 w 302029"/>
+                          <a:gd name="connsiteY0" fmla="*/ 0 h 1138237"/>
+                          <a:gd name="connsiteX1" fmla="*/ 4267 w 302029"/>
+                          <a:gd name="connsiteY1" fmla="*/ 378619 h 1138237"/>
+                          <a:gd name="connsiteX2" fmla="*/ 299542 w 302029"/>
+                          <a:gd name="connsiteY2" fmla="*/ 762000 h 1138237"/>
+                          <a:gd name="connsiteX3" fmla="*/ 151904 w 302029"/>
+                          <a:gd name="connsiteY3" fmla="*/ 1138237 h 1138237"/>
+                        </a:gdLst>
+                        <a:ahLst/>
+                        <a:cxnLst>
+                          <a:cxn ang="0">
+                            <a:pos x="connsiteX0" y="connsiteY0"/>
+                          </a:cxn>
+                          <a:cxn ang="0">
+                            <a:pos x="connsiteX1" y="connsiteY1"/>
+                          </a:cxn>
+                          <a:cxn ang="0">
+                            <a:pos x="connsiteX2" y="connsiteY2"/>
+                          </a:cxn>
+                          <a:cxn ang="0">
+                            <a:pos x="connsiteX3" y="connsiteY3"/>
+                          </a:cxn>
+                        </a:cxnLst>
+                        <a:rect l="l" t="t" r="r" b="b"/>
+                        <a:pathLst>
+                          <a:path w="302029" h="1138237">
+                            <a:moveTo>
+                              <a:pt x="151904" y="0"/>
+                            </a:moveTo>
+                            <a:cubicBezTo>
+                              <a:pt x="65782" y="125809"/>
+                              <a:pt x="-20339" y="251619"/>
+                              <a:pt x="4267" y="378619"/>
+                            </a:cubicBezTo>
+                            <a:cubicBezTo>
+                              <a:pt x="28873" y="505619"/>
+                              <a:pt x="274936" y="635397"/>
+                              <a:pt x="299542" y="762000"/>
+                            </a:cubicBezTo>
+                            <a:cubicBezTo>
+                              <a:pt x="324148" y="888603"/>
+                              <a:pt x="158254" y="1083468"/>
+                              <a:pt x="151904" y="1138237"/>
+                            </a:cubicBezTo>
+                          </a:path>
+                        </a:pathLst>
+                      </a:custGeom>
+                      <a:noFill/>
+                      <a:ln>
+                        <a:solidFill>
+                          <a:schemeClr val="tx1"/>
+                        </a:solidFill>
+                      </a:ln>
+                    </p:spPr>
+                    <p:style>
+                      <a:lnRef idx="2">
+                        <a:schemeClr val="accent1">
+                          <a:shade val="50000"/>
+                        </a:schemeClr>
+                      </a:lnRef>
+                      <a:fillRef idx="1">
+                        <a:schemeClr val="accent1"/>
+                      </a:fillRef>
+                      <a:effectRef idx="0">
+                        <a:schemeClr val="accent1"/>
+                      </a:effectRef>
+                      <a:fontRef idx="minor">
+                        <a:schemeClr val="lt1"/>
+                      </a:fontRef>
+                    </p:style>
+                    <p:txBody>
+                      <a:bodyPr rtlCol="0" anchor="ctr"/>
+                      <a:lstStyle/>
+                      <a:p>
+                        <a:pPr algn="ctr"/>
+                        <a:endParaRPr lang="en-US"/>
+                      </a:p>
+                    </p:txBody>
+                  </p:sp>
+                  <p:cxnSp>
+                    <p:nvCxnSpPr>
+                      <p:cNvPr id="138" name="Straight Connector 137"/>
+                      <p:cNvCxnSpPr/>
+                      <p:nvPr/>
+                    </p:nvCxnSpPr>
+                    <p:spPr>
+                      <a:xfrm>
+                        <a:off x="5364217" y="2388661"/>
+                        <a:ext cx="0" cy="49739"/>
+                      </a:xfrm>
+                      <a:prstGeom prst="line">
+                        <a:avLst/>
+                      </a:prstGeom>
+                      <a:ln w="12700">
+                        <a:solidFill>
+                          <a:schemeClr val="tx1"/>
+                        </a:solidFill>
+                        <a:headEnd type="none" w="med" len="med"/>
+                        <a:tailEnd type="triangle" w="med" len="med"/>
+                      </a:ln>
+                    </p:spPr>
+                    <p:style>
+                      <a:lnRef idx="1">
+                        <a:schemeClr val="accent1"/>
+                      </a:lnRef>
+                      <a:fillRef idx="0">
+                        <a:schemeClr val="accent1"/>
+                      </a:fillRef>
+                      <a:effectRef idx="0">
+                        <a:schemeClr val="accent1"/>
+                      </a:effectRef>
+                      <a:fontRef idx="minor">
+                        <a:schemeClr val="tx1"/>
+                      </a:fontRef>
+                    </p:style>
+                  </p:cxnSp>
+                </p:grpSp>
+              </p:grpSp>
+            </p:grpSp>
+            <p:sp>
+              <p:nvSpPr>
+                <p:cNvPr id="101" name="Rectangle 100"/>
+                <p:cNvSpPr/>
+                <p:nvPr/>
+              </p:nvSpPr>
+              <p:spPr>
+                <a:xfrm>
+                  <a:off x="4105367" y="1540686"/>
+                  <a:ext cx="710451" cy="369332"/>
+                </a:xfrm>
+                <a:prstGeom prst="rect">
+                  <a:avLst/>
+                </a:prstGeom>
+              </p:spPr>
+              <p:txBody>
+                <a:bodyPr wrap="none">
+                  <a:spAutoFit/>
+                </a:bodyPr>
+                <a:lstStyle/>
+                <a:p>
+                  <a:r>
+                    <a:rPr lang="en-US" dirty="0">
+                      <a:ln w="0"/>
+                      <a:effectLst>
+                        <a:outerShdw blurRad="38100" dist="19050" dir="2700000" algn="tl" rotWithShape="0">
+                          <a:schemeClr val="dk1">
+                            <a:alpha val="40000"/>
+                          </a:schemeClr>
+                        </a:outerShdw>
+                      </a:effectLst>
+                      <a:latin typeface="Times New Roman" panose="02020603050405020304" pitchFamily="18" charset="0"/>
+                      <a:cs typeface="Times New Roman" panose="02020603050405020304" pitchFamily="18" charset="0"/>
+                    </a:rPr>
+                    <a:t>SM-0</a:t>
+                  </a:r>
+                  <a:endParaRPr lang="en-US" dirty="0"/>
+                </a:p>
+              </p:txBody>
+            </p:sp>
+          </p:grpSp>
+          <p:grpSp>
+            <p:nvGrpSpPr>
+              <p:cNvPr id="7" name="Group 6"/>
+              <p:cNvGrpSpPr/>
+              <p:nvPr/>
+            </p:nvGrpSpPr>
+            <p:grpSpPr>
+              <a:xfrm>
+                <a:off x="7482841" y="3022869"/>
+                <a:ext cx="350519" cy="45719"/>
+                <a:chOff x="5509992" y="1580304"/>
+                <a:chExt cx="350519" cy="45719"/>
+              </a:xfrm>
+            </p:grpSpPr>
+            <p:sp>
+              <p:nvSpPr>
+                <p:cNvPr id="70" name="Oval 69"/>
+                <p:cNvSpPr/>
+                <p:nvPr/>
+              </p:nvSpPr>
+              <p:spPr>
+                <a:xfrm flipH="1">
+                  <a:off x="5509992" y="1580304"/>
+                  <a:ext cx="45719" cy="45719"/>
+                </a:xfrm>
+                <a:prstGeom prst="ellipse">
+                  <a:avLst/>
+                </a:prstGeom>
                 <a:solidFill>
                   <a:schemeClr val="tx1"/>
                 </a:solidFill>
-                <a:effectLst>
-                  <a:outerShdw blurRad="38100" dist="19050" dir="2700000" algn="tl" rotWithShape="0">
-                    <a:schemeClr val="dk1">
-                      <a:alpha val="40000"/>
+                <a:ln>
+                  <a:solidFill>
+                    <a:schemeClr val="tx1"/>
+                  </a:solidFill>
+                </a:ln>
+              </p:spPr>
+              <p:style>
+                <a:lnRef idx="2">
+                  <a:schemeClr val="accent1">
+                    <a:shade val="50000"/>
+                  </a:schemeClr>
+                </a:lnRef>
+                <a:fillRef idx="1">
+                  <a:schemeClr val="accent1"/>
+                </a:fillRef>
+                <a:effectRef idx="0">
+                  <a:schemeClr val="accent1"/>
+                </a:effectRef>
+                <a:fontRef idx="minor">
+                  <a:schemeClr val="lt1"/>
+                </a:fontRef>
+              </p:style>
+              <p:txBody>
+                <a:bodyPr rtlCol="0" anchor="ctr"/>
+                <a:lstStyle/>
+                <a:p>
+                  <a:pPr algn="ctr"/>
+                  <a:endParaRPr lang="en-US"/>
+                </a:p>
+              </p:txBody>
+            </p:sp>
+            <p:sp>
+              <p:nvSpPr>
+                <p:cNvPr id="71" name="Oval 70"/>
+                <p:cNvSpPr/>
+                <p:nvPr/>
+              </p:nvSpPr>
+              <p:spPr>
+                <a:xfrm flipH="1">
+                  <a:off x="5662392" y="1580304"/>
+                  <a:ext cx="45719" cy="45719"/>
+                </a:xfrm>
+                <a:prstGeom prst="ellipse">
+                  <a:avLst/>
+                </a:prstGeom>
+                <a:solidFill>
+                  <a:schemeClr val="tx1"/>
+                </a:solidFill>
+                <a:ln>
+                  <a:solidFill>
+                    <a:schemeClr val="tx1"/>
+                  </a:solidFill>
+                </a:ln>
+              </p:spPr>
+              <p:style>
+                <a:lnRef idx="2">
+                  <a:schemeClr val="accent1">
+                    <a:shade val="50000"/>
+                  </a:schemeClr>
+                </a:lnRef>
+                <a:fillRef idx="1">
+                  <a:schemeClr val="accent1"/>
+                </a:fillRef>
+                <a:effectRef idx="0">
+                  <a:schemeClr val="accent1"/>
+                </a:effectRef>
+                <a:fontRef idx="minor">
+                  <a:schemeClr val="lt1"/>
+                </a:fontRef>
+              </p:style>
+              <p:txBody>
+                <a:bodyPr rtlCol="0" anchor="ctr"/>
+                <a:lstStyle/>
+                <a:p>
+                  <a:pPr algn="ctr"/>
+                  <a:endParaRPr lang="en-US"/>
+                </a:p>
+              </p:txBody>
+            </p:sp>
+            <p:sp>
+              <p:nvSpPr>
+                <p:cNvPr id="72" name="Oval 71"/>
+                <p:cNvSpPr/>
+                <p:nvPr/>
+              </p:nvSpPr>
+              <p:spPr>
+                <a:xfrm flipH="1">
+                  <a:off x="5814792" y="1580304"/>
+                  <a:ext cx="45719" cy="45719"/>
+                </a:xfrm>
+                <a:prstGeom prst="ellipse">
+                  <a:avLst/>
+                </a:prstGeom>
+                <a:solidFill>
+                  <a:schemeClr val="tx1"/>
+                </a:solidFill>
+                <a:ln>
+                  <a:solidFill>
+                    <a:schemeClr val="tx1"/>
+                  </a:solidFill>
+                </a:ln>
+              </p:spPr>
+              <p:style>
+                <a:lnRef idx="2">
+                  <a:schemeClr val="accent1">
+                    <a:shade val="50000"/>
+                  </a:schemeClr>
+                </a:lnRef>
+                <a:fillRef idx="1">
+                  <a:schemeClr val="accent1"/>
+                </a:fillRef>
+                <a:effectRef idx="0">
+                  <a:schemeClr val="accent1"/>
+                </a:effectRef>
+                <a:fontRef idx="minor">
+                  <a:schemeClr val="lt1"/>
+                </a:fontRef>
+              </p:style>
+              <p:txBody>
+                <a:bodyPr rtlCol="0" anchor="ctr"/>
+                <a:lstStyle/>
+                <a:p>
+                  <a:pPr algn="ctr"/>
+                  <a:endParaRPr lang="en-US"/>
+                </a:p>
+              </p:txBody>
+            </p:sp>
+          </p:grpSp>
+          <p:sp>
+            <p:nvSpPr>
+              <p:cNvPr id="73" name="Rectangle 72"/>
+              <p:cNvSpPr/>
+              <p:nvPr/>
+            </p:nvSpPr>
+            <p:spPr>
+              <a:xfrm>
+                <a:off x="3537841" y="4981843"/>
+                <a:ext cx="6248400" cy="593513"/>
+              </a:xfrm>
+              <a:prstGeom prst="rect">
+                <a:avLst/>
+              </a:prstGeom>
+              <a:solidFill>
+                <a:schemeClr val="bg1">
+                  <a:lumMod val="95000"/>
+                </a:schemeClr>
+              </a:solidFill>
+              <a:ln>
+                <a:solidFill>
+                  <a:schemeClr val="tx1"/>
+                </a:solidFill>
+              </a:ln>
+            </p:spPr>
+            <p:style>
+              <a:lnRef idx="2">
+                <a:schemeClr val="accent1">
+                  <a:shade val="50000"/>
+                </a:schemeClr>
+              </a:lnRef>
+              <a:fillRef idx="1">
+                <a:schemeClr val="accent1"/>
+              </a:fillRef>
+              <a:effectRef idx="0">
+                <a:schemeClr val="accent1"/>
+              </a:effectRef>
+              <a:fontRef idx="minor">
+                <a:schemeClr val="lt1"/>
+              </a:fontRef>
+            </p:style>
+            <p:txBody>
+              <a:bodyPr rtlCol="0" anchor="ctr"/>
+              <a:lstStyle/>
+              <a:p>
+                <a:pPr algn="ctr"/>
+                <a:r>
+                  <a:rPr lang="en-US" dirty="0" smtClean="0">
+                    <a:ln w="0"/>
+                    <a:solidFill>
+                      <a:schemeClr val="tx1"/>
+                    </a:solidFill>
+                    <a:effectLst>
+                      <a:outerShdw blurRad="38100" dist="19050" dir="2700000" algn="tl" rotWithShape="0">
+                        <a:schemeClr val="dk1">
+                          <a:alpha val="40000"/>
+                        </a:schemeClr>
+                      </a:outerShdw>
+                    </a:effectLst>
+                    <a:latin typeface="Times New Roman" panose="02020603050405020304" pitchFamily="18" charset="0"/>
+                    <a:cs typeface="Times New Roman" panose="02020603050405020304" pitchFamily="18" charset="0"/>
+                  </a:rPr>
+                  <a:t>L2</a:t>
+                </a:r>
+                <a:endParaRPr lang="en-US" dirty="0">
+                  <a:latin typeface="Times New Roman" panose="02020603050405020304" pitchFamily="18" charset="0"/>
+                  <a:cs typeface="Times New Roman" panose="02020603050405020304" pitchFamily="18" charset="0"/>
+                </a:endParaRPr>
+              </a:p>
+            </p:txBody>
+          </p:sp>
+          <p:sp>
+            <p:nvSpPr>
+              <p:cNvPr id="111" name="Rectangle 110"/>
+              <p:cNvSpPr/>
+              <p:nvPr/>
+            </p:nvSpPr>
+            <p:spPr>
+              <a:xfrm>
+                <a:off x="3537841" y="5820043"/>
+                <a:ext cx="6248400" cy="593513"/>
+              </a:xfrm>
+              <a:prstGeom prst="rect">
+                <a:avLst/>
+              </a:prstGeom>
+              <a:solidFill>
+                <a:schemeClr val="bg1">
+                  <a:lumMod val="95000"/>
+                </a:schemeClr>
+              </a:solidFill>
+              <a:ln>
+                <a:solidFill>
+                  <a:schemeClr val="tx1"/>
+                </a:solidFill>
+              </a:ln>
+            </p:spPr>
+            <p:style>
+              <a:lnRef idx="2">
+                <a:schemeClr val="accent1">
+                  <a:shade val="50000"/>
+                </a:schemeClr>
+              </a:lnRef>
+              <a:fillRef idx="1">
+                <a:schemeClr val="accent1"/>
+              </a:fillRef>
+              <a:effectRef idx="0">
+                <a:schemeClr val="accent1"/>
+              </a:effectRef>
+              <a:fontRef idx="minor">
+                <a:schemeClr val="lt1"/>
+              </a:fontRef>
+            </p:style>
+            <p:txBody>
+              <a:bodyPr rtlCol="0" anchor="ctr"/>
+              <a:lstStyle/>
+              <a:p>
+                <a:pPr algn="ctr"/>
+                <a:r>
+                  <a:rPr lang="en-US" dirty="0" smtClean="0">
+                    <a:ln w="0"/>
+                    <a:solidFill>
+                      <a:schemeClr val="tx1"/>
+                    </a:solidFill>
+                    <a:effectLst>
+                      <a:outerShdw blurRad="38100" dist="19050" dir="2700000" algn="tl" rotWithShape="0">
+                        <a:schemeClr val="dk1">
+                          <a:alpha val="40000"/>
+                        </a:schemeClr>
+                      </a:outerShdw>
+                    </a:effectLst>
+                    <a:latin typeface="Times New Roman" panose="02020603050405020304" pitchFamily="18" charset="0"/>
+                    <a:cs typeface="Times New Roman" panose="02020603050405020304" pitchFamily="18" charset="0"/>
+                  </a:rPr>
+                  <a:t>Global Memory</a:t>
+                </a:r>
+                <a:endParaRPr lang="en-US" dirty="0">
+                  <a:latin typeface="Times New Roman" panose="02020603050405020304" pitchFamily="18" charset="0"/>
+                  <a:cs typeface="Times New Roman" panose="02020603050405020304" pitchFamily="18" charset="0"/>
+                </a:endParaRPr>
+              </a:p>
+            </p:txBody>
+          </p:sp>
+          <p:cxnSp>
+            <p:nvCxnSpPr>
+              <p:cNvPr id="124" name="Straight Arrow Connector 123"/>
+              <p:cNvCxnSpPr>
+                <a:endCxn id="111" idx="0"/>
+              </p:cNvCxnSpPr>
+              <p:nvPr/>
+            </p:nvCxnSpPr>
+            <p:spPr>
+              <a:xfrm>
+                <a:off x="6662041" y="5575356"/>
+                <a:ext cx="0" cy="244687"/>
+              </a:xfrm>
+              <a:prstGeom prst="straightConnector1">
+                <a:avLst/>
+              </a:prstGeom>
+              <a:ln>
+                <a:solidFill>
+                  <a:schemeClr val="tx1"/>
+                </a:solidFill>
+                <a:headEnd type="triangle" w="med" len="med"/>
+                <a:tailEnd type="triangle" w="med" len="med"/>
+              </a:ln>
+            </p:spPr>
+            <p:style>
+              <a:lnRef idx="1">
+                <a:schemeClr val="accent1"/>
+              </a:lnRef>
+              <a:fillRef idx="0">
+                <a:schemeClr val="accent1"/>
+              </a:fillRef>
+              <a:effectRef idx="0">
+                <a:schemeClr val="accent1"/>
+              </a:effectRef>
+              <a:fontRef idx="minor">
+                <a:schemeClr val="tx1"/>
+              </a:fontRef>
+            </p:style>
+          </p:cxnSp>
+          <p:sp>
+            <p:nvSpPr>
+              <p:cNvPr id="74" name="Rectangle 73"/>
+              <p:cNvSpPr/>
+              <p:nvPr/>
+            </p:nvSpPr>
+            <p:spPr>
+              <a:xfrm>
+                <a:off x="3461641" y="4905643"/>
+                <a:ext cx="6400800" cy="1600200"/>
+              </a:xfrm>
+              <a:prstGeom prst="rect">
+                <a:avLst/>
+              </a:prstGeom>
+              <a:noFill/>
+              <a:ln>
+                <a:solidFill>
+                  <a:schemeClr val="tx1"/>
+                </a:solidFill>
+                <a:prstDash val="lgDashDot"/>
+              </a:ln>
+            </p:spPr>
+            <p:style>
+              <a:lnRef idx="2">
+                <a:schemeClr val="accent1">
+                  <a:shade val="50000"/>
+                </a:schemeClr>
+              </a:lnRef>
+              <a:fillRef idx="1">
+                <a:schemeClr val="accent1"/>
+              </a:fillRef>
+              <a:effectRef idx="0">
+                <a:schemeClr val="accent1"/>
+              </a:effectRef>
+              <a:fontRef idx="minor">
+                <a:schemeClr val="lt1"/>
+              </a:fontRef>
+            </p:style>
+            <p:txBody>
+              <a:bodyPr rtlCol="0" anchor="ctr"/>
+              <a:lstStyle/>
+              <a:p>
+                <a:pPr algn="ctr"/>
+                <a:endParaRPr lang="en-US" dirty="0">
+                  <a:latin typeface="Times New Roman" panose="02020603050405020304" pitchFamily="18" charset="0"/>
+                  <a:cs typeface="Times New Roman" panose="02020603050405020304" pitchFamily="18" charset="0"/>
+                </a:endParaRPr>
+              </a:p>
+            </p:txBody>
+          </p:sp>
+          <p:sp>
+            <p:nvSpPr>
+              <p:cNvPr id="4" name="Rectangle 3"/>
+              <p:cNvSpPr/>
+              <p:nvPr/>
+            </p:nvSpPr>
+            <p:spPr>
+              <a:xfrm>
+                <a:off x="2047876" y="5521077"/>
+                <a:ext cx="1424429" cy="369332"/>
+              </a:xfrm>
+              <a:prstGeom prst="rect">
+                <a:avLst/>
+              </a:prstGeom>
+            </p:spPr>
+            <p:txBody>
+              <a:bodyPr wrap="none">
+                <a:spAutoFit/>
+              </a:bodyPr>
+              <a:lstStyle/>
+              <a:p>
+                <a:pPr algn="ctr"/>
+                <a:r>
+                  <a:rPr lang="en-US" dirty="0">
+                    <a:ln w="0"/>
+                    <a:effectLst>
+                      <a:outerShdw blurRad="38100" dist="19050" dir="2700000" algn="tl" rotWithShape="0">
+                        <a:schemeClr val="dk1">
+                          <a:alpha val="40000"/>
+                        </a:schemeClr>
+                      </a:outerShdw>
+                    </a:effectLst>
+                    <a:latin typeface="Times New Roman" panose="02020603050405020304" pitchFamily="18" charset="0"/>
+                    <a:cs typeface="Times New Roman" panose="02020603050405020304" pitchFamily="18" charset="0"/>
+                  </a:rPr>
+                  <a:t>off </a:t>
+                </a:r>
+                <a:r>
+                  <a:rPr lang="en-US" dirty="0" smtClean="0">
+                    <a:ln w="0"/>
+                    <a:effectLst>
+                      <a:outerShdw blurRad="38100" dist="19050" dir="2700000" algn="tl" rotWithShape="0">
+                        <a:schemeClr val="dk1">
+                          <a:alpha val="40000"/>
+                        </a:schemeClr>
+                      </a:outerShdw>
+                    </a:effectLst>
+                    <a:latin typeface="Times New Roman" panose="02020603050405020304" pitchFamily="18" charset="0"/>
+                    <a:cs typeface="Times New Roman" panose="02020603050405020304" pitchFamily="18" charset="0"/>
+                  </a:rPr>
+                  <a:t>GPU </a:t>
+                </a:r>
+                <a:r>
+                  <a:rPr lang="en-US" dirty="0">
+                    <a:ln w="0"/>
+                    <a:effectLst>
+                      <a:outerShdw blurRad="38100" dist="19050" dir="2700000" algn="tl" rotWithShape="0">
+                        <a:schemeClr val="dk1">
+                          <a:alpha val="40000"/>
+                        </a:schemeClr>
+                      </a:outerShdw>
+                    </a:effectLst>
+                    <a:latin typeface="Times New Roman" panose="02020603050405020304" pitchFamily="18" charset="0"/>
+                    <a:cs typeface="Times New Roman" panose="02020603050405020304" pitchFamily="18" charset="0"/>
+                  </a:rPr>
+                  <a:t>chip</a:t>
+                </a:r>
+                <a:endParaRPr lang="en-US" dirty="0">
+                  <a:latin typeface="Times New Roman" panose="02020603050405020304" pitchFamily="18" charset="0"/>
+                  <a:cs typeface="Times New Roman" panose="02020603050405020304" pitchFamily="18" charset="0"/>
+                </a:endParaRPr>
+              </a:p>
+            </p:txBody>
+          </p:sp>
+          <p:sp>
+            <p:nvSpPr>
+              <p:cNvPr id="77" name="Rectangle 76"/>
+              <p:cNvSpPr/>
+              <p:nvPr/>
+            </p:nvSpPr>
+            <p:spPr>
+              <a:xfrm>
+                <a:off x="3461641" y="1430500"/>
+                <a:ext cx="6400800" cy="3230456"/>
+              </a:xfrm>
+              <a:prstGeom prst="rect">
+                <a:avLst/>
+              </a:prstGeom>
+              <a:noFill/>
+              <a:ln>
+                <a:solidFill>
+                  <a:schemeClr val="tx1"/>
+                </a:solidFill>
+                <a:prstDash val="dash"/>
+              </a:ln>
+            </p:spPr>
+            <p:style>
+              <a:lnRef idx="2">
+                <a:schemeClr val="accent1">
+                  <a:shade val="50000"/>
+                </a:schemeClr>
+              </a:lnRef>
+              <a:fillRef idx="1">
+                <a:schemeClr val="accent1"/>
+              </a:fillRef>
+              <a:effectRef idx="0">
+                <a:schemeClr val="accent1"/>
+              </a:effectRef>
+              <a:fontRef idx="minor">
+                <a:schemeClr val="lt1"/>
+              </a:fontRef>
+            </p:style>
+            <p:txBody>
+              <a:bodyPr rtlCol="0" anchor="ctr"/>
+              <a:lstStyle/>
+              <a:p>
+                <a:pPr algn="ctr"/>
+                <a:endParaRPr lang="en-US" dirty="0">
+                  <a:latin typeface="Times New Roman" panose="02020603050405020304" pitchFamily="18" charset="0"/>
+                  <a:cs typeface="Times New Roman" panose="02020603050405020304" pitchFamily="18" charset="0"/>
+                </a:endParaRPr>
+              </a:p>
+            </p:txBody>
+          </p:sp>
+          <p:sp>
+            <p:nvSpPr>
+              <p:cNvPr id="79" name="Rectangle 78"/>
+              <p:cNvSpPr/>
+              <p:nvPr/>
+            </p:nvSpPr>
+            <p:spPr>
+              <a:xfrm>
+                <a:off x="2065028" y="2861062"/>
+                <a:ext cx="1390124" cy="369332"/>
+              </a:xfrm>
+              <a:prstGeom prst="rect">
+                <a:avLst/>
+              </a:prstGeom>
+            </p:spPr>
+            <p:txBody>
+              <a:bodyPr wrap="none">
+                <a:spAutoFit/>
+              </a:bodyPr>
+              <a:lstStyle/>
+              <a:p>
+                <a:pPr algn="ctr"/>
+                <a:r>
+                  <a:rPr lang="en-US" dirty="0" smtClean="0">
+                    <a:ln w="0"/>
+                    <a:effectLst>
+                      <a:outerShdw blurRad="38100" dist="19050" dir="2700000" algn="tl" rotWithShape="0">
+                        <a:schemeClr val="dk1">
+                          <a:alpha val="40000"/>
+                        </a:schemeClr>
+                      </a:outerShdw>
+                    </a:effectLst>
+                    <a:latin typeface="Times New Roman" panose="02020603050405020304" pitchFamily="18" charset="0"/>
+                    <a:cs typeface="Times New Roman" panose="02020603050405020304" pitchFamily="18" charset="0"/>
+                  </a:rPr>
+                  <a:t>on GPU </a:t>
+                </a:r>
+                <a:r>
+                  <a:rPr lang="en-US" dirty="0">
+                    <a:ln w="0"/>
+                    <a:effectLst>
+                      <a:outerShdw blurRad="38100" dist="19050" dir="2700000" algn="tl" rotWithShape="0">
+                        <a:schemeClr val="dk1">
+                          <a:alpha val="40000"/>
+                        </a:schemeClr>
+                      </a:outerShdw>
+                    </a:effectLst>
+                    <a:latin typeface="Times New Roman" panose="02020603050405020304" pitchFamily="18" charset="0"/>
+                    <a:cs typeface="Times New Roman" panose="02020603050405020304" pitchFamily="18" charset="0"/>
+                  </a:rPr>
+                  <a:t>chip</a:t>
+                </a:r>
+                <a:endParaRPr lang="en-US" dirty="0">
+                  <a:latin typeface="Times New Roman" panose="02020603050405020304" pitchFamily="18" charset="0"/>
+                  <a:cs typeface="Times New Roman" panose="02020603050405020304" pitchFamily="18" charset="0"/>
+                </a:endParaRPr>
+              </a:p>
+            </p:txBody>
+          </p:sp>
+          <p:grpSp>
+            <p:nvGrpSpPr>
+              <p:cNvPr id="142" name="Group 141"/>
+              <p:cNvGrpSpPr/>
+              <p:nvPr/>
+            </p:nvGrpSpPr>
+            <p:grpSpPr>
+              <a:xfrm>
+                <a:off x="5562600" y="1506700"/>
+                <a:ext cx="1828800" cy="3078057"/>
+                <a:chOff x="5562600" y="1523393"/>
+                <a:chExt cx="1828800" cy="3078057"/>
+              </a:xfrm>
+            </p:grpSpPr>
+            <p:sp>
+              <p:nvSpPr>
+                <p:cNvPr id="144" name="Rectangle 143"/>
+                <p:cNvSpPr/>
+                <p:nvPr/>
+              </p:nvSpPr>
+              <p:spPr>
+                <a:xfrm>
+                  <a:off x="5562600" y="1523393"/>
+                  <a:ext cx="1828800" cy="3078057"/>
+                </a:xfrm>
+                <a:prstGeom prst="rect">
+                  <a:avLst/>
+                </a:prstGeom>
+                <a:solidFill>
+                  <a:schemeClr val="bg1">
+                    <a:lumMod val="95000"/>
+                  </a:schemeClr>
+                </a:solidFill>
+                <a:ln>
+                  <a:solidFill>
+                    <a:schemeClr val="tx1"/>
+                  </a:solidFill>
+                </a:ln>
+              </p:spPr>
+              <p:style>
+                <a:lnRef idx="2">
+                  <a:schemeClr val="accent1">
+                    <a:shade val="50000"/>
+                  </a:schemeClr>
+                </a:lnRef>
+                <a:fillRef idx="1">
+                  <a:schemeClr val="accent1"/>
+                </a:fillRef>
+                <a:effectRef idx="0">
+                  <a:schemeClr val="accent1"/>
+                </a:effectRef>
+                <a:fontRef idx="minor">
+                  <a:schemeClr val="lt1"/>
+                </a:fontRef>
+              </p:style>
+              <p:txBody>
+                <a:bodyPr rtlCol="0" anchor="ctr"/>
+                <a:lstStyle/>
+                <a:p>
+                  <a:pPr algn="ctr"/>
+                  <a:endParaRPr lang="en-US" dirty="0">
+                    <a:latin typeface="Times New Roman" panose="02020603050405020304" pitchFamily="18" charset="0"/>
+                    <a:cs typeface="Times New Roman" panose="02020603050405020304" pitchFamily="18" charset="0"/>
+                  </a:endParaRPr>
+                </a:p>
+              </p:txBody>
+            </p:sp>
+            <p:sp>
+              <p:nvSpPr>
+                <p:cNvPr id="145" name="Rectangle 144"/>
+                <p:cNvSpPr/>
+                <p:nvPr/>
+              </p:nvSpPr>
+              <p:spPr>
+                <a:xfrm>
+                  <a:off x="5638800" y="3855538"/>
+                  <a:ext cx="571500" cy="593513"/>
+                </a:xfrm>
+                <a:prstGeom prst="rect">
+                  <a:avLst/>
+                </a:prstGeom>
+                <a:solidFill>
+                  <a:schemeClr val="bg1">
+                    <a:lumMod val="95000"/>
+                  </a:schemeClr>
+                </a:solidFill>
+                <a:ln>
+                  <a:solidFill>
+                    <a:schemeClr val="tx1"/>
+                  </a:solidFill>
+                </a:ln>
+              </p:spPr>
+              <p:style>
+                <a:lnRef idx="2">
+                  <a:schemeClr val="accent1">
+                    <a:shade val="50000"/>
+                  </a:schemeClr>
+                </a:lnRef>
+                <a:fillRef idx="1">
+                  <a:schemeClr val="accent1"/>
+                </a:fillRef>
+                <a:effectRef idx="0">
+                  <a:schemeClr val="accent1"/>
+                </a:effectRef>
+                <a:fontRef idx="minor">
+                  <a:schemeClr val="lt1"/>
+                </a:fontRef>
+              </p:style>
+              <p:txBody>
+                <a:bodyPr rtlCol="0" anchor="ctr"/>
+                <a:lstStyle/>
+                <a:p>
+                  <a:pPr algn="ctr"/>
+                  <a:r>
+                    <a:rPr lang="en-US" dirty="0" smtClean="0">
+                      <a:ln w="0"/>
+                      <a:solidFill>
+                        <a:schemeClr val="tx1"/>
+                      </a:solidFill>
+                      <a:effectLst>
+                        <a:outerShdw blurRad="38100" dist="19050" dir="2700000" algn="tl" rotWithShape="0">
+                          <a:schemeClr val="dk1">
+                            <a:alpha val="40000"/>
+                          </a:schemeClr>
+                        </a:outerShdw>
+                      </a:effectLst>
+                      <a:latin typeface="Times New Roman" panose="02020603050405020304" pitchFamily="18" charset="0"/>
+                      <a:cs typeface="Times New Roman" panose="02020603050405020304" pitchFamily="18" charset="0"/>
+                    </a:rPr>
+                    <a:t>L1</a:t>
+                  </a:r>
+                  <a:endParaRPr lang="en-US" dirty="0">
+                    <a:latin typeface="Times New Roman" panose="02020603050405020304" pitchFamily="18" charset="0"/>
+                    <a:cs typeface="Times New Roman" panose="02020603050405020304" pitchFamily="18" charset="0"/>
+                  </a:endParaRPr>
+                </a:p>
+              </p:txBody>
+            </p:sp>
+            <p:sp>
+              <p:nvSpPr>
+                <p:cNvPr id="146" name="Rectangle 145"/>
+                <p:cNvSpPr/>
+                <p:nvPr/>
+              </p:nvSpPr>
+              <p:spPr>
+                <a:xfrm>
+                  <a:off x="6286500" y="3855538"/>
+                  <a:ext cx="1028700" cy="593513"/>
+                </a:xfrm>
+                <a:prstGeom prst="rect">
+                  <a:avLst/>
+                </a:prstGeom>
+                <a:solidFill>
+                  <a:schemeClr val="bg1">
+                    <a:lumMod val="95000"/>
+                  </a:schemeClr>
+                </a:solidFill>
+                <a:ln>
+                  <a:solidFill>
+                    <a:schemeClr val="tx1"/>
+                  </a:solidFill>
+                </a:ln>
+              </p:spPr>
+              <p:style>
+                <a:lnRef idx="2">
+                  <a:schemeClr val="accent1">
+                    <a:shade val="50000"/>
+                  </a:schemeClr>
+                </a:lnRef>
+                <a:fillRef idx="1">
+                  <a:schemeClr val="accent1"/>
+                </a:fillRef>
+                <a:effectRef idx="0">
+                  <a:schemeClr val="accent1"/>
+                </a:effectRef>
+                <a:fontRef idx="minor">
+                  <a:schemeClr val="lt1"/>
+                </a:fontRef>
+              </p:style>
+              <p:txBody>
+                <a:bodyPr rtlCol="0" anchor="ctr"/>
+                <a:lstStyle/>
+                <a:p>
+                  <a:pPr algn="ctr"/>
+                  <a:r>
+                    <a:rPr lang="en-US" dirty="0" smtClean="0">
+                      <a:ln w="0"/>
+                      <a:solidFill>
+                        <a:schemeClr val="tx1"/>
+                      </a:solidFill>
+                      <a:effectLst>
+                        <a:outerShdw blurRad="38100" dist="19050" dir="2700000" algn="tl" rotWithShape="0">
+                          <a:schemeClr val="dk1">
+                            <a:alpha val="40000"/>
+                          </a:schemeClr>
+                        </a:outerShdw>
+                      </a:effectLst>
+                      <a:latin typeface="Times New Roman" panose="02020603050405020304" pitchFamily="18" charset="0"/>
+                      <a:cs typeface="Times New Roman" panose="02020603050405020304" pitchFamily="18" charset="0"/>
+                    </a:rPr>
+                    <a:t>Shared Memory</a:t>
+                  </a:r>
+                  <a:endParaRPr lang="en-US" dirty="0">
+                    <a:latin typeface="Times New Roman" panose="02020603050405020304" pitchFamily="18" charset="0"/>
+                    <a:cs typeface="Times New Roman" panose="02020603050405020304" pitchFamily="18" charset="0"/>
+                  </a:endParaRPr>
+                </a:p>
+              </p:txBody>
+            </p:sp>
+            <p:sp>
+              <p:nvSpPr>
+                <p:cNvPr id="147" name="Rectangle 146"/>
+                <p:cNvSpPr/>
+                <p:nvPr/>
+              </p:nvSpPr>
+              <p:spPr>
+                <a:xfrm>
+                  <a:off x="5638800" y="3188789"/>
+                  <a:ext cx="1676400" cy="593513"/>
+                </a:xfrm>
+                <a:prstGeom prst="rect">
+                  <a:avLst/>
+                </a:prstGeom>
+                <a:solidFill>
+                  <a:schemeClr val="bg1">
+                    <a:lumMod val="95000"/>
+                  </a:schemeClr>
+                </a:solidFill>
+                <a:ln>
+                  <a:solidFill>
+                    <a:schemeClr val="tx1"/>
+                  </a:solidFill>
+                </a:ln>
+              </p:spPr>
+              <p:style>
+                <a:lnRef idx="2">
+                  <a:schemeClr val="accent1">
+                    <a:shade val="50000"/>
+                  </a:schemeClr>
+                </a:lnRef>
+                <a:fillRef idx="1">
+                  <a:schemeClr val="accent1"/>
+                </a:fillRef>
+                <a:effectRef idx="0">
+                  <a:schemeClr val="accent1"/>
+                </a:effectRef>
+                <a:fontRef idx="minor">
+                  <a:schemeClr val="lt1"/>
+                </a:fontRef>
+              </p:style>
+              <p:txBody>
+                <a:bodyPr rtlCol="0" anchor="ctr"/>
+                <a:lstStyle/>
+                <a:p>
+                  <a:pPr algn="ctr"/>
+                  <a:r>
+                    <a:rPr lang="en-US" dirty="0" smtClean="0">
+                      <a:ln w="0"/>
+                      <a:solidFill>
+                        <a:schemeClr val="tx1"/>
+                      </a:solidFill>
+                      <a:effectLst>
+                        <a:outerShdw blurRad="38100" dist="19050" dir="2700000" algn="tl" rotWithShape="0">
+                          <a:schemeClr val="dk1">
+                            <a:alpha val="40000"/>
+                          </a:schemeClr>
+                        </a:outerShdw>
+                      </a:effectLst>
+                      <a:latin typeface="Times New Roman" panose="02020603050405020304" pitchFamily="18" charset="0"/>
+                      <a:cs typeface="Times New Roman" panose="02020603050405020304" pitchFamily="18" charset="0"/>
+                    </a:rPr>
+                    <a:t>Registers</a:t>
+                  </a:r>
+                  <a:endParaRPr lang="en-US" dirty="0">
+                    <a:latin typeface="Times New Roman" panose="02020603050405020304" pitchFamily="18" charset="0"/>
+                    <a:cs typeface="Times New Roman" panose="02020603050405020304" pitchFamily="18" charset="0"/>
+                  </a:endParaRPr>
+                </a:p>
+              </p:txBody>
+            </p:sp>
+            <p:grpSp>
+              <p:nvGrpSpPr>
+                <p:cNvPr id="148" name="Group 147"/>
+                <p:cNvGrpSpPr/>
+                <p:nvPr/>
+              </p:nvGrpSpPr>
+              <p:grpSpPr>
+                <a:xfrm>
+                  <a:off x="5638800" y="1928527"/>
+                  <a:ext cx="1676400" cy="1187026"/>
+                  <a:chOff x="1010059" y="1590946"/>
+                  <a:chExt cx="1676400" cy="1187026"/>
+                </a:xfrm>
+              </p:grpSpPr>
+              <p:sp>
+                <p:nvSpPr>
+                  <p:cNvPr id="150" name="Rectangle 149"/>
+                  <p:cNvSpPr/>
+                  <p:nvPr/>
+                </p:nvSpPr>
+                <p:spPr>
+                  <a:xfrm>
+                    <a:off x="1010059" y="1590946"/>
+                    <a:ext cx="1676400" cy="1187026"/>
+                  </a:xfrm>
+                  <a:prstGeom prst="rect">
+                    <a:avLst/>
+                  </a:prstGeom>
+                  <a:solidFill>
+                    <a:schemeClr val="bg1">
+                      <a:lumMod val="95000"/>
                     </a:schemeClr>
-                  </a:outerShdw>
-                </a:effectLst>
-                <a:latin typeface="Times New Roman" panose="02020603050405020304" pitchFamily="18" charset="0"/>
-                <a:cs typeface="Times New Roman" panose="02020603050405020304" pitchFamily="18" charset="0"/>
-              </a:rPr>
-              <a:t>SM-0</a:t>
-            </a:r>
-          </a:p>
-          <a:p>
-            <a:pPr algn="ctr"/>
-            <a:endParaRPr lang="en-US" dirty="0">
-              <a:ln w="0"/>
+                  </a:solidFill>
+                  <a:ln>
+                    <a:solidFill>
+                      <a:schemeClr val="tx1"/>
+                    </a:solidFill>
+                  </a:ln>
+                </p:spPr>
+                <p:style>
+                  <a:lnRef idx="2">
+                    <a:schemeClr val="accent1">
+                      <a:shade val="50000"/>
+                    </a:schemeClr>
+                  </a:lnRef>
+                  <a:fillRef idx="1">
+                    <a:schemeClr val="accent1"/>
+                  </a:fillRef>
+                  <a:effectRef idx="0">
+                    <a:schemeClr val="accent1"/>
+                  </a:effectRef>
+                  <a:fontRef idx="minor">
+                    <a:schemeClr val="lt1"/>
+                  </a:fontRef>
+                </p:style>
+                <p:txBody>
+                  <a:bodyPr rtlCol="0" anchor="ctr"/>
+                  <a:lstStyle/>
+                  <a:p>
+                    <a:pPr algn="ctr"/>
+                    <a:endParaRPr lang="en-US" dirty="0" smtClean="0">
+                      <a:ln w="0"/>
+                      <a:solidFill>
+                        <a:schemeClr val="tx1"/>
+                      </a:solidFill>
+                      <a:effectLst>
+                        <a:outerShdw blurRad="38100" dist="19050" dir="2700000" algn="tl" rotWithShape="0">
+                          <a:schemeClr val="dk1">
+                            <a:alpha val="40000"/>
+                          </a:schemeClr>
+                        </a:outerShdw>
+                      </a:effectLst>
+                      <a:latin typeface="Times New Roman" panose="02020603050405020304" pitchFamily="18" charset="0"/>
+                      <a:cs typeface="Times New Roman" panose="02020603050405020304" pitchFamily="18" charset="0"/>
+                    </a:endParaRPr>
+                  </a:p>
+                  <a:p>
+                    <a:pPr algn="ctr"/>
+                    <a:endParaRPr lang="en-US" dirty="0">
+                      <a:ln w="0"/>
+                      <a:solidFill>
+                        <a:schemeClr val="tx1"/>
+                      </a:solidFill>
+                      <a:effectLst>
+                        <a:outerShdw blurRad="38100" dist="19050" dir="2700000" algn="tl" rotWithShape="0">
+                          <a:schemeClr val="dk1">
+                            <a:alpha val="40000"/>
+                          </a:schemeClr>
+                        </a:outerShdw>
+                      </a:effectLst>
+                      <a:latin typeface="Times New Roman" panose="02020603050405020304" pitchFamily="18" charset="0"/>
+                      <a:cs typeface="Times New Roman" panose="02020603050405020304" pitchFamily="18" charset="0"/>
+                    </a:endParaRPr>
+                  </a:p>
+                  <a:p>
+                    <a:pPr algn="ctr"/>
+                    <a:r>
+                      <a:rPr lang="en-US" dirty="0" smtClean="0">
+                        <a:ln w="0"/>
+                        <a:solidFill>
+                          <a:schemeClr val="tx1"/>
+                        </a:solidFill>
+                        <a:effectLst>
+                          <a:outerShdw blurRad="38100" dist="19050" dir="2700000" algn="tl" rotWithShape="0">
+                            <a:schemeClr val="dk1">
+                              <a:alpha val="40000"/>
+                            </a:schemeClr>
+                          </a:outerShdw>
+                        </a:effectLst>
+                        <a:latin typeface="Times New Roman" panose="02020603050405020304" pitchFamily="18" charset="0"/>
+                        <a:cs typeface="Times New Roman" panose="02020603050405020304" pitchFamily="18" charset="0"/>
+                      </a:rPr>
+                      <a:t>Threads on CUDA Cores</a:t>
+                    </a:r>
+                    <a:endParaRPr lang="en-US" dirty="0">
+                      <a:latin typeface="Times New Roman" panose="02020603050405020304" pitchFamily="18" charset="0"/>
+                      <a:cs typeface="Times New Roman" panose="02020603050405020304" pitchFamily="18" charset="0"/>
+                    </a:endParaRPr>
+                  </a:p>
+                </p:txBody>
+              </p:sp>
+              <p:grpSp>
+                <p:nvGrpSpPr>
+                  <p:cNvPr id="151" name="Group 150"/>
+                  <p:cNvGrpSpPr/>
+                  <p:nvPr/>
+                </p:nvGrpSpPr>
+                <p:grpSpPr>
+                  <a:xfrm>
+                    <a:off x="1607637" y="1676400"/>
+                    <a:ext cx="481243" cy="533400"/>
+                    <a:chOff x="4724400" y="1219200"/>
+                    <a:chExt cx="481243" cy="533400"/>
+                  </a:xfrm>
+                </p:grpSpPr>
+                <p:grpSp>
+                  <p:nvGrpSpPr>
+                    <p:cNvPr id="152" name="Group 151"/>
+                    <p:cNvGrpSpPr/>
+                    <p:nvPr/>
+                  </p:nvGrpSpPr>
+                  <p:grpSpPr>
+                    <a:xfrm>
+                      <a:off x="4724400" y="1219200"/>
+                      <a:ext cx="91968" cy="533400"/>
+                      <a:chOff x="5318233" y="1905000"/>
+                      <a:chExt cx="91968" cy="533400"/>
+                    </a:xfrm>
+                  </p:grpSpPr>
+                  <p:sp>
+                    <p:nvSpPr>
+                      <p:cNvPr id="168" name="Freeform 167"/>
+                      <p:cNvSpPr/>
+                      <p:nvPr/>
+                    </p:nvSpPr>
+                    <p:spPr>
+                      <a:xfrm>
+                        <a:off x="5318233" y="1905000"/>
+                        <a:ext cx="91968" cy="483661"/>
+                      </a:xfrm>
+                      <a:custGeom>
+                        <a:avLst/>
+                        <a:gdLst>
+                          <a:gd name="connsiteX0" fmla="*/ 151904 w 302029"/>
+                          <a:gd name="connsiteY0" fmla="*/ 0 h 1138237"/>
+                          <a:gd name="connsiteX1" fmla="*/ 4267 w 302029"/>
+                          <a:gd name="connsiteY1" fmla="*/ 378619 h 1138237"/>
+                          <a:gd name="connsiteX2" fmla="*/ 299542 w 302029"/>
+                          <a:gd name="connsiteY2" fmla="*/ 762000 h 1138237"/>
+                          <a:gd name="connsiteX3" fmla="*/ 151904 w 302029"/>
+                          <a:gd name="connsiteY3" fmla="*/ 1138237 h 1138237"/>
+                        </a:gdLst>
+                        <a:ahLst/>
+                        <a:cxnLst>
+                          <a:cxn ang="0">
+                            <a:pos x="connsiteX0" y="connsiteY0"/>
+                          </a:cxn>
+                          <a:cxn ang="0">
+                            <a:pos x="connsiteX1" y="connsiteY1"/>
+                          </a:cxn>
+                          <a:cxn ang="0">
+                            <a:pos x="connsiteX2" y="connsiteY2"/>
+                          </a:cxn>
+                          <a:cxn ang="0">
+                            <a:pos x="connsiteX3" y="connsiteY3"/>
+                          </a:cxn>
+                        </a:cxnLst>
+                        <a:rect l="l" t="t" r="r" b="b"/>
+                        <a:pathLst>
+                          <a:path w="302029" h="1138237">
+                            <a:moveTo>
+                              <a:pt x="151904" y="0"/>
+                            </a:moveTo>
+                            <a:cubicBezTo>
+                              <a:pt x="65782" y="125809"/>
+                              <a:pt x="-20339" y="251619"/>
+                              <a:pt x="4267" y="378619"/>
+                            </a:cubicBezTo>
+                            <a:cubicBezTo>
+                              <a:pt x="28873" y="505619"/>
+                              <a:pt x="274936" y="635397"/>
+                              <a:pt x="299542" y="762000"/>
+                            </a:cubicBezTo>
+                            <a:cubicBezTo>
+                              <a:pt x="324148" y="888603"/>
+                              <a:pt x="158254" y="1083468"/>
+                              <a:pt x="151904" y="1138237"/>
+                            </a:cubicBezTo>
+                          </a:path>
+                        </a:pathLst>
+                      </a:custGeom>
+                      <a:noFill/>
+                      <a:ln>
+                        <a:solidFill>
+                          <a:schemeClr val="tx1"/>
+                        </a:solidFill>
+                      </a:ln>
+                    </p:spPr>
+                    <p:style>
+                      <a:lnRef idx="2">
+                        <a:schemeClr val="accent1">
+                          <a:shade val="50000"/>
+                        </a:schemeClr>
+                      </a:lnRef>
+                      <a:fillRef idx="1">
+                        <a:schemeClr val="accent1"/>
+                      </a:fillRef>
+                      <a:effectRef idx="0">
+                        <a:schemeClr val="accent1"/>
+                      </a:effectRef>
+                      <a:fontRef idx="minor">
+                        <a:schemeClr val="lt1"/>
+                      </a:fontRef>
+                    </p:style>
+                    <p:txBody>
+                      <a:bodyPr rtlCol="0" anchor="ctr"/>
+                      <a:lstStyle/>
+                      <a:p>
+                        <a:pPr algn="ctr"/>
+                        <a:endParaRPr lang="en-US"/>
+                      </a:p>
+                    </p:txBody>
+                  </p:sp>
+                  <p:cxnSp>
+                    <p:nvCxnSpPr>
+                      <p:cNvPr id="169" name="Straight Connector 168"/>
+                      <p:cNvCxnSpPr/>
+                      <p:nvPr/>
+                    </p:nvCxnSpPr>
+                    <p:spPr>
+                      <a:xfrm>
+                        <a:off x="5364217" y="2388661"/>
+                        <a:ext cx="0" cy="49739"/>
+                      </a:xfrm>
+                      <a:prstGeom prst="line">
+                        <a:avLst/>
+                      </a:prstGeom>
+                      <a:ln w="12700">
+                        <a:solidFill>
+                          <a:schemeClr val="tx1"/>
+                        </a:solidFill>
+                        <a:headEnd type="none" w="med" len="med"/>
+                        <a:tailEnd type="triangle" w="med" len="med"/>
+                      </a:ln>
+                    </p:spPr>
+                    <p:style>
+                      <a:lnRef idx="1">
+                        <a:schemeClr val="accent1"/>
+                      </a:lnRef>
+                      <a:fillRef idx="0">
+                        <a:schemeClr val="accent1"/>
+                      </a:fillRef>
+                      <a:effectRef idx="0">
+                        <a:schemeClr val="accent1"/>
+                      </a:effectRef>
+                      <a:fontRef idx="minor">
+                        <a:schemeClr val="tx1"/>
+                      </a:fontRef>
+                    </p:style>
+                  </p:cxnSp>
+                </p:grpSp>
+                <p:grpSp>
+                  <p:nvGrpSpPr>
+                    <p:cNvPr id="153" name="Group 152"/>
+                    <p:cNvGrpSpPr/>
+                    <p:nvPr/>
+                  </p:nvGrpSpPr>
+                  <p:grpSpPr>
+                    <a:xfrm>
+                      <a:off x="4880110" y="1219200"/>
+                      <a:ext cx="91968" cy="533400"/>
+                      <a:chOff x="5318233" y="1905000"/>
+                      <a:chExt cx="91968" cy="533400"/>
+                    </a:xfrm>
+                  </p:grpSpPr>
+                  <p:sp>
+                    <p:nvSpPr>
+                      <p:cNvPr id="166" name="Freeform 165"/>
+                      <p:cNvSpPr/>
+                      <p:nvPr/>
+                    </p:nvSpPr>
+                    <p:spPr>
+                      <a:xfrm>
+                        <a:off x="5318233" y="1905000"/>
+                        <a:ext cx="91968" cy="483661"/>
+                      </a:xfrm>
+                      <a:custGeom>
+                        <a:avLst/>
+                        <a:gdLst>
+                          <a:gd name="connsiteX0" fmla="*/ 151904 w 302029"/>
+                          <a:gd name="connsiteY0" fmla="*/ 0 h 1138237"/>
+                          <a:gd name="connsiteX1" fmla="*/ 4267 w 302029"/>
+                          <a:gd name="connsiteY1" fmla="*/ 378619 h 1138237"/>
+                          <a:gd name="connsiteX2" fmla="*/ 299542 w 302029"/>
+                          <a:gd name="connsiteY2" fmla="*/ 762000 h 1138237"/>
+                          <a:gd name="connsiteX3" fmla="*/ 151904 w 302029"/>
+                          <a:gd name="connsiteY3" fmla="*/ 1138237 h 1138237"/>
+                        </a:gdLst>
+                        <a:ahLst/>
+                        <a:cxnLst>
+                          <a:cxn ang="0">
+                            <a:pos x="connsiteX0" y="connsiteY0"/>
+                          </a:cxn>
+                          <a:cxn ang="0">
+                            <a:pos x="connsiteX1" y="connsiteY1"/>
+                          </a:cxn>
+                          <a:cxn ang="0">
+                            <a:pos x="connsiteX2" y="connsiteY2"/>
+                          </a:cxn>
+                          <a:cxn ang="0">
+                            <a:pos x="connsiteX3" y="connsiteY3"/>
+                          </a:cxn>
+                        </a:cxnLst>
+                        <a:rect l="l" t="t" r="r" b="b"/>
+                        <a:pathLst>
+                          <a:path w="302029" h="1138237">
+                            <a:moveTo>
+                              <a:pt x="151904" y="0"/>
+                            </a:moveTo>
+                            <a:cubicBezTo>
+                              <a:pt x="65782" y="125809"/>
+                              <a:pt x="-20339" y="251619"/>
+                              <a:pt x="4267" y="378619"/>
+                            </a:cubicBezTo>
+                            <a:cubicBezTo>
+                              <a:pt x="28873" y="505619"/>
+                              <a:pt x="274936" y="635397"/>
+                              <a:pt x="299542" y="762000"/>
+                            </a:cubicBezTo>
+                            <a:cubicBezTo>
+                              <a:pt x="324148" y="888603"/>
+                              <a:pt x="158254" y="1083468"/>
+                              <a:pt x="151904" y="1138237"/>
+                            </a:cubicBezTo>
+                          </a:path>
+                        </a:pathLst>
+                      </a:custGeom>
+                      <a:noFill/>
+                      <a:ln>
+                        <a:solidFill>
+                          <a:schemeClr val="tx1"/>
+                        </a:solidFill>
+                      </a:ln>
+                    </p:spPr>
+                    <p:style>
+                      <a:lnRef idx="2">
+                        <a:schemeClr val="accent1">
+                          <a:shade val="50000"/>
+                        </a:schemeClr>
+                      </a:lnRef>
+                      <a:fillRef idx="1">
+                        <a:schemeClr val="accent1"/>
+                      </a:fillRef>
+                      <a:effectRef idx="0">
+                        <a:schemeClr val="accent1"/>
+                      </a:effectRef>
+                      <a:fontRef idx="minor">
+                        <a:schemeClr val="lt1"/>
+                      </a:fontRef>
+                    </p:style>
+                    <p:txBody>
+                      <a:bodyPr rtlCol="0" anchor="ctr"/>
+                      <a:lstStyle/>
+                      <a:p>
+                        <a:pPr algn="ctr"/>
+                        <a:endParaRPr lang="en-US"/>
+                      </a:p>
+                    </p:txBody>
+                  </p:sp>
+                  <p:cxnSp>
+                    <p:nvCxnSpPr>
+                      <p:cNvPr id="167" name="Straight Connector 166"/>
+                      <p:cNvCxnSpPr/>
+                      <p:nvPr/>
+                    </p:nvCxnSpPr>
+                    <p:spPr>
+                      <a:xfrm>
+                        <a:off x="5364217" y="2388661"/>
+                        <a:ext cx="0" cy="49739"/>
+                      </a:xfrm>
+                      <a:prstGeom prst="line">
+                        <a:avLst/>
+                      </a:prstGeom>
+                      <a:ln w="12700">
+                        <a:solidFill>
+                          <a:schemeClr val="tx1"/>
+                        </a:solidFill>
+                        <a:headEnd type="none" w="med" len="med"/>
+                        <a:tailEnd type="triangle" w="med" len="med"/>
+                      </a:ln>
+                    </p:spPr>
+                    <p:style>
+                      <a:lnRef idx="1">
+                        <a:schemeClr val="accent1"/>
+                      </a:lnRef>
+                      <a:fillRef idx="0">
+                        <a:schemeClr val="accent1"/>
+                      </a:fillRef>
+                      <a:effectRef idx="0">
+                        <a:schemeClr val="accent1"/>
+                      </a:effectRef>
+                      <a:fontRef idx="minor">
+                        <a:schemeClr val="tx1"/>
+                      </a:fontRef>
+                    </p:style>
+                  </p:cxnSp>
+                </p:grpSp>
+                <p:grpSp>
+                  <p:nvGrpSpPr>
+                    <p:cNvPr id="154" name="Group 153"/>
+                    <p:cNvGrpSpPr/>
+                    <p:nvPr/>
+                  </p:nvGrpSpPr>
+                  <p:grpSpPr>
+                    <a:xfrm>
+                      <a:off x="5035820" y="1219200"/>
+                      <a:ext cx="91968" cy="533400"/>
+                      <a:chOff x="5318233" y="1905000"/>
+                      <a:chExt cx="91968" cy="533400"/>
+                    </a:xfrm>
+                  </p:grpSpPr>
+                  <p:sp>
+                    <p:nvSpPr>
+                      <p:cNvPr id="164" name="Freeform 163"/>
+                      <p:cNvSpPr/>
+                      <p:nvPr/>
+                    </p:nvSpPr>
+                    <p:spPr>
+                      <a:xfrm>
+                        <a:off x="5318233" y="1905000"/>
+                        <a:ext cx="91968" cy="483661"/>
+                      </a:xfrm>
+                      <a:custGeom>
+                        <a:avLst/>
+                        <a:gdLst>
+                          <a:gd name="connsiteX0" fmla="*/ 151904 w 302029"/>
+                          <a:gd name="connsiteY0" fmla="*/ 0 h 1138237"/>
+                          <a:gd name="connsiteX1" fmla="*/ 4267 w 302029"/>
+                          <a:gd name="connsiteY1" fmla="*/ 378619 h 1138237"/>
+                          <a:gd name="connsiteX2" fmla="*/ 299542 w 302029"/>
+                          <a:gd name="connsiteY2" fmla="*/ 762000 h 1138237"/>
+                          <a:gd name="connsiteX3" fmla="*/ 151904 w 302029"/>
+                          <a:gd name="connsiteY3" fmla="*/ 1138237 h 1138237"/>
+                        </a:gdLst>
+                        <a:ahLst/>
+                        <a:cxnLst>
+                          <a:cxn ang="0">
+                            <a:pos x="connsiteX0" y="connsiteY0"/>
+                          </a:cxn>
+                          <a:cxn ang="0">
+                            <a:pos x="connsiteX1" y="connsiteY1"/>
+                          </a:cxn>
+                          <a:cxn ang="0">
+                            <a:pos x="connsiteX2" y="connsiteY2"/>
+                          </a:cxn>
+                          <a:cxn ang="0">
+                            <a:pos x="connsiteX3" y="connsiteY3"/>
+                          </a:cxn>
+                        </a:cxnLst>
+                        <a:rect l="l" t="t" r="r" b="b"/>
+                        <a:pathLst>
+                          <a:path w="302029" h="1138237">
+                            <a:moveTo>
+                              <a:pt x="151904" y="0"/>
+                            </a:moveTo>
+                            <a:cubicBezTo>
+                              <a:pt x="65782" y="125809"/>
+                              <a:pt x="-20339" y="251619"/>
+                              <a:pt x="4267" y="378619"/>
+                            </a:cubicBezTo>
+                            <a:cubicBezTo>
+                              <a:pt x="28873" y="505619"/>
+                              <a:pt x="274936" y="635397"/>
+                              <a:pt x="299542" y="762000"/>
+                            </a:cubicBezTo>
+                            <a:cubicBezTo>
+                              <a:pt x="324148" y="888603"/>
+                              <a:pt x="158254" y="1083468"/>
+                              <a:pt x="151904" y="1138237"/>
+                            </a:cubicBezTo>
+                          </a:path>
+                        </a:pathLst>
+                      </a:custGeom>
+                      <a:noFill/>
+                      <a:ln>
+                        <a:solidFill>
+                          <a:schemeClr val="tx1"/>
+                        </a:solidFill>
+                      </a:ln>
+                    </p:spPr>
+                    <p:style>
+                      <a:lnRef idx="2">
+                        <a:schemeClr val="accent1">
+                          <a:shade val="50000"/>
+                        </a:schemeClr>
+                      </a:lnRef>
+                      <a:fillRef idx="1">
+                        <a:schemeClr val="accent1"/>
+                      </a:fillRef>
+                      <a:effectRef idx="0">
+                        <a:schemeClr val="accent1"/>
+                      </a:effectRef>
+                      <a:fontRef idx="minor">
+                        <a:schemeClr val="lt1"/>
+                      </a:fontRef>
+                    </p:style>
+                    <p:txBody>
+                      <a:bodyPr rtlCol="0" anchor="ctr"/>
+                      <a:lstStyle/>
+                      <a:p>
+                        <a:pPr algn="ctr"/>
+                        <a:endParaRPr lang="en-US"/>
+                      </a:p>
+                    </p:txBody>
+                  </p:sp>
+                  <p:cxnSp>
+                    <p:nvCxnSpPr>
+                      <p:cNvPr id="165" name="Straight Connector 164"/>
+                      <p:cNvCxnSpPr/>
+                      <p:nvPr/>
+                    </p:nvCxnSpPr>
+                    <p:spPr>
+                      <a:xfrm>
+                        <a:off x="5364217" y="2388661"/>
+                        <a:ext cx="0" cy="49739"/>
+                      </a:xfrm>
+                      <a:prstGeom prst="line">
+                        <a:avLst/>
+                      </a:prstGeom>
+                      <a:ln w="12700">
+                        <a:solidFill>
+                          <a:schemeClr val="tx1"/>
+                        </a:solidFill>
+                        <a:headEnd type="none" w="med" len="med"/>
+                        <a:tailEnd type="triangle" w="med" len="med"/>
+                      </a:ln>
+                    </p:spPr>
+                    <p:style>
+                      <a:lnRef idx="1">
+                        <a:schemeClr val="accent1"/>
+                      </a:lnRef>
+                      <a:fillRef idx="0">
+                        <a:schemeClr val="accent1"/>
+                      </a:fillRef>
+                      <a:effectRef idx="0">
+                        <a:schemeClr val="accent1"/>
+                      </a:effectRef>
+                      <a:fontRef idx="minor">
+                        <a:schemeClr val="tx1"/>
+                      </a:fontRef>
+                    </p:style>
+                  </p:cxnSp>
+                </p:grpSp>
+                <p:grpSp>
+                  <p:nvGrpSpPr>
+                    <p:cNvPr id="155" name="Group 154"/>
+                    <p:cNvGrpSpPr/>
+                    <p:nvPr/>
+                  </p:nvGrpSpPr>
+                  <p:grpSpPr>
+                    <a:xfrm>
+                      <a:off x="4802255" y="1219200"/>
+                      <a:ext cx="91968" cy="533400"/>
+                      <a:chOff x="5318233" y="1905000"/>
+                      <a:chExt cx="91968" cy="533400"/>
+                    </a:xfrm>
+                  </p:grpSpPr>
+                  <p:sp>
+                    <p:nvSpPr>
+                      <p:cNvPr id="162" name="Freeform 161"/>
+                      <p:cNvSpPr/>
+                      <p:nvPr/>
+                    </p:nvSpPr>
+                    <p:spPr>
+                      <a:xfrm>
+                        <a:off x="5318233" y="1905000"/>
+                        <a:ext cx="91968" cy="483661"/>
+                      </a:xfrm>
+                      <a:custGeom>
+                        <a:avLst/>
+                        <a:gdLst>
+                          <a:gd name="connsiteX0" fmla="*/ 151904 w 302029"/>
+                          <a:gd name="connsiteY0" fmla="*/ 0 h 1138237"/>
+                          <a:gd name="connsiteX1" fmla="*/ 4267 w 302029"/>
+                          <a:gd name="connsiteY1" fmla="*/ 378619 h 1138237"/>
+                          <a:gd name="connsiteX2" fmla="*/ 299542 w 302029"/>
+                          <a:gd name="connsiteY2" fmla="*/ 762000 h 1138237"/>
+                          <a:gd name="connsiteX3" fmla="*/ 151904 w 302029"/>
+                          <a:gd name="connsiteY3" fmla="*/ 1138237 h 1138237"/>
+                        </a:gdLst>
+                        <a:ahLst/>
+                        <a:cxnLst>
+                          <a:cxn ang="0">
+                            <a:pos x="connsiteX0" y="connsiteY0"/>
+                          </a:cxn>
+                          <a:cxn ang="0">
+                            <a:pos x="connsiteX1" y="connsiteY1"/>
+                          </a:cxn>
+                          <a:cxn ang="0">
+                            <a:pos x="connsiteX2" y="connsiteY2"/>
+                          </a:cxn>
+                          <a:cxn ang="0">
+                            <a:pos x="connsiteX3" y="connsiteY3"/>
+                          </a:cxn>
+                        </a:cxnLst>
+                        <a:rect l="l" t="t" r="r" b="b"/>
+                        <a:pathLst>
+                          <a:path w="302029" h="1138237">
+                            <a:moveTo>
+                              <a:pt x="151904" y="0"/>
+                            </a:moveTo>
+                            <a:cubicBezTo>
+                              <a:pt x="65782" y="125809"/>
+                              <a:pt x="-20339" y="251619"/>
+                              <a:pt x="4267" y="378619"/>
+                            </a:cubicBezTo>
+                            <a:cubicBezTo>
+                              <a:pt x="28873" y="505619"/>
+                              <a:pt x="274936" y="635397"/>
+                              <a:pt x="299542" y="762000"/>
+                            </a:cubicBezTo>
+                            <a:cubicBezTo>
+                              <a:pt x="324148" y="888603"/>
+                              <a:pt x="158254" y="1083468"/>
+                              <a:pt x="151904" y="1138237"/>
+                            </a:cubicBezTo>
+                          </a:path>
+                        </a:pathLst>
+                      </a:custGeom>
+                      <a:noFill/>
+                      <a:ln>
+                        <a:solidFill>
+                          <a:schemeClr val="tx1"/>
+                        </a:solidFill>
+                      </a:ln>
+                    </p:spPr>
+                    <p:style>
+                      <a:lnRef idx="2">
+                        <a:schemeClr val="accent1">
+                          <a:shade val="50000"/>
+                        </a:schemeClr>
+                      </a:lnRef>
+                      <a:fillRef idx="1">
+                        <a:schemeClr val="accent1"/>
+                      </a:fillRef>
+                      <a:effectRef idx="0">
+                        <a:schemeClr val="accent1"/>
+                      </a:effectRef>
+                      <a:fontRef idx="minor">
+                        <a:schemeClr val="lt1"/>
+                      </a:fontRef>
+                    </p:style>
+                    <p:txBody>
+                      <a:bodyPr rtlCol="0" anchor="ctr"/>
+                      <a:lstStyle/>
+                      <a:p>
+                        <a:pPr algn="ctr"/>
+                        <a:endParaRPr lang="en-US"/>
+                      </a:p>
+                    </p:txBody>
+                  </p:sp>
+                  <p:cxnSp>
+                    <p:nvCxnSpPr>
+                      <p:cNvPr id="163" name="Straight Connector 162"/>
+                      <p:cNvCxnSpPr/>
+                      <p:nvPr/>
+                    </p:nvCxnSpPr>
+                    <p:spPr>
+                      <a:xfrm>
+                        <a:off x="5364217" y="2388661"/>
+                        <a:ext cx="0" cy="49739"/>
+                      </a:xfrm>
+                      <a:prstGeom prst="line">
+                        <a:avLst/>
+                      </a:prstGeom>
+                      <a:ln w="12700">
+                        <a:solidFill>
+                          <a:schemeClr val="tx1"/>
+                        </a:solidFill>
+                        <a:headEnd type="none" w="med" len="med"/>
+                        <a:tailEnd type="triangle" w="med" len="med"/>
+                      </a:ln>
+                    </p:spPr>
+                    <p:style>
+                      <a:lnRef idx="1">
+                        <a:schemeClr val="accent1"/>
+                      </a:lnRef>
+                      <a:fillRef idx="0">
+                        <a:schemeClr val="accent1"/>
+                      </a:fillRef>
+                      <a:effectRef idx="0">
+                        <a:schemeClr val="accent1"/>
+                      </a:effectRef>
+                      <a:fontRef idx="minor">
+                        <a:schemeClr val="tx1"/>
+                      </a:fontRef>
+                    </p:style>
+                  </p:cxnSp>
+                </p:grpSp>
+                <p:grpSp>
+                  <p:nvGrpSpPr>
+                    <p:cNvPr id="156" name="Group 155"/>
+                    <p:cNvGrpSpPr/>
+                    <p:nvPr/>
+                  </p:nvGrpSpPr>
+                  <p:grpSpPr>
+                    <a:xfrm>
+                      <a:off x="4957965" y="1219200"/>
+                      <a:ext cx="91968" cy="533400"/>
+                      <a:chOff x="5318233" y="1905000"/>
+                      <a:chExt cx="91968" cy="533400"/>
+                    </a:xfrm>
+                  </p:grpSpPr>
+                  <p:sp>
+                    <p:nvSpPr>
+                      <p:cNvPr id="160" name="Freeform 159"/>
+                      <p:cNvSpPr/>
+                      <p:nvPr/>
+                    </p:nvSpPr>
+                    <p:spPr>
+                      <a:xfrm>
+                        <a:off x="5318233" y="1905000"/>
+                        <a:ext cx="91968" cy="483661"/>
+                      </a:xfrm>
+                      <a:custGeom>
+                        <a:avLst/>
+                        <a:gdLst>
+                          <a:gd name="connsiteX0" fmla="*/ 151904 w 302029"/>
+                          <a:gd name="connsiteY0" fmla="*/ 0 h 1138237"/>
+                          <a:gd name="connsiteX1" fmla="*/ 4267 w 302029"/>
+                          <a:gd name="connsiteY1" fmla="*/ 378619 h 1138237"/>
+                          <a:gd name="connsiteX2" fmla="*/ 299542 w 302029"/>
+                          <a:gd name="connsiteY2" fmla="*/ 762000 h 1138237"/>
+                          <a:gd name="connsiteX3" fmla="*/ 151904 w 302029"/>
+                          <a:gd name="connsiteY3" fmla="*/ 1138237 h 1138237"/>
+                        </a:gdLst>
+                        <a:ahLst/>
+                        <a:cxnLst>
+                          <a:cxn ang="0">
+                            <a:pos x="connsiteX0" y="connsiteY0"/>
+                          </a:cxn>
+                          <a:cxn ang="0">
+                            <a:pos x="connsiteX1" y="connsiteY1"/>
+                          </a:cxn>
+                          <a:cxn ang="0">
+                            <a:pos x="connsiteX2" y="connsiteY2"/>
+                          </a:cxn>
+                          <a:cxn ang="0">
+                            <a:pos x="connsiteX3" y="connsiteY3"/>
+                          </a:cxn>
+                        </a:cxnLst>
+                        <a:rect l="l" t="t" r="r" b="b"/>
+                        <a:pathLst>
+                          <a:path w="302029" h="1138237">
+                            <a:moveTo>
+                              <a:pt x="151904" y="0"/>
+                            </a:moveTo>
+                            <a:cubicBezTo>
+                              <a:pt x="65782" y="125809"/>
+                              <a:pt x="-20339" y="251619"/>
+                              <a:pt x="4267" y="378619"/>
+                            </a:cubicBezTo>
+                            <a:cubicBezTo>
+                              <a:pt x="28873" y="505619"/>
+                              <a:pt x="274936" y="635397"/>
+                              <a:pt x="299542" y="762000"/>
+                            </a:cubicBezTo>
+                            <a:cubicBezTo>
+                              <a:pt x="324148" y="888603"/>
+                              <a:pt x="158254" y="1083468"/>
+                              <a:pt x="151904" y="1138237"/>
+                            </a:cubicBezTo>
+                          </a:path>
+                        </a:pathLst>
+                      </a:custGeom>
+                      <a:noFill/>
+                      <a:ln>
+                        <a:solidFill>
+                          <a:schemeClr val="tx1"/>
+                        </a:solidFill>
+                      </a:ln>
+                    </p:spPr>
+                    <p:style>
+                      <a:lnRef idx="2">
+                        <a:schemeClr val="accent1">
+                          <a:shade val="50000"/>
+                        </a:schemeClr>
+                      </a:lnRef>
+                      <a:fillRef idx="1">
+                        <a:schemeClr val="accent1"/>
+                      </a:fillRef>
+                      <a:effectRef idx="0">
+                        <a:schemeClr val="accent1"/>
+                      </a:effectRef>
+                      <a:fontRef idx="minor">
+                        <a:schemeClr val="lt1"/>
+                      </a:fontRef>
+                    </p:style>
+                    <p:txBody>
+                      <a:bodyPr rtlCol="0" anchor="ctr"/>
+                      <a:lstStyle/>
+                      <a:p>
+                        <a:pPr algn="ctr"/>
+                        <a:endParaRPr lang="en-US"/>
+                      </a:p>
+                    </p:txBody>
+                  </p:sp>
+                  <p:cxnSp>
+                    <p:nvCxnSpPr>
+                      <p:cNvPr id="161" name="Straight Connector 160"/>
+                      <p:cNvCxnSpPr/>
+                      <p:nvPr/>
+                    </p:nvCxnSpPr>
+                    <p:spPr>
+                      <a:xfrm>
+                        <a:off x="5364217" y="2388661"/>
+                        <a:ext cx="0" cy="49739"/>
+                      </a:xfrm>
+                      <a:prstGeom prst="line">
+                        <a:avLst/>
+                      </a:prstGeom>
+                      <a:ln w="12700">
+                        <a:solidFill>
+                          <a:schemeClr val="tx1"/>
+                        </a:solidFill>
+                        <a:headEnd type="none" w="med" len="med"/>
+                        <a:tailEnd type="triangle" w="med" len="med"/>
+                      </a:ln>
+                    </p:spPr>
+                    <p:style>
+                      <a:lnRef idx="1">
+                        <a:schemeClr val="accent1"/>
+                      </a:lnRef>
+                      <a:fillRef idx="0">
+                        <a:schemeClr val="accent1"/>
+                      </a:fillRef>
+                      <a:effectRef idx="0">
+                        <a:schemeClr val="accent1"/>
+                      </a:effectRef>
+                      <a:fontRef idx="minor">
+                        <a:schemeClr val="tx1"/>
+                      </a:fontRef>
+                    </p:style>
+                  </p:cxnSp>
+                </p:grpSp>
+                <p:grpSp>
+                  <p:nvGrpSpPr>
+                    <p:cNvPr id="157" name="Group 156"/>
+                    <p:cNvGrpSpPr/>
+                    <p:nvPr/>
+                  </p:nvGrpSpPr>
+                  <p:grpSpPr>
+                    <a:xfrm>
+                      <a:off x="5113675" y="1219200"/>
+                      <a:ext cx="91968" cy="533400"/>
+                      <a:chOff x="5318233" y="1905000"/>
+                      <a:chExt cx="91968" cy="533400"/>
+                    </a:xfrm>
+                  </p:grpSpPr>
+                  <p:sp>
+                    <p:nvSpPr>
+                      <p:cNvPr id="158" name="Freeform 157"/>
+                      <p:cNvSpPr/>
+                      <p:nvPr/>
+                    </p:nvSpPr>
+                    <p:spPr>
+                      <a:xfrm>
+                        <a:off x="5318233" y="1905000"/>
+                        <a:ext cx="91968" cy="483661"/>
+                      </a:xfrm>
+                      <a:custGeom>
+                        <a:avLst/>
+                        <a:gdLst>
+                          <a:gd name="connsiteX0" fmla="*/ 151904 w 302029"/>
+                          <a:gd name="connsiteY0" fmla="*/ 0 h 1138237"/>
+                          <a:gd name="connsiteX1" fmla="*/ 4267 w 302029"/>
+                          <a:gd name="connsiteY1" fmla="*/ 378619 h 1138237"/>
+                          <a:gd name="connsiteX2" fmla="*/ 299542 w 302029"/>
+                          <a:gd name="connsiteY2" fmla="*/ 762000 h 1138237"/>
+                          <a:gd name="connsiteX3" fmla="*/ 151904 w 302029"/>
+                          <a:gd name="connsiteY3" fmla="*/ 1138237 h 1138237"/>
+                        </a:gdLst>
+                        <a:ahLst/>
+                        <a:cxnLst>
+                          <a:cxn ang="0">
+                            <a:pos x="connsiteX0" y="connsiteY0"/>
+                          </a:cxn>
+                          <a:cxn ang="0">
+                            <a:pos x="connsiteX1" y="connsiteY1"/>
+                          </a:cxn>
+                          <a:cxn ang="0">
+                            <a:pos x="connsiteX2" y="connsiteY2"/>
+                          </a:cxn>
+                          <a:cxn ang="0">
+                            <a:pos x="connsiteX3" y="connsiteY3"/>
+                          </a:cxn>
+                        </a:cxnLst>
+                        <a:rect l="l" t="t" r="r" b="b"/>
+                        <a:pathLst>
+                          <a:path w="302029" h="1138237">
+                            <a:moveTo>
+                              <a:pt x="151904" y="0"/>
+                            </a:moveTo>
+                            <a:cubicBezTo>
+                              <a:pt x="65782" y="125809"/>
+                              <a:pt x="-20339" y="251619"/>
+                              <a:pt x="4267" y="378619"/>
+                            </a:cubicBezTo>
+                            <a:cubicBezTo>
+                              <a:pt x="28873" y="505619"/>
+                              <a:pt x="274936" y="635397"/>
+                              <a:pt x="299542" y="762000"/>
+                            </a:cubicBezTo>
+                            <a:cubicBezTo>
+                              <a:pt x="324148" y="888603"/>
+                              <a:pt x="158254" y="1083468"/>
+                              <a:pt x="151904" y="1138237"/>
+                            </a:cubicBezTo>
+                          </a:path>
+                        </a:pathLst>
+                      </a:custGeom>
+                      <a:noFill/>
+                      <a:ln>
+                        <a:solidFill>
+                          <a:schemeClr val="tx1"/>
+                        </a:solidFill>
+                      </a:ln>
+                    </p:spPr>
+                    <p:style>
+                      <a:lnRef idx="2">
+                        <a:schemeClr val="accent1">
+                          <a:shade val="50000"/>
+                        </a:schemeClr>
+                      </a:lnRef>
+                      <a:fillRef idx="1">
+                        <a:schemeClr val="accent1"/>
+                      </a:fillRef>
+                      <a:effectRef idx="0">
+                        <a:schemeClr val="accent1"/>
+                      </a:effectRef>
+                      <a:fontRef idx="minor">
+                        <a:schemeClr val="lt1"/>
+                      </a:fontRef>
+                    </p:style>
+                    <p:txBody>
+                      <a:bodyPr rtlCol="0" anchor="ctr"/>
+                      <a:lstStyle/>
+                      <a:p>
+                        <a:pPr algn="ctr"/>
+                        <a:endParaRPr lang="en-US"/>
+                      </a:p>
+                    </p:txBody>
+                  </p:sp>
+                  <p:cxnSp>
+                    <p:nvCxnSpPr>
+                      <p:cNvPr id="159" name="Straight Connector 158"/>
+                      <p:cNvCxnSpPr/>
+                      <p:nvPr/>
+                    </p:nvCxnSpPr>
+                    <p:spPr>
+                      <a:xfrm>
+                        <a:off x="5364217" y="2388661"/>
+                        <a:ext cx="0" cy="49739"/>
+                      </a:xfrm>
+                      <a:prstGeom prst="line">
+                        <a:avLst/>
+                      </a:prstGeom>
+                      <a:ln w="12700">
+                        <a:solidFill>
+                          <a:schemeClr val="tx1"/>
+                        </a:solidFill>
+                        <a:headEnd type="none" w="med" len="med"/>
+                        <a:tailEnd type="triangle" w="med" len="med"/>
+                      </a:ln>
+                    </p:spPr>
+                    <p:style>
+                      <a:lnRef idx="1">
+                        <a:schemeClr val="accent1"/>
+                      </a:lnRef>
+                      <a:fillRef idx="0">
+                        <a:schemeClr val="accent1"/>
+                      </a:fillRef>
+                      <a:effectRef idx="0">
+                        <a:schemeClr val="accent1"/>
+                      </a:effectRef>
+                      <a:fontRef idx="minor">
+                        <a:schemeClr val="tx1"/>
+                      </a:fontRef>
+                    </p:style>
+                  </p:cxnSp>
+                </p:grpSp>
+              </p:grpSp>
+            </p:grpSp>
+            <p:sp>
+              <p:nvSpPr>
+                <p:cNvPr id="149" name="Rectangle 148"/>
+                <p:cNvSpPr/>
+                <p:nvPr/>
+              </p:nvSpPr>
+              <p:spPr>
+                <a:xfrm>
+                  <a:off x="6121775" y="1541294"/>
+                  <a:ext cx="710451" cy="369332"/>
+                </a:xfrm>
+                <a:prstGeom prst="rect">
+                  <a:avLst/>
+                </a:prstGeom>
+              </p:spPr>
+              <p:txBody>
+                <a:bodyPr wrap="none">
+                  <a:spAutoFit/>
+                </a:bodyPr>
+                <a:lstStyle/>
+                <a:p>
+                  <a:r>
+                    <a:rPr lang="en-US" dirty="0" smtClean="0">
+                      <a:ln w="0"/>
+                      <a:effectLst>
+                        <a:outerShdw blurRad="38100" dist="19050" dir="2700000" algn="tl" rotWithShape="0">
+                          <a:schemeClr val="dk1">
+                            <a:alpha val="40000"/>
+                          </a:schemeClr>
+                        </a:outerShdw>
+                      </a:effectLst>
+                      <a:latin typeface="Times New Roman" panose="02020603050405020304" pitchFamily="18" charset="0"/>
+                      <a:cs typeface="Times New Roman" panose="02020603050405020304" pitchFamily="18" charset="0"/>
+                    </a:rPr>
+                    <a:t>SM-1</a:t>
+                  </a:r>
+                  <a:endParaRPr lang="en-US" dirty="0"/>
+                </a:p>
+              </p:txBody>
+            </p:sp>
+          </p:grpSp>
+          <p:cxnSp>
+            <p:nvCxnSpPr>
+              <p:cNvPr id="78" name="Elbow Connector 77"/>
+              <p:cNvCxnSpPr>
+                <a:stCxn id="56" idx="2"/>
+                <a:endCxn id="73" idx="0"/>
+              </p:cNvCxnSpPr>
+              <p:nvPr/>
+            </p:nvCxnSpPr>
+            <p:spPr>
+              <a:xfrm rot="16200000" flipH="1">
+                <a:off x="5010349" y="3330150"/>
+                <a:ext cx="549485" cy="2753899"/>
+              </a:xfrm>
+              <a:prstGeom prst="bentConnector3">
+                <a:avLst>
+                  <a:gd name="adj1" fmla="val 50000"/>
+                </a:avLst>
+              </a:prstGeom>
+              <a:ln>
+                <a:solidFill>
+                  <a:schemeClr val="tx1"/>
+                </a:solidFill>
+                <a:headEnd type="triangle" w="med" len="med"/>
+                <a:tailEnd type="triangle" w="med" len="med"/>
+              </a:ln>
+            </p:spPr>
+            <p:style>
+              <a:lnRef idx="1">
+                <a:schemeClr val="accent1"/>
+              </a:lnRef>
+              <a:fillRef idx="0">
+                <a:schemeClr val="accent1"/>
+              </a:fillRef>
+              <a:effectRef idx="0">
+                <a:schemeClr val="accent1"/>
+              </a:effectRef>
+              <a:fontRef idx="minor">
+                <a:schemeClr val="tx1"/>
+              </a:fontRef>
+            </p:style>
+          </p:cxnSp>
+          <p:cxnSp>
+            <p:nvCxnSpPr>
+              <p:cNvPr id="81" name="Elbow Connector 80"/>
+              <p:cNvCxnSpPr>
+                <a:stCxn id="145" idx="2"/>
+                <a:endCxn id="73" idx="0"/>
+              </p:cNvCxnSpPr>
+              <p:nvPr/>
+            </p:nvCxnSpPr>
+            <p:spPr>
+              <a:xfrm rot="16200000" flipH="1">
+                <a:off x="6018553" y="4338354"/>
+                <a:ext cx="549485" cy="737491"/>
+              </a:xfrm>
+              <a:prstGeom prst="bentConnector3">
+                <a:avLst>
+                  <a:gd name="adj1" fmla="val 50000"/>
+                </a:avLst>
+              </a:prstGeom>
+              <a:ln>
+                <a:solidFill>
+                  <a:schemeClr val="tx1"/>
+                </a:solidFill>
+                <a:headEnd type="triangle" w="med" len="med"/>
+                <a:tailEnd type="triangle" w="med" len="med"/>
+              </a:ln>
+            </p:spPr>
+            <p:style>
+              <a:lnRef idx="1">
+                <a:schemeClr val="accent1"/>
+              </a:lnRef>
+              <a:fillRef idx="0">
+                <a:schemeClr val="accent1"/>
+              </a:fillRef>
+              <a:effectRef idx="0">
+                <a:schemeClr val="accent1"/>
+              </a:effectRef>
+              <a:fontRef idx="minor">
+                <a:schemeClr val="tx1"/>
+              </a:fontRef>
+            </p:style>
+          </p:cxnSp>
+          <p:cxnSp>
+            <p:nvCxnSpPr>
+              <p:cNvPr id="84" name="Elbow Connector 83"/>
+              <p:cNvCxnSpPr>
+                <a:stCxn id="173" idx="2"/>
+                <a:endCxn id="73" idx="0"/>
+              </p:cNvCxnSpPr>
+              <p:nvPr/>
+            </p:nvCxnSpPr>
+            <p:spPr>
+              <a:xfrm rot="5400000">
+                <a:off x="7199654" y="3894746"/>
+                <a:ext cx="549485" cy="1624709"/>
+              </a:xfrm>
+              <a:prstGeom prst="bentConnector3">
+                <a:avLst>
+                  <a:gd name="adj1" fmla="val 50000"/>
+                </a:avLst>
+              </a:prstGeom>
+              <a:ln>
+                <a:solidFill>
+                  <a:schemeClr val="tx1"/>
+                </a:solidFill>
+                <a:headEnd type="triangle" w="med" len="med"/>
+                <a:tailEnd type="triangle" w="med" len="med"/>
+              </a:ln>
+            </p:spPr>
+            <p:style>
+              <a:lnRef idx="1">
+                <a:schemeClr val="accent1"/>
+              </a:lnRef>
+              <a:fillRef idx="0">
+                <a:schemeClr val="accent1"/>
+              </a:fillRef>
+              <a:effectRef idx="0">
+                <a:schemeClr val="accent1"/>
+              </a:effectRef>
+              <a:fontRef idx="minor">
+                <a:schemeClr val="tx1"/>
+              </a:fontRef>
+            </p:style>
+          </p:cxnSp>
+        </p:grpSp>
+        <p:sp>
+          <p:nvSpPr>
+            <p:cNvPr id="203" name="Rectangle 202"/>
+            <p:cNvSpPr/>
+            <p:nvPr/>
+          </p:nvSpPr>
+          <p:spPr>
+            <a:xfrm rot="16200000">
+              <a:off x="8976572" y="3671415"/>
+              <a:ext cx="5075343" cy="593513"/>
+            </a:xfrm>
+            <a:prstGeom prst="rect">
+              <a:avLst/>
+            </a:prstGeom>
+            <a:solidFill>
+              <a:schemeClr val="bg1">
+                <a:lumMod val="95000"/>
+              </a:schemeClr>
+            </a:solidFill>
+            <a:ln>
               <a:solidFill>
                 <a:schemeClr val="tx1"/>
               </a:solidFill>
-              <a:effectLst>
-                <a:outerShdw blurRad="38100" dist="19050" dir="2700000" algn="tl" rotWithShape="0">
-                  <a:schemeClr val="dk1">
-                    <a:alpha val="40000"/>
-                  </a:schemeClr>
-                </a:outerShdw>
-              </a:effectLst>
-              <a:latin typeface="Times New Roman" panose="02020603050405020304" pitchFamily="18" charset="0"/>
-              <a:cs typeface="Times New Roman" panose="02020603050405020304" pitchFamily="18" charset="0"/>
-            </a:endParaRPr>
-          </a:p>
-          <a:p>
-            <a:pPr algn="ctr"/>
-            <a:endParaRPr lang="en-US" dirty="0" smtClean="0">
-              <a:ln w="0"/>
+            </a:ln>
+          </p:spPr>
+          <p:style>
+            <a:lnRef idx="2">
+              <a:schemeClr val="accent1">
+                <a:shade val="50000"/>
+              </a:schemeClr>
+            </a:lnRef>
+            <a:fillRef idx="1">
+              <a:schemeClr val="accent1"/>
+            </a:fillRef>
+            <a:effectRef idx="0">
+              <a:schemeClr val="accent1"/>
+            </a:effectRef>
+            <a:fontRef idx="minor">
+              <a:schemeClr val="lt1"/>
+            </a:fontRef>
+          </p:style>
+          <p:txBody>
+            <a:bodyPr rtlCol="0" anchor="ctr"/>
+            <a:lstStyle/>
+            <a:p>
+              <a:pPr algn="ctr"/>
+              <a:r>
+                <a:rPr lang="en-US" dirty="0" smtClean="0">
+                  <a:ln w="0"/>
+                  <a:solidFill>
+                    <a:schemeClr val="tx1"/>
+                  </a:solidFill>
+                  <a:effectLst>
+                    <a:outerShdw blurRad="38100" dist="19050" dir="2700000" algn="tl" rotWithShape="0">
+                      <a:schemeClr val="dk1">
+                        <a:alpha val="40000"/>
+                      </a:schemeClr>
+                    </a:outerShdw>
+                  </a:effectLst>
+                  <a:latin typeface="Times New Roman" panose="02020603050405020304" pitchFamily="18" charset="0"/>
+                  <a:cs typeface="Times New Roman" panose="02020603050405020304" pitchFamily="18" charset="0"/>
+                </a:rPr>
+                <a:t>Host Memory</a:t>
+              </a:r>
+              <a:endParaRPr lang="en-US" dirty="0">
+                <a:latin typeface="Times New Roman" panose="02020603050405020304" pitchFamily="18" charset="0"/>
+                <a:cs typeface="Times New Roman" panose="02020603050405020304" pitchFamily="18" charset="0"/>
+              </a:endParaRPr>
+            </a:p>
+          </p:txBody>
+        </p:sp>
+        <p:cxnSp>
+          <p:nvCxnSpPr>
+            <p:cNvPr id="205" name="Elbow Connector 204"/>
+            <p:cNvCxnSpPr>
+              <a:stCxn id="203" idx="0"/>
+              <a:endCxn id="111" idx="3"/>
+            </p:cNvCxnSpPr>
+            <p:nvPr/>
+          </p:nvCxnSpPr>
+          <p:spPr>
+            <a:xfrm rot="10800000" flipV="1">
+              <a:off x="9786241" y="3968170"/>
+              <a:ext cx="1431246" cy="2148629"/>
+            </a:xfrm>
+            <a:prstGeom prst="bentConnector5">
+              <a:avLst>
+                <a:gd name="adj1" fmla="val 15972"/>
+                <a:gd name="adj2" fmla="val -5"/>
+                <a:gd name="adj3" fmla="val 84028"/>
+              </a:avLst>
+            </a:prstGeom>
+            <a:ln w="28575">
               <a:solidFill>
                 <a:schemeClr val="tx1"/>
               </a:solidFill>
-              <a:effectLst>
-                <a:outerShdw blurRad="38100" dist="19050" dir="2700000" algn="tl" rotWithShape="0">
-                  <a:schemeClr val="dk1">
-                    <a:alpha val="40000"/>
-                  </a:schemeClr>
-                </a:outerShdw>
-              </a:effectLst>
-              <a:latin typeface="Times New Roman" panose="02020603050405020304" pitchFamily="18" charset="0"/>
-              <a:cs typeface="Times New Roman" panose="02020603050405020304" pitchFamily="18" charset="0"/>
-            </a:endParaRPr>
-          </a:p>
-          <a:p>
-            <a:pPr algn="ctr"/>
-            <a:endParaRPr lang="en-US" dirty="0">
-              <a:ln w="0"/>
-              <a:solidFill>
-                <a:schemeClr val="tx1"/>
-              </a:solidFill>
-              <a:effectLst>
-                <a:outerShdw blurRad="38100" dist="19050" dir="2700000" algn="tl" rotWithShape="0">
-                  <a:schemeClr val="dk1">
-                    <a:alpha val="40000"/>
-                  </a:schemeClr>
-                </a:outerShdw>
-              </a:effectLst>
-              <a:latin typeface="Times New Roman" panose="02020603050405020304" pitchFamily="18" charset="0"/>
-              <a:cs typeface="Times New Roman" panose="02020603050405020304" pitchFamily="18" charset="0"/>
-            </a:endParaRPr>
-          </a:p>
-          <a:p>
-            <a:pPr algn="ctr"/>
-            <a:endParaRPr lang="en-US" dirty="0" smtClean="0">
-              <a:ln w="0"/>
-              <a:solidFill>
-                <a:schemeClr val="tx1"/>
-              </a:solidFill>
-              <a:effectLst>
-                <a:outerShdw blurRad="38100" dist="19050" dir="2700000" algn="tl" rotWithShape="0">
-                  <a:schemeClr val="dk1">
-                    <a:alpha val="40000"/>
-                  </a:schemeClr>
-                </a:outerShdw>
-              </a:effectLst>
-              <a:latin typeface="Times New Roman" panose="02020603050405020304" pitchFamily="18" charset="0"/>
-              <a:cs typeface="Times New Roman" panose="02020603050405020304" pitchFamily="18" charset="0"/>
-            </a:endParaRPr>
-          </a:p>
-          <a:p>
-            <a:pPr algn="ctr"/>
-            <a:endParaRPr lang="en-US" dirty="0">
-              <a:latin typeface="Times New Roman" panose="02020603050405020304" pitchFamily="18" charset="0"/>
-              <a:cs typeface="Times New Roman" panose="02020603050405020304" pitchFamily="18" charset="0"/>
-            </a:endParaRPr>
-          </a:p>
-        </p:txBody>
-      </p:sp>
-      <p:sp>
-        <p:nvSpPr>
-          <p:cNvPr id="56" name="Rectangle 55"/>
-          <p:cNvSpPr/>
-          <p:nvPr/>
-        </p:nvSpPr>
-        <p:spPr>
-          <a:xfrm>
-            <a:off x="1608551" y="1762759"/>
-            <a:ext cx="571500" cy="593513"/>
-          </a:xfrm>
-          <a:prstGeom prst="rect">
-            <a:avLst/>
-          </a:prstGeom>
-          <a:solidFill>
-            <a:schemeClr val="bg1">
-              <a:lumMod val="95000"/>
-            </a:schemeClr>
-          </a:solidFill>
-          <a:ln>
-            <a:solidFill>
+              <a:headEnd type="triangle" w="med" len="med"/>
+              <a:tailEnd type="triangle" w="med" len="med"/>
+            </a:ln>
+          </p:spPr>
+          <p:style>
+            <a:lnRef idx="1">
+              <a:schemeClr val="accent1"/>
+            </a:lnRef>
+            <a:fillRef idx="0">
+              <a:schemeClr val="accent1"/>
+            </a:fillRef>
+            <a:effectRef idx="0">
+              <a:schemeClr val="accent1"/>
+            </a:effectRef>
+            <a:fontRef idx="minor">
               <a:schemeClr val="tx1"/>
-            </a:solidFill>
-          </a:ln>
-        </p:spPr>
-        <p:style>
-          <a:lnRef idx="2">
-            <a:schemeClr val="accent1">
-              <a:shade val="50000"/>
-            </a:schemeClr>
-          </a:lnRef>
-          <a:fillRef idx="1">
-            <a:schemeClr val="accent1"/>
-          </a:fillRef>
-          <a:effectRef idx="0">
-            <a:schemeClr val="accent1"/>
-          </a:effectRef>
-          <a:fontRef idx="minor">
-            <a:schemeClr val="lt1"/>
-          </a:fontRef>
-        </p:style>
-        <p:txBody>
-          <a:bodyPr rtlCol="0" anchor="ctr"/>
-          <a:lstStyle/>
-          <a:p>
-            <a:pPr algn="ctr"/>
-            <a:r>
-              <a:rPr lang="en-US" dirty="0" smtClean="0">
-                <a:ln w="0"/>
-                <a:solidFill>
-                  <a:schemeClr val="tx1"/>
-                </a:solidFill>
-                <a:effectLst>
-                  <a:outerShdw blurRad="38100" dist="19050" dir="2700000" algn="tl" rotWithShape="0">
-                    <a:schemeClr val="dk1">
-                      <a:alpha val="40000"/>
-                    </a:schemeClr>
-                  </a:outerShdw>
-                </a:effectLst>
+            </a:fontRef>
+          </p:style>
+        </p:cxnSp>
+        <p:sp>
+          <p:nvSpPr>
+            <p:cNvPr id="213" name="Rectangle 212"/>
+            <p:cNvSpPr/>
+            <p:nvPr/>
+          </p:nvSpPr>
+          <p:spPr>
+            <a:xfrm>
+              <a:off x="9885071" y="3352800"/>
+              <a:ext cx="1332416" cy="646331"/>
+            </a:xfrm>
+            <a:prstGeom prst="rect">
+              <a:avLst/>
+            </a:prstGeom>
+          </p:spPr>
+          <p:txBody>
+            <a:bodyPr wrap="none">
+              <a:spAutoFit/>
+            </a:bodyPr>
+            <a:lstStyle/>
+            <a:p>
+              <a:pPr algn="ctr"/>
+              <a:r>
+                <a:rPr lang="en-US" dirty="0" smtClean="0">
+                  <a:ln w="0"/>
+                  <a:effectLst>
+                    <a:outerShdw blurRad="38100" dist="19050" dir="2700000" algn="tl" rotWithShape="0">
+                      <a:schemeClr val="dk1">
+                        <a:alpha val="40000"/>
+                      </a:schemeClr>
+                    </a:outerShdw>
+                  </a:effectLst>
+                  <a:latin typeface="Times New Roman" panose="02020603050405020304" pitchFamily="18" charset="0"/>
+                  <a:cs typeface="Times New Roman" panose="02020603050405020304" pitchFamily="18" charset="0"/>
+                </a:rPr>
+                <a:t>PCI Express</a:t>
+              </a:r>
+            </a:p>
+            <a:p>
+              <a:pPr algn="ctr"/>
+              <a:r>
+                <a:rPr lang="en-US" dirty="0" smtClean="0">
+                  <a:ln w="0"/>
+                  <a:effectLst>
+                    <a:outerShdw blurRad="38100" dist="19050" dir="2700000" algn="tl" rotWithShape="0">
+                      <a:schemeClr val="dk1">
+                        <a:alpha val="40000"/>
+                      </a:schemeClr>
+                    </a:outerShdw>
+                  </a:effectLst>
+                  <a:latin typeface="Times New Roman" panose="02020603050405020304" pitchFamily="18" charset="0"/>
+                  <a:cs typeface="Times New Roman" panose="02020603050405020304" pitchFamily="18" charset="0"/>
+                </a:rPr>
+                <a:t>Bus</a:t>
+              </a:r>
+              <a:endParaRPr lang="en-US" dirty="0">
                 <a:latin typeface="Times New Roman" panose="02020603050405020304" pitchFamily="18" charset="0"/>
                 <a:cs typeface="Times New Roman" panose="02020603050405020304" pitchFamily="18" charset="0"/>
-              </a:rPr>
-              <a:t>L1</a:t>
-            </a:r>
-            <a:endParaRPr lang="en-US" dirty="0">
-              <a:latin typeface="Times New Roman" panose="02020603050405020304" pitchFamily="18" charset="0"/>
-              <a:cs typeface="Times New Roman" panose="02020603050405020304" pitchFamily="18" charset="0"/>
-            </a:endParaRPr>
-          </a:p>
-        </p:txBody>
-      </p:sp>
-      <p:sp>
-        <p:nvSpPr>
-          <p:cNvPr id="57" name="Rectangle 56"/>
-          <p:cNvSpPr/>
-          <p:nvPr/>
-        </p:nvSpPr>
-        <p:spPr>
-          <a:xfrm>
-            <a:off x="2256251" y="1762759"/>
-            <a:ext cx="1028700" cy="593513"/>
-          </a:xfrm>
-          <a:prstGeom prst="rect">
-            <a:avLst/>
-          </a:prstGeom>
-          <a:solidFill>
-            <a:schemeClr val="bg1">
-              <a:lumMod val="95000"/>
-            </a:schemeClr>
-          </a:solidFill>
-          <a:ln>
-            <a:solidFill>
-              <a:schemeClr val="tx1"/>
-            </a:solidFill>
-          </a:ln>
-        </p:spPr>
-        <p:style>
-          <a:lnRef idx="2">
-            <a:schemeClr val="accent1">
-              <a:shade val="50000"/>
-            </a:schemeClr>
-          </a:lnRef>
-          <a:fillRef idx="1">
-            <a:schemeClr val="accent1"/>
-          </a:fillRef>
-          <a:effectRef idx="0">
-            <a:schemeClr val="accent1"/>
-          </a:effectRef>
-          <a:fontRef idx="minor">
-            <a:schemeClr val="lt1"/>
-          </a:fontRef>
-        </p:style>
-        <p:txBody>
-          <a:bodyPr rtlCol="0" anchor="ctr"/>
-          <a:lstStyle/>
-          <a:p>
-            <a:pPr algn="ctr"/>
-            <a:r>
-              <a:rPr lang="en-US" dirty="0" smtClean="0">
-                <a:ln w="0"/>
-                <a:solidFill>
-                  <a:schemeClr val="tx1"/>
-                </a:solidFill>
-                <a:effectLst>
-                  <a:outerShdw blurRad="38100" dist="19050" dir="2700000" algn="tl" rotWithShape="0">
-                    <a:schemeClr val="dk1">
-                      <a:alpha val="40000"/>
-                    </a:schemeClr>
-                  </a:outerShdw>
-                </a:effectLst>
-                <a:latin typeface="Times New Roman" panose="02020603050405020304" pitchFamily="18" charset="0"/>
-                <a:cs typeface="Times New Roman" panose="02020603050405020304" pitchFamily="18" charset="0"/>
-              </a:rPr>
-              <a:t>Shared Memory</a:t>
-            </a:r>
-            <a:endParaRPr lang="en-US" dirty="0">
-              <a:latin typeface="Times New Roman" panose="02020603050405020304" pitchFamily="18" charset="0"/>
-              <a:cs typeface="Times New Roman" panose="02020603050405020304" pitchFamily="18" charset="0"/>
-            </a:endParaRPr>
-          </a:p>
-        </p:txBody>
-      </p:sp>
-      <p:sp>
-        <p:nvSpPr>
-          <p:cNvPr id="58" name="Rectangle 57"/>
-          <p:cNvSpPr/>
-          <p:nvPr/>
-        </p:nvSpPr>
-        <p:spPr>
-          <a:xfrm>
-            <a:off x="1608551" y="1096010"/>
-            <a:ext cx="1676400" cy="593513"/>
-          </a:xfrm>
-          <a:prstGeom prst="rect">
-            <a:avLst/>
-          </a:prstGeom>
-          <a:solidFill>
-            <a:schemeClr val="bg1">
-              <a:lumMod val="95000"/>
-            </a:schemeClr>
-          </a:solidFill>
-          <a:ln>
-            <a:solidFill>
-              <a:schemeClr val="tx1"/>
-            </a:solidFill>
-          </a:ln>
-        </p:spPr>
-        <p:style>
-          <a:lnRef idx="2">
-            <a:schemeClr val="accent1">
-              <a:shade val="50000"/>
-            </a:schemeClr>
-          </a:lnRef>
-          <a:fillRef idx="1">
-            <a:schemeClr val="accent1"/>
-          </a:fillRef>
-          <a:effectRef idx="0">
-            <a:schemeClr val="accent1"/>
-          </a:effectRef>
-          <a:fontRef idx="minor">
-            <a:schemeClr val="lt1"/>
-          </a:fontRef>
-        </p:style>
-        <p:txBody>
-          <a:bodyPr rtlCol="0" anchor="ctr"/>
-          <a:lstStyle/>
-          <a:p>
-            <a:pPr algn="ctr"/>
-            <a:r>
-              <a:rPr lang="en-US" dirty="0" smtClean="0">
-                <a:ln w="0"/>
-                <a:solidFill>
-                  <a:schemeClr val="tx1"/>
-                </a:solidFill>
-                <a:effectLst>
-                  <a:outerShdw blurRad="38100" dist="19050" dir="2700000" algn="tl" rotWithShape="0">
-                    <a:schemeClr val="dk1">
-                      <a:alpha val="40000"/>
-                    </a:schemeClr>
-                  </a:outerShdw>
-                </a:effectLst>
-                <a:latin typeface="Times New Roman" panose="02020603050405020304" pitchFamily="18" charset="0"/>
-                <a:cs typeface="Times New Roman" panose="02020603050405020304" pitchFamily="18" charset="0"/>
-              </a:rPr>
-              <a:t>Registers</a:t>
-            </a:r>
-            <a:endParaRPr lang="en-US" dirty="0">
-              <a:latin typeface="Times New Roman" panose="02020603050405020304" pitchFamily="18" charset="0"/>
-              <a:cs typeface="Times New Roman" panose="02020603050405020304" pitchFamily="18" charset="0"/>
-            </a:endParaRPr>
-          </a:p>
-        </p:txBody>
-      </p:sp>
-      <p:sp>
-        <p:nvSpPr>
-          <p:cNvPr id="61" name="Rectangle 60"/>
-          <p:cNvSpPr/>
-          <p:nvPr/>
-        </p:nvSpPr>
-        <p:spPr>
-          <a:xfrm>
-            <a:off x="3589751" y="685801"/>
-            <a:ext cx="1828800" cy="1822869"/>
-          </a:xfrm>
-          <a:prstGeom prst="rect">
-            <a:avLst/>
-          </a:prstGeom>
-          <a:solidFill>
-            <a:schemeClr val="bg1">
-              <a:lumMod val="95000"/>
-            </a:schemeClr>
-          </a:solidFill>
-          <a:ln>
-            <a:solidFill>
-              <a:schemeClr val="tx1"/>
-            </a:solidFill>
-          </a:ln>
-        </p:spPr>
-        <p:style>
-          <a:lnRef idx="2">
-            <a:schemeClr val="accent1">
-              <a:shade val="50000"/>
-            </a:schemeClr>
-          </a:lnRef>
-          <a:fillRef idx="1">
-            <a:schemeClr val="accent1"/>
-          </a:fillRef>
-          <a:effectRef idx="0">
-            <a:schemeClr val="accent1"/>
-          </a:effectRef>
-          <a:fontRef idx="minor">
-            <a:schemeClr val="lt1"/>
-          </a:fontRef>
-        </p:style>
-        <p:txBody>
-          <a:bodyPr rtlCol="0" anchor="ctr"/>
-          <a:lstStyle/>
-          <a:p>
-            <a:pPr algn="ctr"/>
-            <a:r>
-              <a:rPr lang="en-US" dirty="0" smtClean="0">
-                <a:ln w="0"/>
-                <a:solidFill>
-                  <a:schemeClr val="tx1"/>
-                </a:solidFill>
-                <a:effectLst>
-                  <a:outerShdw blurRad="38100" dist="19050" dir="2700000" algn="tl" rotWithShape="0">
-                    <a:schemeClr val="dk1">
-                      <a:alpha val="40000"/>
-                    </a:schemeClr>
-                  </a:outerShdw>
-                </a:effectLst>
-                <a:latin typeface="Times New Roman" panose="02020603050405020304" pitchFamily="18" charset="0"/>
-                <a:cs typeface="Times New Roman" panose="02020603050405020304" pitchFamily="18" charset="0"/>
-              </a:rPr>
-              <a:t>SM-1</a:t>
-            </a:r>
-          </a:p>
-          <a:p>
-            <a:pPr algn="ctr"/>
-            <a:endParaRPr lang="en-US" dirty="0">
-              <a:ln w="0"/>
-              <a:solidFill>
-                <a:schemeClr val="tx1"/>
-              </a:solidFill>
-              <a:effectLst>
-                <a:outerShdw blurRad="38100" dist="19050" dir="2700000" algn="tl" rotWithShape="0">
-                  <a:schemeClr val="dk1">
-                    <a:alpha val="40000"/>
-                  </a:schemeClr>
-                </a:outerShdw>
-              </a:effectLst>
-              <a:latin typeface="Times New Roman" panose="02020603050405020304" pitchFamily="18" charset="0"/>
-              <a:cs typeface="Times New Roman" panose="02020603050405020304" pitchFamily="18" charset="0"/>
-            </a:endParaRPr>
-          </a:p>
-          <a:p>
-            <a:pPr algn="ctr"/>
-            <a:endParaRPr lang="en-US" dirty="0" smtClean="0">
-              <a:ln w="0"/>
-              <a:solidFill>
-                <a:schemeClr val="tx1"/>
-              </a:solidFill>
-              <a:effectLst>
-                <a:outerShdw blurRad="38100" dist="19050" dir="2700000" algn="tl" rotWithShape="0">
-                  <a:schemeClr val="dk1">
-                    <a:alpha val="40000"/>
-                  </a:schemeClr>
-                </a:outerShdw>
-              </a:effectLst>
-              <a:latin typeface="Times New Roman" panose="02020603050405020304" pitchFamily="18" charset="0"/>
-              <a:cs typeface="Times New Roman" panose="02020603050405020304" pitchFamily="18" charset="0"/>
-            </a:endParaRPr>
-          </a:p>
-          <a:p>
-            <a:pPr algn="ctr"/>
-            <a:endParaRPr lang="en-US" dirty="0">
-              <a:ln w="0"/>
-              <a:solidFill>
-                <a:schemeClr val="tx1"/>
-              </a:solidFill>
-              <a:effectLst>
-                <a:outerShdw blurRad="38100" dist="19050" dir="2700000" algn="tl" rotWithShape="0">
-                  <a:schemeClr val="dk1">
-                    <a:alpha val="40000"/>
-                  </a:schemeClr>
-                </a:outerShdw>
-              </a:effectLst>
-              <a:latin typeface="Times New Roman" panose="02020603050405020304" pitchFamily="18" charset="0"/>
-              <a:cs typeface="Times New Roman" panose="02020603050405020304" pitchFamily="18" charset="0"/>
-            </a:endParaRPr>
-          </a:p>
-          <a:p>
-            <a:pPr algn="ctr"/>
-            <a:endParaRPr lang="en-US" dirty="0" smtClean="0">
-              <a:ln w="0"/>
-              <a:solidFill>
-                <a:schemeClr val="tx1"/>
-              </a:solidFill>
-              <a:effectLst>
-                <a:outerShdw blurRad="38100" dist="19050" dir="2700000" algn="tl" rotWithShape="0">
-                  <a:schemeClr val="dk1">
-                    <a:alpha val="40000"/>
-                  </a:schemeClr>
-                </a:outerShdw>
-              </a:effectLst>
-              <a:latin typeface="Times New Roman" panose="02020603050405020304" pitchFamily="18" charset="0"/>
-              <a:cs typeface="Times New Roman" panose="02020603050405020304" pitchFamily="18" charset="0"/>
-            </a:endParaRPr>
-          </a:p>
-          <a:p>
-            <a:pPr algn="ctr"/>
-            <a:endParaRPr lang="en-US" dirty="0">
-              <a:latin typeface="Times New Roman" panose="02020603050405020304" pitchFamily="18" charset="0"/>
-              <a:cs typeface="Times New Roman" panose="02020603050405020304" pitchFamily="18" charset="0"/>
-            </a:endParaRPr>
-          </a:p>
-        </p:txBody>
-      </p:sp>
-      <p:sp>
-        <p:nvSpPr>
-          <p:cNvPr id="62" name="Rectangle 61"/>
-          <p:cNvSpPr/>
-          <p:nvPr/>
-        </p:nvSpPr>
-        <p:spPr>
-          <a:xfrm>
-            <a:off x="3665951" y="1762758"/>
-            <a:ext cx="571500" cy="593513"/>
-          </a:xfrm>
-          <a:prstGeom prst="rect">
-            <a:avLst/>
-          </a:prstGeom>
-          <a:solidFill>
-            <a:schemeClr val="bg1">
-              <a:lumMod val="95000"/>
-            </a:schemeClr>
-          </a:solidFill>
-          <a:ln>
-            <a:solidFill>
-              <a:schemeClr val="tx1"/>
-            </a:solidFill>
-          </a:ln>
-        </p:spPr>
-        <p:style>
-          <a:lnRef idx="2">
-            <a:schemeClr val="accent1">
-              <a:shade val="50000"/>
-            </a:schemeClr>
-          </a:lnRef>
-          <a:fillRef idx="1">
-            <a:schemeClr val="accent1"/>
-          </a:fillRef>
-          <a:effectRef idx="0">
-            <a:schemeClr val="accent1"/>
-          </a:effectRef>
-          <a:fontRef idx="minor">
-            <a:schemeClr val="lt1"/>
-          </a:fontRef>
-        </p:style>
-        <p:txBody>
-          <a:bodyPr rtlCol="0" anchor="ctr"/>
-          <a:lstStyle/>
-          <a:p>
-            <a:pPr algn="ctr"/>
-            <a:r>
-              <a:rPr lang="en-US" dirty="0" smtClean="0">
-                <a:ln w="0"/>
-                <a:solidFill>
-                  <a:schemeClr val="tx1"/>
-                </a:solidFill>
-                <a:effectLst>
-                  <a:outerShdw blurRad="38100" dist="19050" dir="2700000" algn="tl" rotWithShape="0">
-                    <a:schemeClr val="dk1">
-                      <a:alpha val="40000"/>
-                    </a:schemeClr>
-                  </a:outerShdw>
-                </a:effectLst>
-                <a:latin typeface="Times New Roman" panose="02020603050405020304" pitchFamily="18" charset="0"/>
-                <a:cs typeface="Times New Roman" panose="02020603050405020304" pitchFamily="18" charset="0"/>
-              </a:rPr>
-              <a:t>L1</a:t>
-            </a:r>
-            <a:endParaRPr lang="en-US" dirty="0">
-              <a:latin typeface="Times New Roman" panose="02020603050405020304" pitchFamily="18" charset="0"/>
-              <a:cs typeface="Times New Roman" panose="02020603050405020304" pitchFamily="18" charset="0"/>
-            </a:endParaRPr>
-          </a:p>
-        </p:txBody>
-      </p:sp>
-      <p:sp>
-        <p:nvSpPr>
-          <p:cNvPr id="63" name="Rectangle 62"/>
-          <p:cNvSpPr/>
-          <p:nvPr/>
-        </p:nvSpPr>
-        <p:spPr>
-          <a:xfrm>
-            <a:off x="4313651" y="1762758"/>
-            <a:ext cx="1028700" cy="593513"/>
-          </a:xfrm>
-          <a:prstGeom prst="rect">
-            <a:avLst/>
-          </a:prstGeom>
-          <a:solidFill>
-            <a:schemeClr val="bg1">
-              <a:lumMod val="95000"/>
-            </a:schemeClr>
-          </a:solidFill>
-          <a:ln>
-            <a:solidFill>
-              <a:schemeClr val="tx1"/>
-            </a:solidFill>
-          </a:ln>
-        </p:spPr>
-        <p:style>
-          <a:lnRef idx="2">
-            <a:schemeClr val="accent1">
-              <a:shade val="50000"/>
-            </a:schemeClr>
-          </a:lnRef>
-          <a:fillRef idx="1">
-            <a:schemeClr val="accent1"/>
-          </a:fillRef>
-          <a:effectRef idx="0">
-            <a:schemeClr val="accent1"/>
-          </a:effectRef>
-          <a:fontRef idx="minor">
-            <a:schemeClr val="lt1"/>
-          </a:fontRef>
-        </p:style>
-        <p:txBody>
-          <a:bodyPr rtlCol="0" anchor="ctr"/>
-          <a:lstStyle/>
-          <a:p>
-            <a:pPr algn="ctr"/>
-            <a:r>
-              <a:rPr lang="en-US" dirty="0" smtClean="0">
-                <a:ln w="0"/>
-                <a:solidFill>
-                  <a:schemeClr val="tx1"/>
-                </a:solidFill>
-                <a:effectLst>
-                  <a:outerShdw blurRad="38100" dist="19050" dir="2700000" algn="tl" rotWithShape="0">
-                    <a:schemeClr val="dk1">
-                      <a:alpha val="40000"/>
-                    </a:schemeClr>
-                  </a:outerShdw>
-                </a:effectLst>
-                <a:latin typeface="Times New Roman" panose="02020603050405020304" pitchFamily="18" charset="0"/>
-                <a:cs typeface="Times New Roman" panose="02020603050405020304" pitchFamily="18" charset="0"/>
-              </a:rPr>
-              <a:t>Shared Memory</a:t>
-            </a:r>
-            <a:endParaRPr lang="en-US" dirty="0">
-              <a:latin typeface="Times New Roman" panose="02020603050405020304" pitchFamily="18" charset="0"/>
-              <a:cs typeface="Times New Roman" panose="02020603050405020304" pitchFamily="18" charset="0"/>
-            </a:endParaRPr>
-          </a:p>
-        </p:txBody>
-      </p:sp>
-      <p:sp>
-        <p:nvSpPr>
-          <p:cNvPr id="64" name="Rectangle 63"/>
-          <p:cNvSpPr/>
-          <p:nvPr/>
-        </p:nvSpPr>
-        <p:spPr>
-          <a:xfrm>
-            <a:off x="3665951" y="1096009"/>
-            <a:ext cx="1676400" cy="593513"/>
-          </a:xfrm>
-          <a:prstGeom prst="rect">
-            <a:avLst/>
-          </a:prstGeom>
-          <a:solidFill>
-            <a:schemeClr val="bg1">
-              <a:lumMod val="95000"/>
-            </a:schemeClr>
-          </a:solidFill>
-          <a:ln>
-            <a:solidFill>
-              <a:schemeClr val="tx1"/>
-            </a:solidFill>
-          </a:ln>
-        </p:spPr>
-        <p:style>
-          <a:lnRef idx="2">
-            <a:schemeClr val="accent1">
-              <a:shade val="50000"/>
-            </a:schemeClr>
-          </a:lnRef>
-          <a:fillRef idx="1">
-            <a:schemeClr val="accent1"/>
-          </a:fillRef>
-          <a:effectRef idx="0">
-            <a:schemeClr val="accent1"/>
-          </a:effectRef>
-          <a:fontRef idx="minor">
-            <a:schemeClr val="lt1"/>
-          </a:fontRef>
-        </p:style>
-        <p:txBody>
-          <a:bodyPr rtlCol="0" anchor="ctr"/>
-          <a:lstStyle/>
-          <a:p>
-            <a:pPr algn="ctr"/>
-            <a:r>
-              <a:rPr lang="en-US" dirty="0" smtClean="0">
-                <a:ln w="0"/>
-                <a:solidFill>
-                  <a:schemeClr val="tx1"/>
-                </a:solidFill>
-                <a:effectLst>
-                  <a:outerShdw blurRad="38100" dist="19050" dir="2700000" algn="tl" rotWithShape="0">
-                    <a:schemeClr val="dk1">
-                      <a:alpha val="40000"/>
-                    </a:schemeClr>
-                  </a:outerShdw>
-                </a:effectLst>
-                <a:latin typeface="Times New Roman" panose="02020603050405020304" pitchFamily="18" charset="0"/>
-                <a:cs typeface="Times New Roman" panose="02020603050405020304" pitchFamily="18" charset="0"/>
-              </a:rPr>
-              <a:t>Registers</a:t>
-            </a:r>
-            <a:endParaRPr lang="en-US" dirty="0">
-              <a:latin typeface="Times New Roman" panose="02020603050405020304" pitchFamily="18" charset="0"/>
-              <a:cs typeface="Times New Roman" panose="02020603050405020304" pitchFamily="18" charset="0"/>
-            </a:endParaRPr>
-          </a:p>
-        </p:txBody>
-      </p:sp>
-      <p:sp>
-        <p:nvSpPr>
-          <p:cNvPr id="66" name="Rectangle 65"/>
-          <p:cNvSpPr/>
-          <p:nvPr/>
-        </p:nvSpPr>
-        <p:spPr>
-          <a:xfrm>
-            <a:off x="5951951" y="685800"/>
-            <a:ext cx="1828800" cy="1822869"/>
-          </a:xfrm>
-          <a:prstGeom prst="rect">
-            <a:avLst/>
-          </a:prstGeom>
-          <a:solidFill>
-            <a:schemeClr val="bg1">
-              <a:lumMod val="95000"/>
-            </a:schemeClr>
-          </a:solidFill>
-          <a:ln>
-            <a:solidFill>
-              <a:schemeClr val="tx1"/>
-            </a:solidFill>
-          </a:ln>
-        </p:spPr>
-        <p:style>
-          <a:lnRef idx="2">
-            <a:schemeClr val="accent1">
-              <a:shade val="50000"/>
-            </a:schemeClr>
-          </a:lnRef>
-          <a:fillRef idx="1">
-            <a:schemeClr val="accent1"/>
-          </a:fillRef>
-          <a:effectRef idx="0">
-            <a:schemeClr val="accent1"/>
-          </a:effectRef>
-          <a:fontRef idx="minor">
-            <a:schemeClr val="lt1"/>
-          </a:fontRef>
-        </p:style>
-        <p:txBody>
-          <a:bodyPr rtlCol="0" anchor="ctr"/>
-          <a:lstStyle/>
-          <a:p>
-            <a:pPr algn="ctr"/>
-            <a:r>
-              <a:rPr lang="en-US" dirty="0" smtClean="0">
-                <a:ln w="0"/>
-                <a:solidFill>
-                  <a:schemeClr val="tx1"/>
-                </a:solidFill>
-                <a:effectLst>
-                  <a:outerShdw blurRad="38100" dist="19050" dir="2700000" algn="tl" rotWithShape="0">
-                    <a:schemeClr val="dk1">
-                      <a:alpha val="40000"/>
-                    </a:schemeClr>
-                  </a:outerShdw>
-                </a:effectLst>
-                <a:latin typeface="Times New Roman" panose="02020603050405020304" pitchFamily="18" charset="0"/>
-                <a:cs typeface="Times New Roman" panose="02020603050405020304" pitchFamily="18" charset="0"/>
-              </a:rPr>
-              <a:t>SM-N</a:t>
-            </a:r>
-          </a:p>
-          <a:p>
-            <a:pPr algn="ctr"/>
-            <a:endParaRPr lang="en-US" dirty="0">
-              <a:ln w="0"/>
-              <a:solidFill>
-                <a:schemeClr val="tx1"/>
-              </a:solidFill>
-              <a:effectLst>
-                <a:outerShdw blurRad="38100" dist="19050" dir="2700000" algn="tl" rotWithShape="0">
-                  <a:schemeClr val="dk1">
-                    <a:alpha val="40000"/>
-                  </a:schemeClr>
-                </a:outerShdw>
-              </a:effectLst>
-              <a:latin typeface="Times New Roman" panose="02020603050405020304" pitchFamily="18" charset="0"/>
-              <a:cs typeface="Times New Roman" panose="02020603050405020304" pitchFamily="18" charset="0"/>
-            </a:endParaRPr>
-          </a:p>
-          <a:p>
-            <a:pPr algn="ctr"/>
-            <a:endParaRPr lang="en-US" dirty="0" smtClean="0">
-              <a:ln w="0"/>
-              <a:solidFill>
-                <a:schemeClr val="tx1"/>
-              </a:solidFill>
-              <a:effectLst>
-                <a:outerShdw blurRad="38100" dist="19050" dir="2700000" algn="tl" rotWithShape="0">
-                  <a:schemeClr val="dk1">
-                    <a:alpha val="40000"/>
-                  </a:schemeClr>
-                </a:outerShdw>
-              </a:effectLst>
-              <a:latin typeface="Times New Roman" panose="02020603050405020304" pitchFamily="18" charset="0"/>
-              <a:cs typeface="Times New Roman" panose="02020603050405020304" pitchFamily="18" charset="0"/>
-            </a:endParaRPr>
-          </a:p>
-          <a:p>
-            <a:pPr algn="ctr"/>
-            <a:endParaRPr lang="en-US" dirty="0">
-              <a:ln w="0"/>
-              <a:solidFill>
-                <a:schemeClr val="tx1"/>
-              </a:solidFill>
-              <a:effectLst>
-                <a:outerShdw blurRad="38100" dist="19050" dir="2700000" algn="tl" rotWithShape="0">
-                  <a:schemeClr val="dk1">
-                    <a:alpha val="40000"/>
-                  </a:schemeClr>
-                </a:outerShdw>
-              </a:effectLst>
-              <a:latin typeface="Times New Roman" panose="02020603050405020304" pitchFamily="18" charset="0"/>
-              <a:cs typeface="Times New Roman" panose="02020603050405020304" pitchFamily="18" charset="0"/>
-            </a:endParaRPr>
-          </a:p>
-          <a:p>
-            <a:pPr algn="ctr"/>
-            <a:endParaRPr lang="en-US" dirty="0" smtClean="0">
-              <a:ln w="0"/>
-              <a:solidFill>
-                <a:schemeClr val="tx1"/>
-              </a:solidFill>
-              <a:effectLst>
-                <a:outerShdw blurRad="38100" dist="19050" dir="2700000" algn="tl" rotWithShape="0">
-                  <a:schemeClr val="dk1">
-                    <a:alpha val="40000"/>
-                  </a:schemeClr>
-                </a:outerShdw>
-              </a:effectLst>
-              <a:latin typeface="Times New Roman" panose="02020603050405020304" pitchFamily="18" charset="0"/>
-              <a:cs typeface="Times New Roman" panose="02020603050405020304" pitchFamily="18" charset="0"/>
-            </a:endParaRPr>
-          </a:p>
-          <a:p>
-            <a:pPr algn="ctr"/>
-            <a:endParaRPr lang="en-US" dirty="0">
-              <a:latin typeface="Times New Roman" panose="02020603050405020304" pitchFamily="18" charset="0"/>
-              <a:cs typeface="Times New Roman" panose="02020603050405020304" pitchFamily="18" charset="0"/>
-            </a:endParaRPr>
-          </a:p>
-        </p:txBody>
-      </p:sp>
-      <p:sp>
-        <p:nvSpPr>
-          <p:cNvPr id="67" name="Rectangle 66"/>
-          <p:cNvSpPr/>
-          <p:nvPr/>
-        </p:nvSpPr>
-        <p:spPr>
-          <a:xfrm>
-            <a:off x="6028151" y="1762757"/>
-            <a:ext cx="571500" cy="593513"/>
-          </a:xfrm>
-          <a:prstGeom prst="rect">
-            <a:avLst/>
-          </a:prstGeom>
-          <a:solidFill>
-            <a:schemeClr val="bg1">
-              <a:lumMod val="95000"/>
-            </a:schemeClr>
-          </a:solidFill>
-          <a:ln>
-            <a:solidFill>
-              <a:schemeClr val="tx1"/>
-            </a:solidFill>
-          </a:ln>
-        </p:spPr>
-        <p:style>
-          <a:lnRef idx="2">
-            <a:schemeClr val="accent1">
-              <a:shade val="50000"/>
-            </a:schemeClr>
-          </a:lnRef>
-          <a:fillRef idx="1">
-            <a:schemeClr val="accent1"/>
-          </a:fillRef>
-          <a:effectRef idx="0">
-            <a:schemeClr val="accent1"/>
-          </a:effectRef>
-          <a:fontRef idx="minor">
-            <a:schemeClr val="lt1"/>
-          </a:fontRef>
-        </p:style>
-        <p:txBody>
-          <a:bodyPr rtlCol="0" anchor="ctr"/>
-          <a:lstStyle/>
-          <a:p>
-            <a:pPr algn="ctr"/>
-            <a:r>
-              <a:rPr lang="en-US" dirty="0" smtClean="0">
-                <a:ln w="0"/>
-                <a:solidFill>
-                  <a:schemeClr val="tx1"/>
-                </a:solidFill>
-                <a:effectLst>
-                  <a:outerShdw blurRad="38100" dist="19050" dir="2700000" algn="tl" rotWithShape="0">
-                    <a:schemeClr val="dk1">
-                      <a:alpha val="40000"/>
-                    </a:schemeClr>
-                  </a:outerShdw>
-                </a:effectLst>
-                <a:latin typeface="Times New Roman" panose="02020603050405020304" pitchFamily="18" charset="0"/>
-                <a:cs typeface="Times New Roman" panose="02020603050405020304" pitchFamily="18" charset="0"/>
-              </a:rPr>
-              <a:t>L1</a:t>
-            </a:r>
-            <a:endParaRPr lang="en-US" dirty="0">
-              <a:latin typeface="Times New Roman" panose="02020603050405020304" pitchFamily="18" charset="0"/>
-              <a:cs typeface="Times New Roman" panose="02020603050405020304" pitchFamily="18" charset="0"/>
-            </a:endParaRPr>
-          </a:p>
-        </p:txBody>
-      </p:sp>
-      <p:sp>
-        <p:nvSpPr>
-          <p:cNvPr id="68" name="Rectangle 67"/>
-          <p:cNvSpPr/>
-          <p:nvPr/>
-        </p:nvSpPr>
-        <p:spPr>
-          <a:xfrm>
-            <a:off x="6675851" y="1762757"/>
-            <a:ext cx="1028700" cy="593513"/>
-          </a:xfrm>
-          <a:prstGeom prst="rect">
-            <a:avLst/>
-          </a:prstGeom>
-          <a:solidFill>
-            <a:schemeClr val="bg1">
-              <a:lumMod val="95000"/>
-            </a:schemeClr>
-          </a:solidFill>
-          <a:ln>
-            <a:solidFill>
-              <a:schemeClr val="tx1"/>
-            </a:solidFill>
-          </a:ln>
-        </p:spPr>
-        <p:style>
-          <a:lnRef idx="2">
-            <a:schemeClr val="accent1">
-              <a:shade val="50000"/>
-            </a:schemeClr>
-          </a:lnRef>
-          <a:fillRef idx="1">
-            <a:schemeClr val="accent1"/>
-          </a:fillRef>
-          <a:effectRef idx="0">
-            <a:schemeClr val="accent1"/>
-          </a:effectRef>
-          <a:fontRef idx="minor">
-            <a:schemeClr val="lt1"/>
-          </a:fontRef>
-        </p:style>
-        <p:txBody>
-          <a:bodyPr rtlCol="0" anchor="ctr"/>
-          <a:lstStyle/>
-          <a:p>
-            <a:pPr algn="ctr"/>
-            <a:r>
-              <a:rPr lang="en-US" dirty="0" smtClean="0">
-                <a:ln w="0"/>
-                <a:solidFill>
-                  <a:schemeClr val="tx1"/>
-                </a:solidFill>
-                <a:effectLst>
-                  <a:outerShdw blurRad="38100" dist="19050" dir="2700000" algn="tl" rotWithShape="0">
-                    <a:schemeClr val="dk1">
-                      <a:alpha val="40000"/>
-                    </a:schemeClr>
-                  </a:outerShdw>
-                </a:effectLst>
-                <a:latin typeface="Times New Roman" panose="02020603050405020304" pitchFamily="18" charset="0"/>
-                <a:cs typeface="Times New Roman" panose="02020603050405020304" pitchFamily="18" charset="0"/>
-              </a:rPr>
-              <a:t>Shared Memory</a:t>
-            </a:r>
-            <a:endParaRPr lang="en-US" dirty="0">
-              <a:latin typeface="Times New Roman" panose="02020603050405020304" pitchFamily="18" charset="0"/>
-              <a:cs typeface="Times New Roman" panose="02020603050405020304" pitchFamily="18" charset="0"/>
-            </a:endParaRPr>
-          </a:p>
-        </p:txBody>
-      </p:sp>
-      <p:sp>
-        <p:nvSpPr>
-          <p:cNvPr id="69" name="Rectangle 68"/>
-          <p:cNvSpPr/>
-          <p:nvPr/>
-        </p:nvSpPr>
-        <p:spPr>
-          <a:xfrm>
-            <a:off x="6028151" y="1096008"/>
-            <a:ext cx="1676400" cy="593513"/>
-          </a:xfrm>
-          <a:prstGeom prst="rect">
-            <a:avLst/>
-          </a:prstGeom>
-          <a:solidFill>
-            <a:schemeClr val="bg1">
-              <a:lumMod val="95000"/>
-            </a:schemeClr>
-          </a:solidFill>
-          <a:ln>
-            <a:solidFill>
-              <a:schemeClr val="tx1"/>
-            </a:solidFill>
-          </a:ln>
-        </p:spPr>
-        <p:style>
-          <a:lnRef idx="2">
-            <a:schemeClr val="accent1">
-              <a:shade val="50000"/>
-            </a:schemeClr>
-          </a:lnRef>
-          <a:fillRef idx="1">
-            <a:schemeClr val="accent1"/>
-          </a:fillRef>
-          <a:effectRef idx="0">
-            <a:schemeClr val="accent1"/>
-          </a:effectRef>
-          <a:fontRef idx="minor">
-            <a:schemeClr val="lt1"/>
-          </a:fontRef>
-        </p:style>
-        <p:txBody>
-          <a:bodyPr rtlCol="0" anchor="ctr"/>
-          <a:lstStyle/>
-          <a:p>
-            <a:pPr algn="ctr"/>
-            <a:r>
-              <a:rPr lang="en-US" dirty="0" smtClean="0">
-                <a:ln w="0"/>
-                <a:solidFill>
-                  <a:schemeClr val="tx1"/>
-                </a:solidFill>
-                <a:effectLst>
-                  <a:outerShdw blurRad="38100" dist="19050" dir="2700000" algn="tl" rotWithShape="0">
-                    <a:schemeClr val="dk1">
-                      <a:alpha val="40000"/>
-                    </a:schemeClr>
-                  </a:outerShdw>
-                </a:effectLst>
-                <a:latin typeface="Times New Roman" panose="02020603050405020304" pitchFamily="18" charset="0"/>
-                <a:cs typeface="Times New Roman" panose="02020603050405020304" pitchFamily="18" charset="0"/>
-              </a:rPr>
-              <a:t>Registers</a:t>
-            </a:r>
-            <a:endParaRPr lang="en-US" dirty="0">
-              <a:latin typeface="Times New Roman" panose="02020603050405020304" pitchFamily="18" charset="0"/>
-              <a:cs typeface="Times New Roman" panose="02020603050405020304" pitchFamily="18" charset="0"/>
-            </a:endParaRPr>
-          </a:p>
-        </p:txBody>
-      </p:sp>
-      <p:sp>
-        <p:nvSpPr>
-          <p:cNvPr id="70" name="Oval 69"/>
-          <p:cNvSpPr/>
-          <p:nvPr/>
-        </p:nvSpPr>
-        <p:spPr>
-          <a:xfrm>
-            <a:off x="5494751" y="1556170"/>
-            <a:ext cx="76200" cy="82128"/>
-          </a:xfrm>
-          <a:prstGeom prst="ellipse">
-            <a:avLst/>
-          </a:prstGeom>
-          <a:solidFill>
-            <a:schemeClr val="bg1">
-              <a:lumMod val="95000"/>
-            </a:schemeClr>
-          </a:solidFill>
-          <a:ln>
-            <a:solidFill>
-              <a:schemeClr val="tx1"/>
-            </a:solidFill>
-          </a:ln>
-        </p:spPr>
-        <p:style>
-          <a:lnRef idx="2">
-            <a:schemeClr val="accent1">
-              <a:shade val="50000"/>
-            </a:schemeClr>
-          </a:lnRef>
-          <a:fillRef idx="1">
-            <a:schemeClr val="accent1"/>
-          </a:fillRef>
-          <a:effectRef idx="0">
-            <a:schemeClr val="accent1"/>
-          </a:effectRef>
-          <a:fontRef idx="minor">
-            <a:schemeClr val="lt1"/>
-          </a:fontRef>
-        </p:style>
-        <p:txBody>
-          <a:bodyPr rtlCol="0" anchor="ctr"/>
-          <a:lstStyle/>
-          <a:p>
-            <a:pPr algn="ctr"/>
-            <a:endParaRPr lang="en-US"/>
-          </a:p>
-        </p:txBody>
-      </p:sp>
-      <p:sp>
-        <p:nvSpPr>
-          <p:cNvPr id="71" name="Oval 70"/>
-          <p:cNvSpPr/>
-          <p:nvPr/>
-        </p:nvSpPr>
-        <p:spPr>
-          <a:xfrm>
-            <a:off x="5647151" y="1556170"/>
-            <a:ext cx="76200" cy="82128"/>
-          </a:xfrm>
-          <a:prstGeom prst="ellipse">
-            <a:avLst/>
-          </a:prstGeom>
-          <a:solidFill>
-            <a:schemeClr val="bg1">
-              <a:lumMod val="95000"/>
-            </a:schemeClr>
-          </a:solidFill>
-          <a:ln>
-            <a:solidFill>
-              <a:schemeClr val="tx1"/>
-            </a:solidFill>
-          </a:ln>
-        </p:spPr>
-        <p:style>
-          <a:lnRef idx="2">
-            <a:schemeClr val="accent1">
-              <a:shade val="50000"/>
-            </a:schemeClr>
-          </a:lnRef>
-          <a:fillRef idx="1">
-            <a:schemeClr val="accent1"/>
-          </a:fillRef>
-          <a:effectRef idx="0">
-            <a:schemeClr val="accent1"/>
-          </a:effectRef>
-          <a:fontRef idx="minor">
-            <a:schemeClr val="lt1"/>
-          </a:fontRef>
-        </p:style>
-        <p:txBody>
-          <a:bodyPr rtlCol="0" anchor="ctr"/>
-          <a:lstStyle/>
-          <a:p>
-            <a:pPr algn="ctr"/>
-            <a:endParaRPr lang="en-US"/>
-          </a:p>
-        </p:txBody>
-      </p:sp>
-      <p:sp>
-        <p:nvSpPr>
-          <p:cNvPr id="72" name="Oval 71"/>
-          <p:cNvSpPr/>
-          <p:nvPr/>
-        </p:nvSpPr>
-        <p:spPr>
-          <a:xfrm>
-            <a:off x="5799551" y="1559134"/>
-            <a:ext cx="76200" cy="82128"/>
-          </a:xfrm>
-          <a:prstGeom prst="ellipse">
-            <a:avLst/>
-          </a:prstGeom>
-          <a:solidFill>
-            <a:schemeClr val="bg1">
-              <a:lumMod val="95000"/>
-            </a:schemeClr>
-          </a:solidFill>
-          <a:ln>
-            <a:solidFill>
-              <a:schemeClr val="tx1"/>
-            </a:solidFill>
-          </a:ln>
-        </p:spPr>
-        <p:style>
-          <a:lnRef idx="2">
-            <a:schemeClr val="accent1">
-              <a:shade val="50000"/>
-            </a:schemeClr>
-          </a:lnRef>
-          <a:fillRef idx="1">
-            <a:schemeClr val="accent1"/>
-          </a:fillRef>
-          <a:effectRef idx="0">
-            <a:schemeClr val="accent1"/>
-          </a:effectRef>
-          <a:fontRef idx="minor">
-            <a:schemeClr val="lt1"/>
-          </a:fontRef>
-        </p:style>
-        <p:txBody>
-          <a:bodyPr rtlCol="0" anchor="ctr"/>
-          <a:lstStyle/>
-          <a:p>
-            <a:pPr algn="ctr"/>
-            <a:endParaRPr lang="en-US"/>
-          </a:p>
-        </p:txBody>
-      </p:sp>
-      <p:sp>
-        <p:nvSpPr>
-          <p:cNvPr id="73" name="Rectangle 72"/>
-          <p:cNvSpPr/>
-          <p:nvPr/>
-        </p:nvSpPr>
-        <p:spPr>
-          <a:xfrm>
-            <a:off x="1524000" y="2860201"/>
-            <a:ext cx="6248400" cy="593513"/>
-          </a:xfrm>
-          <a:prstGeom prst="rect">
-            <a:avLst/>
-          </a:prstGeom>
-          <a:solidFill>
-            <a:schemeClr val="bg1">
-              <a:lumMod val="95000"/>
-            </a:schemeClr>
-          </a:solidFill>
-          <a:ln>
-            <a:solidFill>
-              <a:schemeClr val="tx1"/>
-            </a:solidFill>
-          </a:ln>
-        </p:spPr>
-        <p:style>
-          <a:lnRef idx="2">
-            <a:schemeClr val="accent1">
-              <a:shade val="50000"/>
-            </a:schemeClr>
-          </a:lnRef>
-          <a:fillRef idx="1">
-            <a:schemeClr val="accent1"/>
-          </a:fillRef>
-          <a:effectRef idx="0">
-            <a:schemeClr val="accent1"/>
-          </a:effectRef>
-          <a:fontRef idx="minor">
-            <a:schemeClr val="lt1"/>
-          </a:fontRef>
-        </p:style>
-        <p:txBody>
-          <a:bodyPr rtlCol="0" anchor="ctr"/>
-          <a:lstStyle/>
-          <a:p>
-            <a:pPr algn="ctr"/>
-            <a:r>
-              <a:rPr lang="en-US" dirty="0" smtClean="0">
-                <a:ln w="0"/>
-                <a:solidFill>
-                  <a:schemeClr val="tx1"/>
-                </a:solidFill>
-                <a:effectLst>
-                  <a:outerShdw blurRad="38100" dist="19050" dir="2700000" algn="tl" rotWithShape="0">
-                    <a:schemeClr val="dk1">
-                      <a:alpha val="40000"/>
-                    </a:schemeClr>
-                  </a:outerShdw>
-                </a:effectLst>
-                <a:latin typeface="Times New Roman" panose="02020603050405020304" pitchFamily="18" charset="0"/>
-                <a:cs typeface="Times New Roman" panose="02020603050405020304" pitchFamily="18" charset="0"/>
-              </a:rPr>
-              <a:t>L2</a:t>
-            </a:r>
-            <a:endParaRPr lang="en-US" dirty="0">
-              <a:latin typeface="Times New Roman" panose="02020603050405020304" pitchFamily="18" charset="0"/>
-              <a:cs typeface="Times New Roman" panose="02020603050405020304" pitchFamily="18" charset="0"/>
-            </a:endParaRPr>
-          </a:p>
-        </p:txBody>
-      </p:sp>
-      <p:cxnSp>
-        <p:nvCxnSpPr>
-          <p:cNvPr id="78" name="Elbow Connector 77"/>
-          <p:cNvCxnSpPr>
-            <a:stCxn id="56" idx="2"/>
-            <a:endCxn id="73" idx="0"/>
-          </p:cNvCxnSpPr>
-          <p:nvPr/>
-        </p:nvCxnSpPr>
-        <p:spPr>
-          <a:xfrm rot="16200000" flipH="1">
-            <a:off x="3019286" y="1231286"/>
-            <a:ext cx="503929" cy="2753899"/>
-          </a:xfrm>
-          <a:prstGeom prst="bentConnector3">
-            <a:avLst>
-              <a:gd name="adj1" fmla="val 50000"/>
-            </a:avLst>
-          </a:prstGeom>
-          <a:ln>
-            <a:solidFill>
-              <a:schemeClr val="tx1"/>
-            </a:solidFill>
-            <a:headEnd type="triangle" w="med" len="med"/>
-            <a:tailEnd type="triangle" w="med" len="med"/>
-          </a:ln>
-        </p:spPr>
-        <p:style>
-          <a:lnRef idx="1">
-            <a:schemeClr val="accent1"/>
-          </a:lnRef>
-          <a:fillRef idx="0">
-            <a:schemeClr val="accent1"/>
-          </a:fillRef>
-          <a:effectRef idx="0">
-            <a:schemeClr val="accent1"/>
-          </a:effectRef>
-          <a:fontRef idx="minor">
-            <a:schemeClr val="tx1"/>
-          </a:fontRef>
-        </p:style>
-      </p:cxnSp>
-      <p:cxnSp>
-        <p:nvCxnSpPr>
-          <p:cNvPr id="81" name="Elbow Connector 80"/>
-          <p:cNvCxnSpPr>
-            <a:stCxn id="62" idx="2"/>
-            <a:endCxn id="73" idx="0"/>
-          </p:cNvCxnSpPr>
-          <p:nvPr/>
-        </p:nvCxnSpPr>
-        <p:spPr>
-          <a:xfrm rot="16200000" flipH="1">
-            <a:off x="4047985" y="2259986"/>
-            <a:ext cx="503930" cy="696499"/>
-          </a:xfrm>
-          <a:prstGeom prst="bentConnector3">
-            <a:avLst>
-              <a:gd name="adj1" fmla="val 50000"/>
-            </a:avLst>
-          </a:prstGeom>
-          <a:ln>
-            <a:solidFill>
-              <a:schemeClr val="tx1"/>
-            </a:solidFill>
-            <a:headEnd type="triangle" w="med" len="med"/>
-            <a:tailEnd type="triangle" w="med" len="med"/>
-          </a:ln>
-        </p:spPr>
-        <p:style>
-          <a:lnRef idx="1">
-            <a:schemeClr val="accent1"/>
-          </a:lnRef>
-          <a:fillRef idx="0">
-            <a:schemeClr val="accent1"/>
-          </a:fillRef>
-          <a:effectRef idx="0">
-            <a:schemeClr val="accent1"/>
-          </a:effectRef>
-          <a:fontRef idx="minor">
-            <a:schemeClr val="tx1"/>
-          </a:fontRef>
-        </p:style>
-      </p:cxnSp>
-      <p:cxnSp>
-        <p:nvCxnSpPr>
-          <p:cNvPr id="84" name="Elbow Connector 83"/>
-          <p:cNvCxnSpPr>
-            <a:stCxn id="67" idx="2"/>
-            <a:endCxn id="73" idx="0"/>
-          </p:cNvCxnSpPr>
-          <p:nvPr/>
-        </p:nvCxnSpPr>
-        <p:spPr>
-          <a:xfrm rot="5400000">
-            <a:off x="5229086" y="1775385"/>
-            <a:ext cx="503931" cy="1665701"/>
-          </a:xfrm>
-          <a:prstGeom prst="bentConnector3">
-            <a:avLst>
-              <a:gd name="adj1" fmla="val 50000"/>
-            </a:avLst>
-          </a:prstGeom>
-          <a:ln>
-            <a:solidFill>
-              <a:schemeClr val="tx1"/>
-            </a:solidFill>
-            <a:headEnd type="triangle" w="med" len="med"/>
-            <a:tailEnd type="triangle" w="med" len="med"/>
-          </a:ln>
-        </p:spPr>
-        <p:style>
-          <a:lnRef idx="1">
-            <a:schemeClr val="accent1"/>
-          </a:lnRef>
-          <a:fillRef idx="0">
-            <a:schemeClr val="accent1"/>
-          </a:fillRef>
-          <a:effectRef idx="0">
-            <a:schemeClr val="accent1"/>
-          </a:effectRef>
-          <a:fontRef idx="minor">
-            <a:schemeClr val="tx1"/>
-          </a:fontRef>
-        </p:style>
-      </p:cxnSp>
-      <p:sp>
-        <p:nvSpPr>
-          <p:cNvPr id="111" name="Rectangle 110"/>
-          <p:cNvSpPr/>
-          <p:nvPr/>
-        </p:nvSpPr>
-        <p:spPr>
-          <a:xfrm>
-            <a:off x="1524000" y="3743959"/>
-            <a:ext cx="6248400" cy="593513"/>
-          </a:xfrm>
-          <a:prstGeom prst="rect">
-            <a:avLst/>
-          </a:prstGeom>
-          <a:solidFill>
-            <a:schemeClr val="bg1">
-              <a:lumMod val="95000"/>
-            </a:schemeClr>
-          </a:solidFill>
-          <a:ln>
-            <a:solidFill>
-              <a:schemeClr val="tx1"/>
-            </a:solidFill>
-          </a:ln>
-        </p:spPr>
-        <p:style>
-          <a:lnRef idx="2">
-            <a:schemeClr val="accent1">
-              <a:shade val="50000"/>
-            </a:schemeClr>
-          </a:lnRef>
-          <a:fillRef idx="1">
-            <a:schemeClr val="accent1"/>
-          </a:fillRef>
-          <a:effectRef idx="0">
-            <a:schemeClr val="accent1"/>
-          </a:effectRef>
-          <a:fontRef idx="minor">
-            <a:schemeClr val="lt1"/>
-          </a:fontRef>
-        </p:style>
-        <p:txBody>
-          <a:bodyPr rtlCol="0" anchor="ctr"/>
-          <a:lstStyle/>
-          <a:p>
-            <a:pPr algn="ctr"/>
-            <a:r>
-              <a:rPr lang="en-US" dirty="0" smtClean="0">
-                <a:ln w="0"/>
-                <a:solidFill>
-                  <a:schemeClr val="tx1"/>
-                </a:solidFill>
-                <a:effectLst>
-                  <a:outerShdw blurRad="38100" dist="19050" dir="2700000" algn="tl" rotWithShape="0">
-                    <a:schemeClr val="dk1">
-                      <a:alpha val="40000"/>
-                    </a:schemeClr>
-                  </a:outerShdw>
-                </a:effectLst>
-                <a:latin typeface="Times New Roman" panose="02020603050405020304" pitchFamily="18" charset="0"/>
-                <a:cs typeface="Times New Roman" panose="02020603050405020304" pitchFamily="18" charset="0"/>
-              </a:rPr>
-              <a:t>Global Memory</a:t>
-            </a:r>
-            <a:endParaRPr lang="en-US" dirty="0">
-              <a:latin typeface="Times New Roman" panose="02020603050405020304" pitchFamily="18" charset="0"/>
-              <a:cs typeface="Times New Roman" panose="02020603050405020304" pitchFamily="18" charset="0"/>
-            </a:endParaRPr>
-          </a:p>
-        </p:txBody>
-      </p:sp>
-      <p:cxnSp>
-        <p:nvCxnSpPr>
-          <p:cNvPr id="124" name="Straight Arrow Connector 123"/>
-          <p:cNvCxnSpPr/>
-          <p:nvPr/>
-        </p:nvCxnSpPr>
-        <p:spPr>
-          <a:xfrm>
-            <a:off x="4648200" y="3453714"/>
-            <a:ext cx="0" cy="290245"/>
-          </a:xfrm>
-          <a:prstGeom prst="straightConnector1">
-            <a:avLst/>
-          </a:prstGeom>
-          <a:ln>
-            <a:solidFill>
-              <a:schemeClr val="tx1"/>
-            </a:solidFill>
-            <a:headEnd type="triangle" w="med" len="med"/>
-            <a:tailEnd type="triangle" w="med" len="med"/>
-          </a:ln>
-        </p:spPr>
-        <p:style>
-          <a:lnRef idx="1">
-            <a:schemeClr val="accent1"/>
-          </a:lnRef>
-          <a:fillRef idx="0">
-            <a:schemeClr val="accent1"/>
-          </a:fillRef>
-          <a:effectRef idx="0">
-            <a:schemeClr val="accent1"/>
-          </a:effectRef>
-          <a:fontRef idx="minor">
-            <a:schemeClr val="tx1"/>
-          </a:fontRef>
-        </p:style>
-      </p:cxnSp>
-      <p:sp>
-        <p:nvSpPr>
-          <p:cNvPr id="131" name="Rectangle 130"/>
-          <p:cNvSpPr/>
-          <p:nvPr/>
-        </p:nvSpPr>
-        <p:spPr>
-          <a:xfrm rot="16200000">
-            <a:off x="7173807" y="2214879"/>
-            <a:ext cx="3651672" cy="593513"/>
-          </a:xfrm>
-          <a:prstGeom prst="rect">
-            <a:avLst/>
-          </a:prstGeom>
-          <a:solidFill>
-            <a:schemeClr val="bg1">
-              <a:lumMod val="95000"/>
-            </a:schemeClr>
-          </a:solidFill>
-          <a:ln>
-            <a:solidFill>
-              <a:schemeClr val="tx1"/>
-            </a:solidFill>
-          </a:ln>
-        </p:spPr>
-        <p:style>
-          <a:lnRef idx="2">
-            <a:schemeClr val="accent1">
-              <a:shade val="50000"/>
-            </a:schemeClr>
-          </a:lnRef>
-          <a:fillRef idx="1">
-            <a:schemeClr val="accent1"/>
-          </a:fillRef>
-          <a:effectRef idx="0">
-            <a:schemeClr val="accent1"/>
-          </a:effectRef>
-          <a:fontRef idx="minor">
-            <a:schemeClr val="lt1"/>
-          </a:fontRef>
-        </p:style>
-        <p:txBody>
-          <a:bodyPr rtlCol="0" anchor="ctr"/>
-          <a:lstStyle/>
-          <a:p>
-            <a:pPr algn="ctr"/>
-            <a:r>
-              <a:rPr lang="en-US" dirty="0" smtClean="0">
-                <a:ln w="0"/>
-                <a:solidFill>
-                  <a:schemeClr val="tx1"/>
-                </a:solidFill>
-                <a:effectLst>
-                  <a:outerShdw blurRad="38100" dist="19050" dir="2700000" algn="tl" rotWithShape="0">
-                    <a:schemeClr val="dk1">
-                      <a:alpha val="40000"/>
-                    </a:schemeClr>
-                  </a:outerShdw>
-                </a:effectLst>
-                <a:latin typeface="Times New Roman" panose="02020603050405020304" pitchFamily="18" charset="0"/>
-                <a:cs typeface="Times New Roman" panose="02020603050405020304" pitchFamily="18" charset="0"/>
-              </a:rPr>
-              <a:t>Host Memory</a:t>
-            </a:r>
-            <a:endParaRPr lang="en-US" dirty="0">
-              <a:latin typeface="Times New Roman" panose="02020603050405020304" pitchFamily="18" charset="0"/>
-              <a:cs typeface="Times New Roman" panose="02020603050405020304" pitchFamily="18" charset="0"/>
-            </a:endParaRPr>
-          </a:p>
-        </p:txBody>
-      </p:sp>
-      <p:sp>
-        <p:nvSpPr>
-          <p:cNvPr id="134" name="Rectangle 133"/>
-          <p:cNvSpPr/>
-          <p:nvPr/>
-        </p:nvSpPr>
-        <p:spPr>
-          <a:xfrm rot="16200000">
-            <a:off x="6406516" y="2361989"/>
-            <a:ext cx="3651672" cy="299294"/>
-          </a:xfrm>
-          <a:prstGeom prst="rect">
-            <a:avLst/>
-          </a:prstGeom>
-          <a:solidFill>
-            <a:schemeClr val="bg1">
-              <a:lumMod val="95000"/>
-            </a:schemeClr>
-          </a:solidFill>
-          <a:ln>
-            <a:solidFill>
-              <a:schemeClr val="tx1"/>
-            </a:solidFill>
-            <a:prstDash val="dash"/>
-          </a:ln>
-        </p:spPr>
-        <p:style>
-          <a:lnRef idx="2">
-            <a:schemeClr val="accent1">
-              <a:shade val="50000"/>
-            </a:schemeClr>
-          </a:lnRef>
-          <a:fillRef idx="1">
-            <a:schemeClr val="accent1"/>
-          </a:fillRef>
-          <a:effectRef idx="0">
-            <a:schemeClr val="accent1"/>
-          </a:effectRef>
-          <a:fontRef idx="minor">
-            <a:schemeClr val="lt1"/>
-          </a:fontRef>
-        </p:style>
-        <p:txBody>
-          <a:bodyPr rtlCol="0" anchor="ctr"/>
-          <a:lstStyle/>
-          <a:p>
-            <a:pPr algn="ctr"/>
-            <a:r>
-              <a:rPr lang="en-US" dirty="0" smtClean="0">
-                <a:ln w="0"/>
-                <a:solidFill>
-                  <a:schemeClr val="tx1"/>
-                </a:solidFill>
-                <a:effectLst>
-                  <a:outerShdw blurRad="38100" dist="19050" dir="2700000" algn="tl" rotWithShape="0">
-                    <a:schemeClr val="dk1">
-                      <a:alpha val="40000"/>
-                    </a:schemeClr>
-                  </a:outerShdw>
-                </a:effectLst>
-                <a:latin typeface="Times New Roman" panose="02020603050405020304" pitchFamily="18" charset="0"/>
-                <a:cs typeface="Times New Roman" panose="02020603050405020304" pitchFamily="18" charset="0"/>
-              </a:rPr>
-              <a:t>PCI Express</a:t>
-            </a:r>
-            <a:endParaRPr lang="en-US" dirty="0">
-              <a:latin typeface="Times New Roman" panose="02020603050405020304" pitchFamily="18" charset="0"/>
-              <a:cs typeface="Times New Roman" panose="02020603050405020304" pitchFamily="18" charset="0"/>
-            </a:endParaRPr>
-          </a:p>
-        </p:txBody>
-      </p:sp>
-      <p:cxnSp>
-        <p:nvCxnSpPr>
-          <p:cNvPr id="135" name="Straight Arrow Connector 134"/>
-          <p:cNvCxnSpPr>
-            <a:stCxn id="131" idx="0"/>
-            <a:endCxn id="134" idx="2"/>
-          </p:cNvCxnSpPr>
-          <p:nvPr/>
-        </p:nvCxnSpPr>
-        <p:spPr>
-          <a:xfrm flipH="1">
-            <a:off x="8381999" y="2511636"/>
-            <a:ext cx="320888" cy="0"/>
-          </a:xfrm>
-          <a:prstGeom prst="straightConnector1">
-            <a:avLst/>
-          </a:prstGeom>
-          <a:ln>
-            <a:solidFill>
-              <a:schemeClr val="tx1"/>
-            </a:solidFill>
-            <a:headEnd type="triangle" w="med" len="med"/>
-            <a:tailEnd type="triangle" w="med" len="med"/>
-          </a:ln>
-        </p:spPr>
-        <p:style>
-          <a:lnRef idx="1">
-            <a:schemeClr val="accent1"/>
-          </a:lnRef>
-          <a:fillRef idx="0">
-            <a:schemeClr val="accent1"/>
-          </a:fillRef>
-          <a:effectRef idx="0">
-            <a:schemeClr val="accent1"/>
-          </a:effectRef>
-          <a:fontRef idx="minor">
-            <a:schemeClr val="tx1"/>
-          </a:fontRef>
-        </p:style>
-      </p:cxnSp>
-      <p:cxnSp>
-        <p:nvCxnSpPr>
-          <p:cNvPr id="171" name="Straight Arrow Connector 170"/>
-          <p:cNvCxnSpPr/>
-          <p:nvPr/>
-        </p:nvCxnSpPr>
-        <p:spPr>
-          <a:xfrm flipH="1">
-            <a:off x="7761817" y="3156957"/>
-            <a:ext cx="320888" cy="0"/>
-          </a:xfrm>
-          <a:prstGeom prst="straightConnector1">
-            <a:avLst/>
-          </a:prstGeom>
-          <a:ln>
-            <a:solidFill>
-              <a:schemeClr val="tx1"/>
-            </a:solidFill>
-            <a:headEnd type="triangle" w="med" len="med"/>
-            <a:tailEnd type="triangle" w="med" len="med"/>
-          </a:ln>
-        </p:spPr>
-        <p:style>
-          <a:lnRef idx="1">
-            <a:schemeClr val="accent1"/>
-          </a:lnRef>
-          <a:fillRef idx="0">
-            <a:schemeClr val="accent1"/>
-          </a:fillRef>
-          <a:effectRef idx="0">
-            <a:schemeClr val="accent1"/>
-          </a:effectRef>
-          <a:fontRef idx="minor">
-            <a:schemeClr val="tx1"/>
-          </a:fontRef>
-        </p:style>
-      </p:cxnSp>
+              </a:endParaRPr>
+            </a:p>
+          </p:txBody>
+        </p:sp>
+      </p:grpSp>
     </p:spTree>
     <p:extLst>
       <p:ext uri="{BB962C8B-B14F-4D97-AF65-F5344CB8AC3E}">

--- a/figures/gpu_intro/GPU_intro_Pix.pptx
+++ b/figures/gpu_intro/GPU_intro_Pix.pptx
@@ -255,7 +255,7 @@
           <a:p>
             <a:fld id="{8749049F-65FB-400B-99EA-5CA2D1D00F38}" type="datetimeFigureOut">
               <a:rPr lang="en-US" smtClean="0"/>
-              <a:t>3/3/2017</a:t>
+              <a:t>3/6/2017</a:t>
             </a:fld>
             <a:endParaRPr lang="en-US"/>
           </a:p>
@@ -425,7 +425,7 @@
           <a:p>
             <a:fld id="{8749049F-65FB-400B-99EA-5CA2D1D00F38}" type="datetimeFigureOut">
               <a:rPr lang="en-US" smtClean="0"/>
-              <a:t>3/3/2017</a:t>
+              <a:t>3/6/2017</a:t>
             </a:fld>
             <a:endParaRPr lang="en-US"/>
           </a:p>
@@ -605,7 +605,7 @@
           <a:p>
             <a:fld id="{8749049F-65FB-400B-99EA-5CA2D1D00F38}" type="datetimeFigureOut">
               <a:rPr lang="en-US" smtClean="0"/>
-              <a:t>3/3/2017</a:t>
+              <a:t>3/6/2017</a:t>
             </a:fld>
             <a:endParaRPr lang="en-US"/>
           </a:p>
@@ -775,7 +775,7 @@
           <a:p>
             <a:fld id="{8749049F-65FB-400B-99EA-5CA2D1D00F38}" type="datetimeFigureOut">
               <a:rPr lang="en-US" smtClean="0"/>
-              <a:t>3/3/2017</a:t>
+              <a:t>3/6/2017</a:t>
             </a:fld>
             <a:endParaRPr lang="en-US"/>
           </a:p>
@@ -1021,7 +1021,7 @@
           <a:p>
             <a:fld id="{8749049F-65FB-400B-99EA-5CA2D1D00F38}" type="datetimeFigureOut">
               <a:rPr lang="en-US" smtClean="0"/>
-              <a:t>3/3/2017</a:t>
+              <a:t>3/6/2017</a:t>
             </a:fld>
             <a:endParaRPr lang="en-US"/>
           </a:p>
@@ -1253,7 +1253,7 @@
           <a:p>
             <a:fld id="{8749049F-65FB-400B-99EA-5CA2D1D00F38}" type="datetimeFigureOut">
               <a:rPr lang="en-US" smtClean="0"/>
-              <a:t>3/3/2017</a:t>
+              <a:t>3/6/2017</a:t>
             </a:fld>
             <a:endParaRPr lang="en-US"/>
           </a:p>
@@ -1620,7 +1620,7 @@
           <a:p>
             <a:fld id="{8749049F-65FB-400B-99EA-5CA2D1D00F38}" type="datetimeFigureOut">
               <a:rPr lang="en-US" smtClean="0"/>
-              <a:t>3/3/2017</a:t>
+              <a:t>3/6/2017</a:t>
             </a:fld>
             <a:endParaRPr lang="en-US"/>
           </a:p>
@@ -1738,7 +1738,7 @@
           <a:p>
             <a:fld id="{8749049F-65FB-400B-99EA-5CA2D1D00F38}" type="datetimeFigureOut">
               <a:rPr lang="en-US" smtClean="0"/>
-              <a:t>3/3/2017</a:t>
+              <a:t>3/6/2017</a:t>
             </a:fld>
             <a:endParaRPr lang="en-US"/>
           </a:p>
@@ -1833,7 +1833,7 @@
           <a:p>
             <a:fld id="{8749049F-65FB-400B-99EA-5CA2D1D00F38}" type="datetimeFigureOut">
               <a:rPr lang="en-US" smtClean="0"/>
-              <a:t>3/3/2017</a:t>
+              <a:t>3/6/2017</a:t>
             </a:fld>
             <a:endParaRPr lang="en-US"/>
           </a:p>
@@ -2110,7 +2110,7 @@
           <a:p>
             <a:fld id="{8749049F-65FB-400B-99EA-5CA2D1D00F38}" type="datetimeFigureOut">
               <a:rPr lang="en-US" smtClean="0"/>
-              <a:t>3/3/2017</a:t>
+              <a:t>3/6/2017</a:t>
             </a:fld>
             <a:endParaRPr lang="en-US"/>
           </a:p>
@@ -2363,7 +2363,7 @@
           <a:p>
             <a:fld id="{8749049F-65FB-400B-99EA-5CA2D1D00F38}" type="datetimeFigureOut">
               <a:rPr lang="en-US" smtClean="0"/>
-              <a:t>3/3/2017</a:t>
+              <a:t>3/6/2017</a:t>
             </a:fld>
             <a:endParaRPr lang="en-US"/>
           </a:p>
@@ -2576,7 +2576,7 @@
           <a:p>
             <a:fld id="{8749049F-65FB-400B-99EA-5CA2D1D00F38}" type="datetimeFigureOut">
               <a:rPr lang="en-US" smtClean="0"/>
-              <a:t>3/3/2017</a:t>
+              <a:t>3/6/2017</a:t>
             </a:fld>
             <a:endParaRPr lang="en-US"/>
           </a:p>

--- a/figures/gpu_intro/GPU_intro_Pix.pptx
+++ b/figures/gpu_intro/GPU_intro_Pix.pptx
@@ -260,7 +260,7 @@
           <a:p>
             <a:fld id="{8749049F-65FB-400B-99EA-5CA2D1D00F38}" type="datetimeFigureOut">
               <a:rPr lang="en-US" smtClean="0"/>
-              <a:t>3/11/2017</a:t>
+              <a:t>3/13/2017</a:t>
             </a:fld>
             <a:endParaRPr lang="en-US"/>
           </a:p>
@@ -430,7 +430,7 @@
           <a:p>
             <a:fld id="{8749049F-65FB-400B-99EA-5CA2D1D00F38}" type="datetimeFigureOut">
               <a:rPr lang="en-US" smtClean="0"/>
-              <a:t>3/11/2017</a:t>
+              <a:t>3/13/2017</a:t>
             </a:fld>
             <a:endParaRPr lang="en-US"/>
           </a:p>
@@ -610,7 +610,7 @@
           <a:p>
             <a:fld id="{8749049F-65FB-400B-99EA-5CA2D1D00F38}" type="datetimeFigureOut">
               <a:rPr lang="en-US" smtClean="0"/>
-              <a:t>3/11/2017</a:t>
+              <a:t>3/13/2017</a:t>
             </a:fld>
             <a:endParaRPr lang="en-US"/>
           </a:p>
@@ -780,7 +780,7 @@
           <a:p>
             <a:fld id="{8749049F-65FB-400B-99EA-5CA2D1D00F38}" type="datetimeFigureOut">
               <a:rPr lang="en-US" smtClean="0"/>
-              <a:t>3/11/2017</a:t>
+              <a:t>3/13/2017</a:t>
             </a:fld>
             <a:endParaRPr lang="en-US"/>
           </a:p>
@@ -1026,7 +1026,7 @@
           <a:p>
             <a:fld id="{8749049F-65FB-400B-99EA-5CA2D1D00F38}" type="datetimeFigureOut">
               <a:rPr lang="en-US" smtClean="0"/>
-              <a:t>3/11/2017</a:t>
+              <a:t>3/13/2017</a:t>
             </a:fld>
             <a:endParaRPr lang="en-US"/>
           </a:p>
@@ -1258,7 +1258,7 @@
           <a:p>
             <a:fld id="{8749049F-65FB-400B-99EA-5CA2D1D00F38}" type="datetimeFigureOut">
               <a:rPr lang="en-US" smtClean="0"/>
-              <a:t>3/11/2017</a:t>
+              <a:t>3/13/2017</a:t>
             </a:fld>
             <a:endParaRPr lang="en-US"/>
           </a:p>
@@ -1625,7 +1625,7 @@
           <a:p>
             <a:fld id="{8749049F-65FB-400B-99EA-5CA2D1D00F38}" type="datetimeFigureOut">
               <a:rPr lang="en-US" smtClean="0"/>
-              <a:t>3/11/2017</a:t>
+              <a:t>3/13/2017</a:t>
             </a:fld>
             <a:endParaRPr lang="en-US"/>
           </a:p>
@@ -1743,7 +1743,7 @@
           <a:p>
             <a:fld id="{8749049F-65FB-400B-99EA-5CA2D1D00F38}" type="datetimeFigureOut">
               <a:rPr lang="en-US" smtClean="0"/>
-              <a:t>3/11/2017</a:t>
+              <a:t>3/13/2017</a:t>
             </a:fld>
             <a:endParaRPr lang="en-US"/>
           </a:p>
@@ -1838,7 +1838,7 @@
           <a:p>
             <a:fld id="{8749049F-65FB-400B-99EA-5CA2D1D00F38}" type="datetimeFigureOut">
               <a:rPr lang="en-US" smtClean="0"/>
-              <a:t>3/11/2017</a:t>
+              <a:t>3/13/2017</a:t>
             </a:fld>
             <a:endParaRPr lang="en-US"/>
           </a:p>
@@ -2115,7 +2115,7 @@
           <a:p>
             <a:fld id="{8749049F-65FB-400B-99EA-5CA2D1D00F38}" type="datetimeFigureOut">
               <a:rPr lang="en-US" smtClean="0"/>
-              <a:t>3/11/2017</a:t>
+              <a:t>3/13/2017</a:t>
             </a:fld>
             <a:endParaRPr lang="en-US"/>
           </a:p>
@@ -2368,7 +2368,7 @@
           <a:p>
             <a:fld id="{8749049F-65FB-400B-99EA-5CA2D1D00F38}" type="datetimeFigureOut">
               <a:rPr lang="en-US" smtClean="0"/>
-              <a:t>3/11/2017</a:t>
+              <a:t>3/13/2017</a:t>
             </a:fld>
             <a:endParaRPr lang="en-US"/>
           </a:p>
@@ -2581,7 +2581,7 @@
           <a:p>
             <a:fld id="{8749049F-65FB-400B-99EA-5CA2D1D00F38}" type="datetimeFigureOut">
               <a:rPr lang="en-US" smtClean="0"/>
-              <a:t>3/11/2017</a:t>
+              <a:t>3/13/2017</a:t>
             </a:fld>
             <a:endParaRPr lang="en-US"/>
           </a:p>
@@ -27447,6 +27447,13 @@
   <p:clrMapOvr>
     <a:masterClrMapping/>
   </p:clrMapOvr>
+  <p:timing>
+    <p:tnLst>
+      <p:par>
+        <p:cTn id="1" dur="indefinite" restart="never" nodeType="tmRoot"/>
+      </p:par>
+    </p:tnLst>
+  </p:timing>
 </p:sld>
 </file>
 
@@ -35454,25 +35461,7 @@
                     <a:latin typeface="Times New Roman" panose="02020603050405020304" pitchFamily="18" charset="0"/>
                     <a:cs typeface="Times New Roman" panose="02020603050405020304" pitchFamily="18" charset="0"/>
                   </a:rPr>
-                  <a:t>Thread </a:t>
-                </a:r>
-                <a:r>
-                  <a:rPr lang="en-US" dirty="0" smtClean="0">
-                    <a:ln w="0"/>
-                    <a:solidFill>
-                      <a:schemeClr val="tx1"/>
-                    </a:solidFill>
-                    <a:effectLst>
-                      <a:outerShdw blurRad="38100" dist="19050" dir="2700000" algn="tl" rotWithShape="0">
-                        <a:schemeClr val="dk1">
-                          <a:alpha val="40000"/>
-                        </a:schemeClr>
-                      </a:outerShdw>
-                    </a:effectLst>
-                    <a:latin typeface="Times New Roman" panose="02020603050405020304" pitchFamily="18" charset="0"/>
-                    <a:cs typeface="Times New Roman" panose="02020603050405020304" pitchFamily="18" charset="0"/>
-                  </a:rPr>
-                  <a:t>0</a:t>
+                  <a:t>Thread 0</a:t>
                 </a:r>
               </a:p>
             </p:txBody>

--- a/figures/gpu_intro/GPU_intro_Pix.pptx
+++ b/figures/gpu_intro/GPU_intro_Pix.pptx
@@ -10,8 +10,9 @@
     <p:sldId id="258" r:id="rId4"/>
     <p:sldId id="259" r:id="rId5"/>
     <p:sldId id="260" r:id="rId6"/>
-    <p:sldId id="261" r:id="rId7"/>
-    <p:sldId id="262" r:id="rId8"/>
+    <p:sldId id="263" r:id="rId7"/>
+    <p:sldId id="261" r:id="rId8"/>
+    <p:sldId id="262" r:id="rId9"/>
   </p:sldIdLst>
   <p:sldSz cx="12192000" cy="6858000"/>
   <p:notesSz cx="6881813" cy="9296400"/>
@@ -260,7 +261,7 @@
           <a:p>
             <a:fld id="{8749049F-65FB-400B-99EA-5CA2D1D00F38}" type="datetimeFigureOut">
               <a:rPr lang="en-US" smtClean="0"/>
-              <a:t>3/13/2017</a:t>
+              <a:t>3/18/2017</a:t>
             </a:fld>
             <a:endParaRPr lang="en-US"/>
           </a:p>
@@ -430,7 +431,7 @@
           <a:p>
             <a:fld id="{8749049F-65FB-400B-99EA-5CA2D1D00F38}" type="datetimeFigureOut">
               <a:rPr lang="en-US" smtClean="0"/>
-              <a:t>3/13/2017</a:t>
+              <a:t>3/18/2017</a:t>
             </a:fld>
             <a:endParaRPr lang="en-US"/>
           </a:p>
@@ -610,7 +611,7 @@
           <a:p>
             <a:fld id="{8749049F-65FB-400B-99EA-5CA2D1D00F38}" type="datetimeFigureOut">
               <a:rPr lang="en-US" smtClean="0"/>
-              <a:t>3/13/2017</a:t>
+              <a:t>3/18/2017</a:t>
             </a:fld>
             <a:endParaRPr lang="en-US"/>
           </a:p>
@@ -780,7 +781,7 @@
           <a:p>
             <a:fld id="{8749049F-65FB-400B-99EA-5CA2D1D00F38}" type="datetimeFigureOut">
               <a:rPr lang="en-US" smtClean="0"/>
-              <a:t>3/13/2017</a:t>
+              <a:t>3/18/2017</a:t>
             </a:fld>
             <a:endParaRPr lang="en-US"/>
           </a:p>
@@ -1026,7 +1027,7 @@
           <a:p>
             <a:fld id="{8749049F-65FB-400B-99EA-5CA2D1D00F38}" type="datetimeFigureOut">
               <a:rPr lang="en-US" smtClean="0"/>
-              <a:t>3/13/2017</a:t>
+              <a:t>3/18/2017</a:t>
             </a:fld>
             <a:endParaRPr lang="en-US"/>
           </a:p>
@@ -1258,7 +1259,7 @@
           <a:p>
             <a:fld id="{8749049F-65FB-400B-99EA-5CA2D1D00F38}" type="datetimeFigureOut">
               <a:rPr lang="en-US" smtClean="0"/>
-              <a:t>3/13/2017</a:t>
+              <a:t>3/18/2017</a:t>
             </a:fld>
             <a:endParaRPr lang="en-US"/>
           </a:p>
@@ -1625,7 +1626,7 @@
           <a:p>
             <a:fld id="{8749049F-65FB-400B-99EA-5CA2D1D00F38}" type="datetimeFigureOut">
               <a:rPr lang="en-US" smtClean="0"/>
-              <a:t>3/13/2017</a:t>
+              <a:t>3/18/2017</a:t>
             </a:fld>
             <a:endParaRPr lang="en-US"/>
           </a:p>
@@ -1743,7 +1744,7 @@
           <a:p>
             <a:fld id="{8749049F-65FB-400B-99EA-5CA2D1D00F38}" type="datetimeFigureOut">
               <a:rPr lang="en-US" smtClean="0"/>
-              <a:t>3/13/2017</a:t>
+              <a:t>3/18/2017</a:t>
             </a:fld>
             <a:endParaRPr lang="en-US"/>
           </a:p>
@@ -1838,7 +1839,7 @@
           <a:p>
             <a:fld id="{8749049F-65FB-400B-99EA-5CA2D1D00F38}" type="datetimeFigureOut">
               <a:rPr lang="en-US" smtClean="0"/>
-              <a:t>3/13/2017</a:t>
+              <a:t>3/18/2017</a:t>
             </a:fld>
             <a:endParaRPr lang="en-US"/>
           </a:p>
@@ -2115,7 +2116,7 @@
           <a:p>
             <a:fld id="{8749049F-65FB-400B-99EA-5CA2D1D00F38}" type="datetimeFigureOut">
               <a:rPr lang="en-US" smtClean="0"/>
-              <a:t>3/13/2017</a:t>
+              <a:t>3/18/2017</a:t>
             </a:fld>
             <a:endParaRPr lang="en-US"/>
           </a:p>
@@ -2368,7 +2369,7 @@
           <a:p>
             <a:fld id="{8749049F-65FB-400B-99EA-5CA2D1D00F38}" type="datetimeFigureOut">
               <a:rPr lang="en-US" smtClean="0"/>
-              <a:t>3/13/2017</a:t>
+              <a:t>3/18/2017</a:t>
             </a:fld>
             <a:endParaRPr lang="en-US"/>
           </a:p>
@@ -2581,7 +2582,7 @@
           <a:p>
             <a:fld id="{8749049F-65FB-400B-99EA-5CA2D1D00F38}" type="datetimeFigureOut">
               <a:rPr lang="en-US" smtClean="0"/>
-              <a:t>3/13/2017</a:t>
+              <a:t>3/18/2017</a:t>
             </a:fld>
             <a:endParaRPr lang="en-US"/>
           </a:p>
@@ -35734,6 +35735,1135 @@
       </p:grpSpPr>
       <p:grpSp>
         <p:nvGrpSpPr>
+          <p:cNvPr id="63" name="Group 62"/>
+          <p:cNvGrpSpPr/>
+          <p:nvPr/>
+        </p:nvGrpSpPr>
+        <p:grpSpPr>
+          <a:xfrm>
+            <a:off x="3488575" y="952500"/>
+            <a:ext cx="4577862" cy="3086100"/>
+            <a:chOff x="3488575" y="952500"/>
+            <a:chExt cx="4577862" cy="3086100"/>
+          </a:xfrm>
+        </p:grpSpPr>
+        <p:grpSp>
+          <p:nvGrpSpPr>
+            <p:cNvPr id="62" name="Group 61"/>
+            <p:cNvGrpSpPr/>
+            <p:nvPr/>
+          </p:nvGrpSpPr>
+          <p:grpSpPr>
+            <a:xfrm>
+              <a:off x="3505200" y="952500"/>
+              <a:ext cx="4561237" cy="1457775"/>
+              <a:chOff x="3505200" y="752025"/>
+              <a:chExt cx="4561237" cy="1457775"/>
+            </a:xfrm>
+          </p:grpSpPr>
+          <p:sp>
+            <p:nvSpPr>
+              <p:cNvPr id="6" name="Rectangle 5"/>
+              <p:cNvSpPr/>
+              <p:nvPr/>
+            </p:nvSpPr>
+            <p:spPr>
+              <a:xfrm>
+                <a:off x="4398590" y="752025"/>
+                <a:ext cx="1143000" cy="1143000"/>
+              </a:xfrm>
+              <a:prstGeom prst="rect">
+                <a:avLst/>
+              </a:prstGeom>
+              <a:solidFill>
+                <a:schemeClr val="bg1">
+                  <a:lumMod val="95000"/>
+                </a:schemeClr>
+              </a:solidFill>
+              <a:ln w="12700">
+                <a:solidFill>
+                  <a:schemeClr val="tx1"/>
+                </a:solidFill>
+              </a:ln>
+            </p:spPr>
+            <p:style>
+              <a:lnRef idx="2">
+                <a:schemeClr val="accent1">
+                  <a:shade val="50000"/>
+                </a:schemeClr>
+              </a:lnRef>
+              <a:fillRef idx="1">
+                <a:schemeClr val="accent1"/>
+              </a:fillRef>
+              <a:effectRef idx="0">
+                <a:schemeClr val="accent1"/>
+              </a:effectRef>
+              <a:fontRef idx="minor">
+                <a:schemeClr val="lt1"/>
+              </a:fontRef>
+            </p:style>
+            <p:txBody>
+              <a:bodyPr rtlCol="0" anchor="ctr"/>
+              <a:lstStyle/>
+              <a:p>
+                <a:pPr algn="ctr"/>
+                <a:r>
+                  <a:rPr lang="en-US" dirty="0" smtClean="0">
+                    <a:ln w="0"/>
+                    <a:solidFill>
+                      <a:schemeClr val="tx1"/>
+                    </a:solidFill>
+                    <a:effectLst>
+                      <a:outerShdw blurRad="38100" dist="19050" dir="2700000" algn="tl" rotWithShape="0">
+                        <a:schemeClr val="dk1">
+                          <a:alpha val="40000"/>
+                        </a:schemeClr>
+                      </a:outerShdw>
+                    </a:effectLst>
+                    <a:latin typeface="Times New Roman" panose="02020603050405020304" pitchFamily="18" charset="0"/>
+                    <a:cs typeface="Times New Roman" panose="02020603050405020304" pitchFamily="18" charset="0"/>
+                  </a:rPr>
+                  <a:t>12672+</a:t>
+                </a:r>
+              </a:p>
+              <a:p>
+                <a:pPr algn="ctr"/>
+                <a:r>
+                  <a:rPr lang="en-US" dirty="0" smtClean="0">
+                    <a:ln w="0"/>
+                    <a:solidFill>
+                      <a:schemeClr val="tx1"/>
+                    </a:solidFill>
+                    <a:effectLst>
+                      <a:outerShdw blurRad="38100" dist="19050" dir="2700000" algn="tl" rotWithShape="0">
+                        <a:schemeClr val="dk1">
+                          <a:alpha val="40000"/>
+                        </a:schemeClr>
+                      </a:outerShdw>
+                    </a:effectLst>
+                    <a:latin typeface="Times New Roman" panose="02020603050405020304" pitchFamily="18" charset="0"/>
+                    <a:cs typeface="Times New Roman" panose="02020603050405020304" pitchFamily="18" charset="0"/>
+                  </a:rPr>
+                  <a:t>186-1</a:t>
+                </a:r>
+                <a:endParaRPr lang="en-US" dirty="0" smtClean="0">
+                  <a:ln w="0"/>
+                  <a:solidFill>
+                    <a:schemeClr val="tx1"/>
+                  </a:solidFill>
+                  <a:effectLst>
+                    <a:outerShdw blurRad="38100" dist="19050" dir="2700000" algn="tl" rotWithShape="0">
+                      <a:schemeClr val="dk1">
+                        <a:alpha val="40000"/>
+                      </a:schemeClr>
+                    </a:outerShdw>
+                  </a:effectLst>
+                  <a:latin typeface="Times New Roman" panose="02020603050405020304" pitchFamily="18" charset="0"/>
+                  <a:cs typeface="Times New Roman" panose="02020603050405020304" pitchFamily="18" charset="0"/>
+                </a:endParaRPr>
+              </a:p>
+              <a:p>
+                <a:pPr algn="ctr"/>
+                <a:r>
+                  <a:rPr lang="en-US" dirty="0" err="1" smtClean="0">
+                    <a:ln w="0"/>
+                    <a:solidFill>
+                      <a:schemeClr val="tx1"/>
+                    </a:solidFill>
+                    <a:effectLst>
+                      <a:outerShdw blurRad="38100" dist="19050" dir="2700000" algn="tl" rotWithShape="0">
+                        <a:schemeClr val="dk1">
+                          <a:alpha val="40000"/>
+                        </a:schemeClr>
+                      </a:outerShdw>
+                    </a:effectLst>
+                    <a:latin typeface="Times New Roman" panose="02020603050405020304" pitchFamily="18" charset="0"/>
+                    <a:cs typeface="Times New Roman" panose="02020603050405020304" pitchFamily="18" charset="0"/>
+                  </a:rPr>
+                  <a:t>Conv</a:t>
+                </a:r>
+                <a:endParaRPr lang="en-US" dirty="0">
+                  <a:latin typeface="Times New Roman" panose="02020603050405020304" pitchFamily="18" charset="0"/>
+                  <a:cs typeface="Times New Roman" panose="02020603050405020304" pitchFamily="18" charset="0"/>
+                </a:endParaRPr>
+              </a:p>
+            </p:txBody>
+          </p:sp>
+          <p:sp>
+            <p:nvSpPr>
+              <p:cNvPr id="8" name="Rectangle 7"/>
+              <p:cNvSpPr/>
+              <p:nvPr/>
+            </p:nvSpPr>
+            <p:spPr>
+              <a:xfrm>
+                <a:off x="6248400" y="752025"/>
+                <a:ext cx="1143000" cy="1143000"/>
+              </a:xfrm>
+              <a:prstGeom prst="rect">
+                <a:avLst/>
+              </a:prstGeom>
+              <a:solidFill>
+                <a:schemeClr val="bg1">
+                  <a:lumMod val="95000"/>
+                </a:schemeClr>
+              </a:solidFill>
+              <a:ln w="12700">
+                <a:solidFill>
+                  <a:schemeClr val="tx1"/>
+                </a:solidFill>
+              </a:ln>
+            </p:spPr>
+            <p:style>
+              <a:lnRef idx="2">
+                <a:schemeClr val="accent1">
+                  <a:shade val="50000"/>
+                </a:schemeClr>
+              </a:lnRef>
+              <a:fillRef idx="1">
+                <a:schemeClr val="accent1"/>
+              </a:fillRef>
+              <a:effectRef idx="0">
+                <a:schemeClr val="accent1"/>
+              </a:effectRef>
+              <a:fontRef idx="minor">
+                <a:schemeClr val="lt1"/>
+              </a:fontRef>
+            </p:style>
+            <p:txBody>
+              <a:bodyPr rtlCol="0" anchor="ctr"/>
+              <a:lstStyle/>
+              <a:p>
+                <a:pPr algn="ctr"/>
+                <a:r>
+                  <a:rPr lang="en-US" dirty="0" smtClean="0">
+                    <a:ln w="0"/>
+                    <a:solidFill>
+                      <a:schemeClr val="tx1"/>
+                    </a:solidFill>
+                    <a:effectLst>
+                      <a:outerShdw blurRad="38100" dist="19050" dir="2700000" algn="tl" rotWithShape="0">
+                        <a:schemeClr val="dk1">
+                          <a:alpha val="40000"/>
+                        </a:schemeClr>
+                      </a:outerShdw>
+                    </a:effectLst>
+                    <a:latin typeface="Times New Roman" panose="02020603050405020304" pitchFamily="18" charset="0"/>
+                    <a:cs typeface="Times New Roman" panose="02020603050405020304" pitchFamily="18" charset="0"/>
+                  </a:rPr>
+                  <a:t>12672+</a:t>
+                </a:r>
+              </a:p>
+              <a:p>
+                <a:pPr algn="ctr"/>
+                <a:r>
+                  <a:rPr lang="en-US" dirty="0" smtClean="0">
+                    <a:ln w="0"/>
+                    <a:solidFill>
+                      <a:schemeClr val="tx1"/>
+                    </a:solidFill>
+                    <a:effectLst>
+                      <a:outerShdw blurRad="38100" dist="19050" dir="2700000" algn="tl" rotWithShape="0">
+                        <a:schemeClr val="dk1">
+                          <a:alpha val="40000"/>
+                        </a:schemeClr>
+                      </a:outerShdw>
+                    </a:effectLst>
+                    <a:latin typeface="Times New Roman" panose="02020603050405020304" pitchFamily="18" charset="0"/>
+                    <a:cs typeface="Times New Roman" panose="02020603050405020304" pitchFamily="18" charset="0"/>
+                  </a:rPr>
+                  <a:t>186+21-2</a:t>
+                </a:r>
+                <a:endParaRPr lang="en-US" dirty="0" smtClean="0">
+                  <a:ln w="0"/>
+                  <a:solidFill>
+                    <a:schemeClr val="tx1"/>
+                  </a:solidFill>
+                  <a:effectLst>
+                    <a:outerShdw blurRad="38100" dist="19050" dir="2700000" algn="tl" rotWithShape="0">
+                      <a:schemeClr val="dk1">
+                        <a:alpha val="40000"/>
+                      </a:schemeClr>
+                    </a:outerShdw>
+                  </a:effectLst>
+                  <a:latin typeface="Times New Roman" panose="02020603050405020304" pitchFamily="18" charset="0"/>
+                  <a:cs typeface="Times New Roman" panose="02020603050405020304" pitchFamily="18" charset="0"/>
+                </a:endParaRPr>
+              </a:p>
+              <a:p>
+                <a:pPr algn="ctr"/>
+                <a:r>
+                  <a:rPr lang="en-US" dirty="0" err="1" smtClean="0">
+                    <a:ln w="0"/>
+                    <a:solidFill>
+                      <a:schemeClr val="tx1"/>
+                    </a:solidFill>
+                    <a:effectLst>
+                      <a:outerShdw blurRad="38100" dist="19050" dir="2700000" algn="tl" rotWithShape="0">
+                        <a:schemeClr val="dk1">
+                          <a:alpha val="40000"/>
+                        </a:schemeClr>
+                      </a:outerShdw>
+                    </a:effectLst>
+                    <a:latin typeface="Times New Roman" panose="02020603050405020304" pitchFamily="18" charset="0"/>
+                    <a:cs typeface="Times New Roman" panose="02020603050405020304" pitchFamily="18" charset="0"/>
+                  </a:rPr>
+                  <a:t>Conv</a:t>
+                </a:r>
+                <a:endParaRPr lang="en-US" dirty="0">
+                  <a:latin typeface="Times New Roman" panose="02020603050405020304" pitchFamily="18" charset="0"/>
+                  <a:cs typeface="Times New Roman" panose="02020603050405020304" pitchFamily="18" charset="0"/>
+                </a:endParaRPr>
+              </a:p>
+            </p:txBody>
+          </p:sp>
+          <p:cxnSp>
+            <p:nvCxnSpPr>
+              <p:cNvPr id="10" name="Straight Arrow Connector 9"/>
+              <p:cNvCxnSpPr/>
+              <p:nvPr/>
+            </p:nvCxnSpPr>
+            <p:spPr>
+              <a:xfrm flipV="1">
+                <a:off x="5551997" y="1093479"/>
+                <a:ext cx="691662" cy="2"/>
+              </a:xfrm>
+              <a:prstGeom prst="straightConnector1">
+                <a:avLst/>
+              </a:prstGeom>
+              <a:ln w="12700">
+                <a:solidFill>
+                  <a:schemeClr val="tx1"/>
+                </a:solidFill>
+                <a:tailEnd type="triangle"/>
+              </a:ln>
+            </p:spPr>
+            <p:style>
+              <a:lnRef idx="1">
+                <a:schemeClr val="accent1"/>
+              </a:lnRef>
+              <a:fillRef idx="0">
+                <a:schemeClr val="accent1"/>
+              </a:fillRef>
+              <a:effectRef idx="0">
+                <a:schemeClr val="accent1"/>
+              </a:effectRef>
+              <a:fontRef idx="minor">
+                <a:schemeClr val="tx1"/>
+              </a:fontRef>
+            </p:style>
+          </p:cxnSp>
+          <p:cxnSp>
+            <p:nvCxnSpPr>
+              <p:cNvPr id="11" name="Straight Arrow Connector 10"/>
+              <p:cNvCxnSpPr/>
+              <p:nvPr/>
+            </p:nvCxnSpPr>
+            <p:spPr>
+              <a:xfrm flipV="1">
+                <a:off x="7374775" y="1323524"/>
+                <a:ext cx="691662" cy="2"/>
+              </a:xfrm>
+              <a:prstGeom prst="straightConnector1">
+                <a:avLst/>
+              </a:prstGeom>
+              <a:ln w="12700">
+                <a:solidFill>
+                  <a:schemeClr val="tx1"/>
+                </a:solidFill>
+                <a:tailEnd type="triangle"/>
+              </a:ln>
+            </p:spPr>
+            <p:style>
+              <a:lnRef idx="1">
+                <a:schemeClr val="accent1"/>
+              </a:lnRef>
+              <a:fillRef idx="0">
+                <a:schemeClr val="accent1"/>
+              </a:fillRef>
+              <a:effectRef idx="0">
+                <a:schemeClr val="accent1"/>
+              </a:effectRef>
+              <a:fontRef idx="minor">
+                <a:schemeClr val="tx1"/>
+              </a:fontRef>
+            </p:style>
+          </p:cxnSp>
+          <p:pic>
+            <p:nvPicPr>
+              <p:cNvPr id="23" name="Picture 22"/>
+              <p:cNvPicPr>
+                <a:picLocks noChangeAspect="1"/>
+              </p:cNvPicPr>
+              <p:nvPr>
+                <p:custDataLst>
+                  <p:tags r:id="rId4"/>
+                </p:custDataLst>
+              </p:nvPr>
+            </p:nvPicPr>
+            <p:blipFill>
+              <a:blip r:embed="rId8" cstate="print">
+                <a:extLst>
+                  <a:ext uri="{28A0092B-C50C-407E-A947-70E740481C1C}">
+                    <a14:useLocalDpi xmlns:a14="http://schemas.microsoft.com/office/drawing/2010/main" val="0"/>
+                  </a:ext>
+                </a:extLst>
+              </a:blip>
+              <a:stretch>
+                <a:fillRect/>
+              </a:stretch>
+            </p:blipFill>
+            <p:spPr>
+              <a:xfrm>
+                <a:off x="3543300" y="1034979"/>
+                <a:ext cx="103619" cy="114286"/>
+              </a:xfrm>
+              <a:prstGeom prst="rect">
+                <a:avLst/>
+              </a:prstGeom>
+              <a:ln w="12700">
+                <a:noFill/>
+              </a:ln>
+            </p:spPr>
+          </p:pic>
+          <p:pic>
+            <p:nvPicPr>
+              <p:cNvPr id="24" name="Picture 23"/>
+              <p:cNvPicPr>
+                <a:picLocks noChangeAspect="1"/>
+              </p:cNvPicPr>
+              <p:nvPr>
+                <p:custDataLst>
+                  <p:tags r:id="rId5"/>
+                </p:custDataLst>
+              </p:nvPr>
+            </p:nvPicPr>
+            <p:blipFill>
+              <a:blip r:embed="rId9" cstate="print">
+                <a:extLst>
+                  <a:ext uri="{28A0092B-C50C-407E-A947-70E740481C1C}">
+                    <a14:useLocalDpi xmlns:a14="http://schemas.microsoft.com/office/drawing/2010/main" val="0"/>
+                  </a:ext>
+                </a:extLst>
+              </a:blip>
+              <a:stretch>
+                <a:fillRect/>
+              </a:stretch>
+            </p:blipFill>
+            <p:spPr>
+              <a:xfrm>
+                <a:off x="3505200" y="1492776"/>
+                <a:ext cx="112762" cy="115810"/>
+              </a:xfrm>
+              <a:prstGeom prst="rect">
+                <a:avLst/>
+              </a:prstGeom>
+              <a:ln w="12700">
+                <a:noFill/>
+              </a:ln>
+            </p:spPr>
+          </p:pic>
+          <p:cxnSp>
+            <p:nvCxnSpPr>
+              <p:cNvPr id="28" name="Straight Arrow Connector 27"/>
+              <p:cNvCxnSpPr/>
+              <p:nvPr/>
+            </p:nvCxnSpPr>
+            <p:spPr>
+              <a:xfrm flipV="1">
+                <a:off x="3708478" y="1550681"/>
+                <a:ext cx="691662" cy="2"/>
+              </a:xfrm>
+              <a:prstGeom prst="straightConnector1">
+                <a:avLst/>
+              </a:prstGeom>
+              <a:ln w="12700">
+                <a:solidFill>
+                  <a:schemeClr val="tx1"/>
+                </a:solidFill>
+                <a:tailEnd type="triangle"/>
+              </a:ln>
+            </p:spPr>
+            <p:style>
+              <a:lnRef idx="1">
+                <a:schemeClr val="accent1"/>
+              </a:lnRef>
+              <a:fillRef idx="0">
+                <a:schemeClr val="accent1"/>
+              </a:fillRef>
+              <a:effectRef idx="0">
+                <a:schemeClr val="accent1"/>
+              </a:effectRef>
+              <a:fontRef idx="minor">
+                <a:schemeClr val="tx1"/>
+              </a:fontRef>
+            </p:style>
+          </p:cxnSp>
+          <p:cxnSp>
+            <p:nvCxnSpPr>
+              <p:cNvPr id="29" name="Straight Arrow Connector 28"/>
+              <p:cNvCxnSpPr/>
+              <p:nvPr/>
+            </p:nvCxnSpPr>
+            <p:spPr>
+              <a:xfrm flipV="1">
+                <a:off x="3699817" y="1092122"/>
+                <a:ext cx="691662" cy="2"/>
+              </a:xfrm>
+              <a:prstGeom prst="straightConnector1">
+                <a:avLst/>
+              </a:prstGeom>
+              <a:ln w="12700">
+                <a:solidFill>
+                  <a:schemeClr val="tx1"/>
+                </a:solidFill>
+                <a:tailEnd type="triangle"/>
+              </a:ln>
+            </p:spPr>
+            <p:style>
+              <a:lnRef idx="1">
+                <a:schemeClr val="accent1"/>
+              </a:lnRef>
+              <a:fillRef idx="0">
+                <a:schemeClr val="accent1"/>
+              </a:fillRef>
+              <a:effectRef idx="0">
+                <a:schemeClr val="accent1"/>
+              </a:effectRef>
+              <a:fontRef idx="minor">
+                <a:schemeClr val="tx1"/>
+              </a:fontRef>
+            </p:style>
+          </p:cxnSp>
+          <p:cxnSp>
+            <p:nvCxnSpPr>
+              <p:cNvPr id="38" name="Elbow Connector 37"/>
+              <p:cNvCxnSpPr/>
+              <p:nvPr/>
+            </p:nvCxnSpPr>
+            <p:spPr>
+              <a:xfrm flipV="1">
+                <a:off x="5551997" y="1550681"/>
+                <a:ext cx="696403" cy="571500"/>
+              </a:xfrm>
+              <a:prstGeom prst="bentConnector3">
+                <a:avLst>
+                  <a:gd name="adj1" fmla="val 50000"/>
+                </a:avLst>
+              </a:prstGeom>
+              <a:ln w="12700">
+                <a:solidFill>
+                  <a:schemeClr val="tx1"/>
+                </a:solidFill>
+                <a:tailEnd type="triangle"/>
+              </a:ln>
+            </p:spPr>
+            <p:style>
+              <a:lnRef idx="1">
+                <a:schemeClr val="accent1"/>
+              </a:lnRef>
+              <a:fillRef idx="0">
+                <a:schemeClr val="accent1"/>
+              </a:fillRef>
+              <a:effectRef idx="0">
+                <a:schemeClr val="accent1"/>
+              </a:effectRef>
+              <a:fontRef idx="minor">
+                <a:schemeClr val="tx1"/>
+              </a:fontRef>
+            </p:style>
+          </p:cxnSp>
+          <p:pic>
+            <p:nvPicPr>
+              <p:cNvPr id="43" name="Picture 42"/>
+              <p:cNvPicPr>
+                <a:picLocks noChangeAspect="1"/>
+              </p:cNvPicPr>
+              <p:nvPr>
+                <p:custDataLst>
+                  <p:tags r:id="rId6"/>
+                </p:custDataLst>
+              </p:nvPr>
+            </p:nvPicPr>
+            <p:blipFill>
+              <a:blip r:embed="rId10" cstate="print">
+                <a:extLst>
+                  <a:ext uri="{28A0092B-C50C-407E-A947-70E740481C1C}">
+                    <a14:useLocalDpi xmlns:a14="http://schemas.microsoft.com/office/drawing/2010/main" val="0"/>
+                  </a:ext>
+                </a:extLst>
+              </a:blip>
+              <a:stretch>
+                <a:fillRect/>
+              </a:stretch>
+            </p:blipFill>
+            <p:spPr>
+              <a:xfrm>
+                <a:off x="5343162" y="2034561"/>
+                <a:ext cx="143238" cy="175239"/>
+              </a:xfrm>
+              <a:prstGeom prst="rect">
+                <a:avLst/>
+              </a:prstGeom>
+              <a:ln w="12700">
+                <a:noFill/>
+              </a:ln>
+            </p:spPr>
+          </p:pic>
+        </p:grpSp>
+        <p:grpSp>
+          <p:nvGrpSpPr>
+            <p:cNvPr id="61" name="Group 60"/>
+            <p:cNvGrpSpPr/>
+            <p:nvPr/>
+          </p:nvGrpSpPr>
+          <p:grpSpPr>
+            <a:xfrm>
+              <a:off x="3488575" y="2611301"/>
+              <a:ext cx="4561237" cy="1427299"/>
+              <a:chOff x="3488575" y="2755992"/>
+              <a:chExt cx="4561237" cy="1427299"/>
+            </a:xfrm>
+          </p:grpSpPr>
+          <p:sp>
+            <p:nvSpPr>
+              <p:cNvPr id="44" name="Rectangle 43"/>
+              <p:cNvSpPr/>
+              <p:nvPr/>
+            </p:nvSpPr>
+            <p:spPr>
+              <a:xfrm>
+                <a:off x="4381965" y="2755992"/>
+                <a:ext cx="1143000" cy="1143000"/>
+              </a:xfrm>
+              <a:prstGeom prst="rect">
+                <a:avLst/>
+              </a:prstGeom>
+              <a:solidFill>
+                <a:schemeClr val="bg1">
+                  <a:lumMod val="95000"/>
+                </a:schemeClr>
+              </a:solidFill>
+              <a:ln w="12700">
+                <a:solidFill>
+                  <a:schemeClr val="tx1"/>
+                </a:solidFill>
+              </a:ln>
+            </p:spPr>
+            <p:style>
+              <a:lnRef idx="2">
+                <a:schemeClr val="accent1">
+                  <a:shade val="50000"/>
+                </a:schemeClr>
+              </a:lnRef>
+              <a:fillRef idx="1">
+                <a:schemeClr val="accent1"/>
+              </a:fillRef>
+              <a:effectRef idx="0">
+                <a:schemeClr val="accent1"/>
+              </a:effectRef>
+              <a:fontRef idx="minor">
+                <a:schemeClr val="lt1"/>
+              </a:fontRef>
+            </p:style>
+            <p:txBody>
+              <a:bodyPr rtlCol="0" anchor="ctr"/>
+              <a:lstStyle/>
+              <a:p>
+                <a:pPr algn="ctr"/>
+                <a:r>
+                  <a:rPr lang="en-US" dirty="0" smtClean="0">
+                    <a:ln w="0"/>
+                    <a:solidFill>
+                      <a:schemeClr val="tx1"/>
+                    </a:solidFill>
+                    <a:effectLst>
+                      <a:outerShdw blurRad="38100" dist="19050" dir="2700000" algn="tl" rotWithShape="0">
+                        <a:schemeClr val="dk1">
+                          <a:alpha val="40000"/>
+                        </a:schemeClr>
+                      </a:outerShdw>
+                    </a:effectLst>
+                    <a:latin typeface="Times New Roman" panose="02020603050405020304" pitchFamily="18" charset="0"/>
+                    <a:cs typeface="Times New Roman" panose="02020603050405020304" pitchFamily="18" charset="0"/>
+                  </a:rPr>
+                  <a:t>186+21-1</a:t>
+                </a:r>
+              </a:p>
+              <a:p>
+                <a:pPr algn="ctr"/>
+                <a:r>
+                  <a:rPr lang="en-US" dirty="0" err="1" smtClean="0">
+                    <a:ln w="0"/>
+                    <a:solidFill>
+                      <a:schemeClr val="tx1"/>
+                    </a:solidFill>
+                    <a:effectLst>
+                      <a:outerShdw blurRad="38100" dist="19050" dir="2700000" algn="tl" rotWithShape="0">
+                        <a:schemeClr val="dk1">
+                          <a:alpha val="40000"/>
+                        </a:schemeClr>
+                      </a:outerShdw>
+                    </a:effectLst>
+                    <a:latin typeface="Times New Roman" panose="02020603050405020304" pitchFamily="18" charset="0"/>
+                    <a:cs typeface="Times New Roman" panose="02020603050405020304" pitchFamily="18" charset="0"/>
+                  </a:rPr>
+                  <a:t>Conv</a:t>
+                </a:r>
+                <a:endParaRPr lang="en-US" dirty="0">
+                  <a:latin typeface="Times New Roman" panose="02020603050405020304" pitchFamily="18" charset="0"/>
+                  <a:cs typeface="Times New Roman" panose="02020603050405020304" pitchFamily="18" charset="0"/>
+                </a:endParaRPr>
+              </a:p>
+            </p:txBody>
+          </p:sp>
+          <p:sp>
+            <p:nvSpPr>
+              <p:cNvPr id="45" name="Rectangle 44"/>
+              <p:cNvSpPr/>
+              <p:nvPr/>
+            </p:nvSpPr>
+            <p:spPr>
+              <a:xfrm>
+                <a:off x="6231775" y="2755992"/>
+                <a:ext cx="1143000" cy="1143000"/>
+              </a:xfrm>
+              <a:prstGeom prst="rect">
+                <a:avLst/>
+              </a:prstGeom>
+              <a:solidFill>
+                <a:schemeClr val="bg1">
+                  <a:lumMod val="95000"/>
+                </a:schemeClr>
+              </a:solidFill>
+              <a:ln w="12700">
+                <a:solidFill>
+                  <a:schemeClr val="tx1"/>
+                </a:solidFill>
+              </a:ln>
+            </p:spPr>
+            <p:style>
+              <a:lnRef idx="2">
+                <a:schemeClr val="accent1">
+                  <a:shade val="50000"/>
+                </a:schemeClr>
+              </a:lnRef>
+              <a:fillRef idx="1">
+                <a:schemeClr val="accent1"/>
+              </a:fillRef>
+              <a:effectRef idx="0">
+                <a:schemeClr val="accent1"/>
+              </a:effectRef>
+              <a:fontRef idx="minor">
+                <a:schemeClr val="lt1"/>
+              </a:fontRef>
+            </p:style>
+            <p:txBody>
+              <a:bodyPr rtlCol="0" anchor="ctr"/>
+              <a:lstStyle/>
+              <a:p>
+                <a:pPr algn="ctr"/>
+                <a:r>
+                  <a:rPr lang="en-US" dirty="0">
+                    <a:ln w="0"/>
+                    <a:solidFill>
+                      <a:schemeClr val="tx1"/>
+                    </a:solidFill>
+                    <a:effectLst>
+                      <a:outerShdw blurRad="38100" dist="19050" dir="2700000" algn="tl" rotWithShape="0">
+                        <a:schemeClr val="dk1">
+                          <a:alpha val="40000"/>
+                        </a:schemeClr>
+                      </a:outerShdw>
+                    </a:effectLst>
+                    <a:latin typeface="Times New Roman" panose="02020603050405020304" pitchFamily="18" charset="0"/>
+                    <a:cs typeface="Times New Roman" panose="02020603050405020304" pitchFamily="18" charset="0"/>
+                  </a:rPr>
+                  <a:t>12672+</a:t>
+                </a:r>
+              </a:p>
+              <a:p>
+                <a:pPr algn="ctr"/>
+                <a:r>
+                  <a:rPr lang="en-US" dirty="0">
+                    <a:ln w="0"/>
+                    <a:solidFill>
+                      <a:schemeClr val="tx1"/>
+                    </a:solidFill>
+                    <a:effectLst>
+                      <a:outerShdw blurRad="38100" dist="19050" dir="2700000" algn="tl" rotWithShape="0">
+                        <a:schemeClr val="dk1">
+                          <a:alpha val="40000"/>
+                        </a:schemeClr>
+                      </a:outerShdw>
+                    </a:effectLst>
+                    <a:latin typeface="Times New Roman" panose="02020603050405020304" pitchFamily="18" charset="0"/>
+                    <a:cs typeface="Times New Roman" panose="02020603050405020304" pitchFamily="18" charset="0"/>
+                  </a:rPr>
+                  <a:t>186+21-2</a:t>
+                </a:r>
+              </a:p>
+              <a:p>
+                <a:pPr algn="ctr"/>
+                <a:r>
+                  <a:rPr lang="en-US" dirty="0" err="1">
+                    <a:ln w="0"/>
+                    <a:solidFill>
+                      <a:schemeClr val="tx1"/>
+                    </a:solidFill>
+                    <a:effectLst>
+                      <a:outerShdw blurRad="38100" dist="19050" dir="2700000" algn="tl" rotWithShape="0">
+                        <a:schemeClr val="dk1">
+                          <a:alpha val="40000"/>
+                        </a:schemeClr>
+                      </a:outerShdw>
+                    </a:effectLst>
+                    <a:latin typeface="Times New Roman" panose="02020603050405020304" pitchFamily="18" charset="0"/>
+                    <a:cs typeface="Times New Roman" panose="02020603050405020304" pitchFamily="18" charset="0"/>
+                  </a:rPr>
+                  <a:t>Conv</a:t>
+                </a:r>
+                <a:endParaRPr lang="en-US" dirty="0">
+                  <a:latin typeface="Times New Roman" panose="02020603050405020304" pitchFamily="18" charset="0"/>
+                  <a:cs typeface="Times New Roman" panose="02020603050405020304" pitchFamily="18" charset="0"/>
+                </a:endParaRPr>
+              </a:p>
+            </p:txBody>
+          </p:sp>
+          <p:cxnSp>
+            <p:nvCxnSpPr>
+              <p:cNvPr id="46" name="Straight Arrow Connector 45"/>
+              <p:cNvCxnSpPr/>
+              <p:nvPr/>
+            </p:nvCxnSpPr>
+            <p:spPr>
+              <a:xfrm flipV="1">
+                <a:off x="5535372" y="3097446"/>
+                <a:ext cx="691662" cy="2"/>
+              </a:xfrm>
+              <a:prstGeom prst="straightConnector1">
+                <a:avLst/>
+              </a:prstGeom>
+              <a:ln w="12700">
+                <a:solidFill>
+                  <a:schemeClr val="tx1"/>
+                </a:solidFill>
+                <a:tailEnd type="triangle"/>
+              </a:ln>
+            </p:spPr>
+            <p:style>
+              <a:lnRef idx="1">
+                <a:schemeClr val="accent1"/>
+              </a:lnRef>
+              <a:fillRef idx="0">
+                <a:schemeClr val="accent1"/>
+              </a:fillRef>
+              <a:effectRef idx="0">
+                <a:schemeClr val="accent1"/>
+              </a:effectRef>
+              <a:fontRef idx="minor">
+                <a:schemeClr val="tx1"/>
+              </a:fontRef>
+            </p:style>
+          </p:cxnSp>
+          <p:cxnSp>
+            <p:nvCxnSpPr>
+              <p:cNvPr id="47" name="Straight Arrow Connector 46"/>
+              <p:cNvCxnSpPr/>
+              <p:nvPr/>
+            </p:nvCxnSpPr>
+            <p:spPr>
+              <a:xfrm flipV="1">
+                <a:off x="7358150" y="3327491"/>
+                <a:ext cx="691662" cy="2"/>
+              </a:xfrm>
+              <a:prstGeom prst="straightConnector1">
+                <a:avLst/>
+              </a:prstGeom>
+              <a:ln w="12700">
+                <a:solidFill>
+                  <a:schemeClr val="tx1"/>
+                </a:solidFill>
+                <a:tailEnd type="triangle"/>
+              </a:ln>
+            </p:spPr>
+            <p:style>
+              <a:lnRef idx="1">
+                <a:schemeClr val="accent1"/>
+              </a:lnRef>
+              <a:fillRef idx="0">
+                <a:schemeClr val="accent1"/>
+              </a:fillRef>
+              <a:effectRef idx="0">
+                <a:schemeClr val="accent1"/>
+              </a:effectRef>
+              <a:fontRef idx="minor">
+                <a:schemeClr val="tx1"/>
+              </a:fontRef>
+            </p:style>
+          </p:cxnSp>
+          <p:pic>
+            <p:nvPicPr>
+              <p:cNvPr id="59" name="Picture 58"/>
+              <p:cNvPicPr>
+                <a:picLocks noChangeAspect="1"/>
+              </p:cNvPicPr>
+              <p:nvPr>
+                <p:custDataLst>
+                  <p:tags r:id="rId1"/>
+                </p:custDataLst>
+              </p:nvPr>
+            </p:nvPicPr>
+            <p:blipFill>
+              <a:blip r:embed="rId10" cstate="print">
+                <a:extLst>
+                  <a:ext uri="{28A0092B-C50C-407E-A947-70E740481C1C}">
+                    <a14:useLocalDpi xmlns:a14="http://schemas.microsoft.com/office/drawing/2010/main" val="0"/>
+                  </a:ext>
+                </a:extLst>
+              </a:blip>
+              <a:stretch>
+                <a:fillRect/>
+              </a:stretch>
+            </p:blipFill>
+            <p:spPr>
+              <a:xfrm>
+                <a:off x="3529718" y="3008470"/>
+                <a:ext cx="143238" cy="175238"/>
+              </a:xfrm>
+              <a:prstGeom prst="rect">
+                <a:avLst/>
+              </a:prstGeom>
+              <a:ln w="12700">
+                <a:noFill/>
+              </a:ln>
+            </p:spPr>
+          </p:pic>
+          <p:pic>
+            <p:nvPicPr>
+              <p:cNvPr id="51" name="Picture 50"/>
+              <p:cNvPicPr>
+                <a:picLocks noChangeAspect="1"/>
+              </p:cNvPicPr>
+              <p:nvPr>
+                <p:custDataLst>
+                  <p:tags r:id="rId2"/>
+                </p:custDataLst>
+              </p:nvPr>
+            </p:nvPicPr>
+            <p:blipFill>
+              <a:blip r:embed="rId9" cstate="print">
+                <a:extLst>
+                  <a:ext uri="{28A0092B-C50C-407E-A947-70E740481C1C}">
+                    <a14:useLocalDpi xmlns:a14="http://schemas.microsoft.com/office/drawing/2010/main" val="0"/>
+                  </a:ext>
+                </a:extLst>
+              </a:blip>
+              <a:stretch>
+                <a:fillRect/>
+              </a:stretch>
+            </p:blipFill>
+            <p:spPr>
+              <a:xfrm>
+                <a:off x="3488575" y="3496743"/>
+                <a:ext cx="112762" cy="115810"/>
+              </a:xfrm>
+              <a:prstGeom prst="rect">
+                <a:avLst/>
+              </a:prstGeom>
+              <a:ln w="12700">
+                <a:noFill/>
+              </a:ln>
+            </p:spPr>
+          </p:pic>
+          <p:cxnSp>
+            <p:nvCxnSpPr>
+              <p:cNvPr id="52" name="Straight Arrow Connector 51"/>
+              <p:cNvCxnSpPr/>
+              <p:nvPr/>
+            </p:nvCxnSpPr>
+            <p:spPr>
+              <a:xfrm flipV="1">
+                <a:off x="3691853" y="3554648"/>
+                <a:ext cx="691662" cy="2"/>
+              </a:xfrm>
+              <a:prstGeom prst="straightConnector1">
+                <a:avLst/>
+              </a:prstGeom>
+              <a:ln w="12700">
+                <a:solidFill>
+                  <a:schemeClr val="tx1"/>
+                </a:solidFill>
+                <a:tailEnd type="triangle"/>
+              </a:ln>
+            </p:spPr>
+            <p:style>
+              <a:lnRef idx="1">
+                <a:schemeClr val="accent1"/>
+              </a:lnRef>
+              <a:fillRef idx="0">
+                <a:schemeClr val="accent1"/>
+              </a:fillRef>
+              <a:effectRef idx="0">
+                <a:schemeClr val="accent1"/>
+              </a:effectRef>
+              <a:fontRef idx="minor">
+                <a:schemeClr val="tx1"/>
+              </a:fontRef>
+            </p:style>
+          </p:cxnSp>
+          <p:cxnSp>
+            <p:nvCxnSpPr>
+              <p:cNvPr id="53" name="Straight Arrow Connector 52"/>
+              <p:cNvCxnSpPr/>
+              <p:nvPr/>
+            </p:nvCxnSpPr>
+            <p:spPr>
+              <a:xfrm flipV="1">
+                <a:off x="3683192" y="3096089"/>
+                <a:ext cx="691662" cy="2"/>
+              </a:xfrm>
+              <a:prstGeom prst="straightConnector1">
+                <a:avLst/>
+              </a:prstGeom>
+              <a:ln w="12700">
+                <a:solidFill>
+                  <a:schemeClr val="tx1"/>
+                </a:solidFill>
+                <a:tailEnd type="triangle"/>
+              </a:ln>
+            </p:spPr>
+            <p:style>
+              <a:lnRef idx="1">
+                <a:schemeClr val="accent1"/>
+              </a:lnRef>
+              <a:fillRef idx="0">
+                <a:schemeClr val="accent1"/>
+              </a:fillRef>
+              <a:effectRef idx="0">
+                <a:schemeClr val="accent1"/>
+              </a:effectRef>
+              <a:fontRef idx="minor">
+                <a:schemeClr val="tx1"/>
+              </a:fontRef>
+            </p:style>
+          </p:cxnSp>
+          <p:cxnSp>
+            <p:nvCxnSpPr>
+              <p:cNvPr id="57" name="Elbow Connector 56"/>
+              <p:cNvCxnSpPr/>
+              <p:nvPr/>
+            </p:nvCxnSpPr>
+            <p:spPr>
+              <a:xfrm flipV="1">
+                <a:off x="5535372" y="3554648"/>
+                <a:ext cx="696403" cy="571500"/>
+              </a:xfrm>
+              <a:prstGeom prst="bentConnector3">
+                <a:avLst>
+                  <a:gd name="adj1" fmla="val 50000"/>
+                </a:avLst>
+              </a:prstGeom>
+              <a:ln w="12700">
+                <a:solidFill>
+                  <a:schemeClr val="tx1"/>
+                </a:solidFill>
+                <a:tailEnd type="triangle"/>
+              </a:ln>
+            </p:spPr>
+            <p:style>
+              <a:lnRef idx="1">
+                <a:schemeClr val="accent1"/>
+              </a:lnRef>
+              <a:fillRef idx="0">
+                <a:schemeClr val="accent1"/>
+              </a:fillRef>
+              <a:effectRef idx="0">
+                <a:schemeClr val="accent1"/>
+              </a:effectRef>
+              <a:fontRef idx="minor">
+                <a:schemeClr val="tx1"/>
+              </a:fontRef>
+            </p:style>
+          </p:cxnSp>
+          <p:pic>
+            <p:nvPicPr>
+              <p:cNvPr id="60" name="Picture 59"/>
+              <p:cNvPicPr>
+                <a:picLocks noChangeAspect="1"/>
+              </p:cNvPicPr>
+              <p:nvPr>
+                <p:custDataLst>
+                  <p:tags r:id="rId3"/>
+                </p:custDataLst>
+              </p:nvPr>
+            </p:nvPicPr>
+            <p:blipFill>
+              <a:blip r:embed="rId8" cstate="print">
+                <a:extLst>
+                  <a:ext uri="{28A0092B-C50C-407E-A947-70E740481C1C}">
+                    <a14:useLocalDpi xmlns:a14="http://schemas.microsoft.com/office/drawing/2010/main" val="0"/>
+                  </a:ext>
+                </a:extLst>
+              </a:blip>
+              <a:stretch>
+                <a:fillRect/>
+              </a:stretch>
+            </p:blipFill>
+            <p:spPr>
+              <a:xfrm>
+                <a:off x="5341143" y="4069005"/>
+                <a:ext cx="103619" cy="114286"/>
+              </a:xfrm>
+              <a:prstGeom prst="rect">
+                <a:avLst/>
+              </a:prstGeom>
+              <a:ln w="12700">
+                <a:noFill/>
+              </a:ln>
+            </p:spPr>
+          </p:pic>
+        </p:grpSp>
+      </p:grpSp>
+    </p:spTree>
+    <p:extLst>
+      <p:ext uri="{BB962C8B-B14F-4D97-AF65-F5344CB8AC3E}">
+        <p14:creationId xmlns:p14="http://schemas.microsoft.com/office/powerpoint/2010/main" val="2825736296"/>
+      </p:ext>
+    </p:extLst>
+  </p:cSld>
+  <p:clrMapOvr>
+    <a:masterClrMapping/>
+  </p:clrMapOvr>
+  <p:timing>
+    <p:tnLst>
+      <p:par>
+        <p:cTn id="1" dur="indefinite" restart="never" nodeType="tmRoot"/>
+      </p:par>
+    </p:tnLst>
+  </p:timing>
+</p:sld>
+</file>
+
+<file path=ppt/slides/slide7.xml><?xml version="1.0" encoding="utf-8"?>
+<p:sld xmlns:a="http://schemas.openxmlformats.org/drawingml/2006/main" xmlns:r="http://schemas.openxmlformats.org/officeDocument/2006/relationships" xmlns:p="http://schemas.openxmlformats.org/presentationml/2006/main">
+  <p:cSld>
+    <p:spTree>
+      <p:nvGrpSpPr>
+        <p:cNvPr id="1" name=""/>
+        <p:cNvGrpSpPr/>
+        <p:nvPr/>
+      </p:nvGrpSpPr>
+      <p:grpSpPr>
+        <a:xfrm>
+          <a:off x="0" y="0"/>
+          <a:ext cx="0" cy="0"/>
+          <a:chOff x="0" y="0"/>
+          <a:chExt cx="0" cy="0"/>
+        </a:xfrm>
+      </p:grpSpPr>
+      <p:grpSp>
+        <p:nvGrpSpPr>
           <p:cNvPr id="52" name="Group 51"/>
           <p:cNvGrpSpPr/>
           <p:nvPr/>
@@ -37523,7 +38653,7 @@
 </p:sld>
 </file>
 
-<file path=ppt/slides/slide7.xml><?xml version="1.0" encoding="utf-8"?>
+<file path=ppt/slides/slide8.xml><?xml version="1.0" encoding="utf-8"?>
 <p:sld xmlns:a="http://schemas.openxmlformats.org/drawingml/2006/main" xmlns:r="http://schemas.openxmlformats.org/officeDocument/2006/relationships" xmlns:p="http://schemas.openxmlformats.org/presentationml/2006/main">
   <p:cSld>
     <p:spTree>
@@ -40605,6 +41735,102 @@
 </p:tagLst>
 </file>
 
+<file path=ppt/tags/tag23.xml><?xml version="1.0" encoding="utf-8"?>
+<p:tagLst xmlns:a="http://schemas.openxmlformats.org/drawingml/2006/main" xmlns:r="http://schemas.openxmlformats.org/officeDocument/2006/relationships" xmlns:p="http://schemas.openxmlformats.org/presentationml/2006/main">
+  <p:tag name="ORIGINALHEIGHT" val="86.23921"/>
+  <p:tag name="ORIGINALWIDTH" val="70.49118"/>
+  <p:tag name="OUTPUTDPI" val="1200"/>
+  <p:tag name="LATEXADDIN" val="\documentclass{article}&#10;\usepackage{amsmath}&#10;\pagestyle{empty}&#10;\begin{document}&#10;&#10;$\mathbf{d}$&#10;&#10;&#10;\end{document}"/>
+  <p:tag name="IGUANATEXSIZE" val="20"/>
+  <p:tag name="IGUANATEXCURSOR" val="91"/>
+  <p:tag name="TRANSPARENCY" val="True"/>
+  <p:tag name="FILENAME" val=""/>
+  <p:tag name="INPUTTYPE" val="0"/>
+  <p:tag name="LATEXENGINEID" val="0"/>
+  <p:tag name="TEMPFOLDER" val="C:\Users\ecestudent\Documents\IguanaTexTemp\"/>
+</p:tagLst>
+</file>
+
+<file path=ppt/tags/tag24.xml><?xml version="1.0" encoding="utf-8"?>
+<p:tagLst xmlns:a="http://schemas.openxmlformats.org/drawingml/2006/main" xmlns:r="http://schemas.openxmlformats.org/officeDocument/2006/relationships" xmlns:p="http://schemas.openxmlformats.org/presentationml/2006/main">
+  <p:tag name="ORIGINALHEIGHT" val="56.99291"/>
+  <p:tag name="ORIGINALWIDTH" val="55.49307"/>
+  <p:tag name="OUTPUTDPI" val="1200"/>
+  <p:tag name="LATEXADDIN" val="\documentclass{article}&#10;\usepackage{amsmath}&#10;\pagestyle{empty}&#10;\begin{document}&#10;&#10;$\mathbf{c}$&#10;&#10;&#10;\end{document}"/>
+  <p:tag name="IGUANATEXSIZE" val="20"/>
+  <p:tag name="IGUANATEXCURSOR" val="91"/>
+  <p:tag name="TRANSPARENCY" val="True"/>
+  <p:tag name="FILENAME" val=""/>
+  <p:tag name="INPUTTYPE" val="0"/>
+  <p:tag name="LATEXENGINEID" val="0"/>
+  <p:tag name="TEMPFOLDER" val="C:\Users\ecestudent\Documents\IguanaTexTemp\"/>
+</p:tagLst>
+</file>
+
+<file path=ppt/tags/tag25.xml><?xml version="1.0" encoding="utf-8"?>
+<p:tagLst xmlns:a="http://schemas.openxmlformats.org/drawingml/2006/main" xmlns:r="http://schemas.openxmlformats.org/officeDocument/2006/relationships" xmlns:p="http://schemas.openxmlformats.org/presentationml/2006/main">
+  <p:tag name="ORIGINALHEIGHT" val="56.24299"/>
+  <p:tag name="ORIGINALWIDTH" val="50.99362"/>
+  <p:tag name="OUTPUTDPI" val="1200"/>
+  <p:tag name="LATEXADDIN" val="\documentclass{article}&#10;\usepackage{amsmath}&#10;\pagestyle{empty}&#10;\begin{document}&#10;&#10;$\mathbf{r}$&#10;&#10;&#10;\end{document}"/>
+  <p:tag name="IGUANATEXSIZE" val="20"/>
+  <p:tag name="IGUANATEXCURSOR" val="91"/>
+  <p:tag name="TRANSPARENCY" val="True"/>
+  <p:tag name="FILENAME" val=""/>
+  <p:tag name="INPUTTYPE" val="0"/>
+  <p:tag name="LATEXENGINEID" val="0"/>
+  <p:tag name="TEMPFOLDER" val="C:\Users\ecestudent\Documents\IguanaTexTemp\"/>
+</p:tagLst>
+</file>
+
+<file path=ppt/tags/tag26.xml><?xml version="1.0" encoding="utf-8"?>
+<p:tagLst xmlns:a="http://schemas.openxmlformats.org/drawingml/2006/main" xmlns:r="http://schemas.openxmlformats.org/officeDocument/2006/relationships" xmlns:p="http://schemas.openxmlformats.org/presentationml/2006/main">
+  <p:tag name="ORIGINALHEIGHT" val="56.24299"/>
+  <p:tag name="ORIGINALWIDTH" val="50.99362"/>
+  <p:tag name="OUTPUTDPI" val="1200"/>
+  <p:tag name="LATEXADDIN" val="\documentclass{article}&#10;\usepackage{amsmath}&#10;\pagestyle{empty}&#10;\begin{document}&#10;&#10;$\mathbf{r}$&#10;&#10;&#10;\end{document}"/>
+  <p:tag name="IGUANATEXSIZE" val="20"/>
+  <p:tag name="IGUANATEXCURSOR" val="92"/>
+  <p:tag name="TRANSPARENCY" val="True"/>
+  <p:tag name="FILENAME" val=""/>
+  <p:tag name="INPUTTYPE" val="0"/>
+  <p:tag name="LATEXENGINEID" val="0"/>
+  <p:tag name="TEMPFOLDER" val="C:\Users\ecestudent\Documents\IguanaTexTemp\"/>
+</p:tagLst>
+</file>
+
+<file path=ppt/tags/tag27.xml><?xml version="1.0" encoding="utf-8"?>
+<p:tagLst xmlns:a="http://schemas.openxmlformats.org/drawingml/2006/main" xmlns:r="http://schemas.openxmlformats.org/officeDocument/2006/relationships" xmlns:p="http://schemas.openxmlformats.org/presentationml/2006/main">
+  <p:tag name="ORIGINALHEIGHT" val="56.99291"/>
+  <p:tag name="ORIGINALWIDTH" val="55.49307"/>
+  <p:tag name="OUTPUTDPI" val="1200"/>
+  <p:tag name="LATEXADDIN" val="\documentclass{article}&#10;\usepackage{amsmath}&#10;\pagestyle{empty}&#10;\begin{document}&#10;&#10;$\mathbf{c}$&#10;&#10;&#10;\end{document}"/>
+  <p:tag name="IGUANATEXSIZE" val="20"/>
+  <p:tag name="IGUANATEXCURSOR" val="91"/>
+  <p:tag name="TRANSPARENCY" val="True"/>
+  <p:tag name="FILENAME" val=""/>
+  <p:tag name="INPUTTYPE" val="0"/>
+  <p:tag name="LATEXENGINEID" val="0"/>
+  <p:tag name="TEMPFOLDER" val="C:\Users\ecestudent\Documents\IguanaTexTemp\"/>
+</p:tagLst>
+</file>
+
+<file path=ppt/tags/tag28.xml><?xml version="1.0" encoding="utf-8"?>
+<p:tagLst xmlns:a="http://schemas.openxmlformats.org/drawingml/2006/main" xmlns:r="http://schemas.openxmlformats.org/officeDocument/2006/relationships" xmlns:p="http://schemas.openxmlformats.org/presentationml/2006/main">
+  <p:tag name="ORIGINALHEIGHT" val="86.23921"/>
+  <p:tag name="ORIGINALWIDTH" val="70.49118"/>
+  <p:tag name="OUTPUTDPI" val="1200"/>
+  <p:tag name="LATEXADDIN" val="\documentclass{article}&#10;\usepackage{amsmath}&#10;\pagestyle{empty}&#10;\begin{document}&#10;&#10;$\mathbf{d}$&#10;&#10;&#10;\end{document}"/>
+  <p:tag name="IGUANATEXSIZE" val="20"/>
+  <p:tag name="IGUANATEXCURSOR" val="91"/>
+  <p:tag name="TRANSPARENCY" val="True"/>
+  <p:tag name="FILENAME" val=""/>
+  <p:tag name="INPUTTYPE" val="0"/>
+  <p:tag name="LATEXENGINEID" val="0"/>
+  <p:tag name="TEMPFOLDER" val="C:\Users\ecestudent\Documents\IguanaTexTemp\"/>
+</p:tagLst>
+</file>
+
 <file path=ppt/tags/tag3.xml><?xml version="1.0" encoding="utf-8"?>
 <p:tagLst xmlns:a="http://schemas.openxmlformats.org/drawingml/2006/main" xmlns:r="http://schemas.openxmlformats.org/officeDocument/2006/relationships" xmlns:p="http://schemas.openxmlformats.org/presentationml/2006/main">
   <p:tag name="ORIGINALHEIGHT" val="119.2351"/>

--- a/figures/gpu_intro/GPU_intro_Pix.pptx
+++ b/figures/gpu_intro/GPU_intro_Pix.pptx
@@ -262,7 +262,7 @@
           <a:p>
             <a:fld id="{8749049F-65FB-400B-99EA-5CA2D1D00F38}" type="datetimeFigureOut">
               <a:rPr lang="en-US" smtClean="0"/>
-              <a:t>4/5/2017</a:t>
+              <a:t>4/12/2017</a:t>
             </a:fld>
             <a:endParaRPr lang="en-US"/>
           </a:p>
@@ -432,7 +432,7 @@
           <a:p>
             <a:fld id="{8749049F-65FB-400B-99EA-5CA2D1D00F38}" type="datetimeFigureOut">
               <a:rPr lang="en-US" smtClean="0"/>
-              <a:t>4/5/2017</a:t>
+              <a:t>4/12/2017</a:t>
             </a:fld>
             <a:endParaRPr lang="en-US"/>
           </a:p>
@@ -612,7 +612,7 @@
           <a:p>
             <a:fld id="{8749049F-65FB-400B-99EA-5CA2D1D00F38}" type="datetimeFigureOut">
               <a:rPr lang="en-US" smtClean="0"/>
-              <a:t>4/5/2017</a:t>
+              <a:t>4/12/2017</a:t>
             </a:fld>
             <a:endParaRPr lang="en-US"/>
           </a:p>
@@ -782,7 +782,7 @@
           <a:p>
             <a:fld id="{8749049F-65FB-400B-99EA-5CA2D1D00F38}" type="datetimeFigureOut">
               <a:rPr lang="en-US" smtClean="0"/>
-              <a:t>4/5/2017</a:t>
+              <a:t>4/12/2017</a:t>
             </a:fld>
             <a:endParaRPr lang="en-US"/>
           </a:p>
@@ -1028,7 +1028,7 @@
           <a:p>
             <a:fld id="{8749049F-65FB-400B-99EA-5CA2D1D00F38}" type="datetimeFigureOut">
               <a:rPr lang="en-US" smtClean="0"/>
-              <a:t>4/5/2017</a:t>
+              <a:t>4/12/2017</a:t>
             </a:fld>
             <a:endParaRPr lang="en-US"/>
           </a:p>
@@ -1260,7 +1260,7 @@
           <a:p>
             <a:fld id="{8749049F-65FB-400B-99EA-5CA2D1D00F38}" type="datetimeFigureOut">
               <a:rPr lang="en-US" smtClean="0"/>
-              <a:t>4/5/2017</a:t>
+              <a:t>4/12/2017</a:t>
             </a:fld>
             <a:endParaRPr lang="en-US"/>
           </a:p>
@@ -1627,7 +1627,7 @@
           <a:p>
             <a:fld id="{8749049F-65FB-400B-99EA-5CA2D1D00F38}" type="datetimeFigureOut">
               <a:rPr lang="en-US" smtClean="0"/>
-              <a:t>4/5/2017</a:t>
+              <a:t>4/12/2017</a:t>
             </a:fld>
             <a:endParaRPr lang="en-US"/>
           </a:p>
@@ -1745,7 +1745,7 @@
           <a:p>
             <a:fld id="{8749049F-65FB-400B-99EA-5CA2D1D00F38}" type="datetimeFigureOut">
               <a:rPr lang="en-US" smtClean="0"/>
-              <a:t>4/5/2017</a:t>
+              <a:t>4/12/2017</a:t>
             </a:fld>
             <a:endParaRPr lang="en-US"/>
           </a:p>
@@ -1840,7 +1840,7 @@
           <a:p>
             <a:fld id="{8749049F-65FB-400B-99EA-5CA2D1D00F38}" type="datetimeFigureOut">
               <a:rPr lang="en-US" smtClean="0"/>
-              <a:t>4/5/2017</a:t>
+              <a:t>4/12/2017</a:t>
             </a:fld>
             <a:endParaRPr lang="en-US"/>
           </a:p>
@@ -2117,7 +2117,7 @@
           <a:p>
             <a:fld id="{8749049F-65FB-400B-99EA-5CA2D1D00F38}" type="datetimeFigureOut">
               <a:rPr lang="en-US" smtClean="0"/>
-              <a:t>4/5/2017</a:t>
+              <a:t>4/12/2017</a:t>
             </a:fld>
             <a:endParaRPr lang="en-US"/>
           </a:p>
@@ -2370,7 +2370,7 @@
           <a:p>
             <a:fld id="{8749049F-65FB-400B-99EA-5CA2D1D00F38}" type="datetimeFigureOut">
               <a:rPr lang="en-US" smtClean="0"/>
-              <a:t>4/5/2017</a:t>
+              <a:t>4/12/2017</a:t>
             </a:fld>
             <a:endParaRPr lang="en-US"/>
           </a:p>
@@ -2583,7 +2583,7 @@
           <a:p>
             <a:fld id="{8749049F-65FB-400B-99EA-5CA2D1D00F38}" type="datetimeFigureOut">
               <a:rPr lang="en-US" smtClean="0"/>
-              <a:t>4/5/2017</a:t>
+              <a:t>4/12/2017</a:t>
             </a:fld>
             <a:endParaRPr lang="en-US"/>
           </a:p>
@@ -30272,8 +30272,8 @@
             </p:nvSpPr>
             <p:spPr>
               <a:xfrm>
-                <a:off x="4673759" y="2115077"/>
-                <a:ext cx="2383987" cy="369332"/>
+                <a:off x="4869325" y="2115077"/>
+                <a:ext cx="1992853" cy="369332"/>
               </a:xfrm>
               <a:prstGeom prst="rect">
                 <a:avLst/>
@@ -30299,7 +30299,22 @@
                     <a:latin typeface="Times New Roman" panose="02020603050405020304" pitchFamily="18" charset="0"/>
                     <a:cs typeface="Times New Roman" panose="02020603050405020304" pitchFamily="18" charset="0"/>
                   </a:rPr>
-                  <a:t>L1 and Shared Memory</a:t>
+                  <a:t>L1/Shared </a:t>
+                </a:r>
+                <a:r>
+                  <a:rPr lang="en-US" dirty="0" smtClean="0">
+                    <a:ln w="0"/>
+                    <a:effectLst>
+                      <a:outerShdw blurRad="38100" dist="19050" dir="2700000" algn="tl" rotWithShape="0">
+                        <a:schemeClr val="dk1">
+                          <a:alpha val="40000"/>
+                        </a:schemeClr>
+                      </a:outerShdw>
+                    </a:effectLst>
+                    <a:latin typeface="Times New Roman" panose="02020603050405020304" pitchFamily="18" charset="0"/>
+                    <a:cs typeface="Times New Roman" panose="02020603050405020304" pitchFamily="18" charset="0"/>
+                  </a:rPr>
+                  <a:t>Memory</a:t>
                 </a:r>
                 <a:endParaRPr lang="en-US" dirty="0">
                   <a:latin typeface="Times New Roman" panose="02020603050405020304" pitchFamily="18" charset="0"/>

--- a/figures/gpu_intro/GPU_intro_Pix.pptx
+++ b/figures/gpu_intro/GPU_intro_Pix.pptx
@@ -262,7 +262,7 @@
           <a:p>
             <a:fld id="{8749049F-65FB-400B-99EA-5CA2D1D00F38}" type="datetimeFigureOut">
               <a:rPr lang="en-US" smtClean="0"/>
-              <a:t>4/12/2017</a:t>
+              <a:t>4/13/2017</a:t>
             </a:fld>
             <a:endParaRPr lang="en-US"/>
           </a:p>
@@ -432,7 +432,7 @@
           <a:p>
             <a:fld id="{8749049F-65FB-400B-99EA-5CA2D1D00F38}" type="datetimeFigureOut">
               <a:rPr lang="en-US" smtClean="0"/>
-              <a:t>4/12/2017</a:t>
+              <a:t>4/13/2017</a:t>
             </a:fld>
             <a:endParaRPr lang="en-US"/>
           </a:p>
@@ -612,7 +612,7 @@
           <a:p>
             <a:fld id="{8749049F-65FB-400B-99EA-5CA2D1D00F38}" type="datetimeFigureOut">
               <a:rPr lang="en-US" smtClean="0"/>
-              <a:t>4/12/2017</a:t>
+              <a:t>4/13/2017</a:t>
             </a:fld>
             <a:endParaRPr lang="en-US"/>
           </a:p>
@@ -782,7 +782,7 @@
           <a:p>
             <a:fld id="{8749049F-65FB-400B-99EA-5CA2D1D00F38}" type="datetimeFigureOut">
               <a:rPr lang="en-US" smtClean="0"/>
-              <a:t>4/12/2017</a:t>
+              <a:t>4/13/2017</a:t>
             </a:fld>
             <a:endParaRPr lang="en-US"/>
           </a:p>
@@ -1028,7 +1028,7 @@
           <a:p>
             <a:fld id="{8749049F-65FB-400B-99EA-5CA2D1D00F38}" type="datetimeFigureOut">
               <a:rPr lang="en-US" smtClean="0"/>
-              <a:t>4/12/2017</a:t>
+              <a:t>4/13/2017</a:t>
             </a:fld>
             <a:endParaRPr lang="en-US"/>
           </a:p>
@@ -1260,7 +1260,7 @@
           <a:p>
             <a:fld id="{8749049F-65FB-400B-99EA-5CA2D1D00F38}" type="datetimeFigureOut">
               <a:rPr lang="en-US" smtClean="0"/>
-              <a:t>4/12/2017</a:t>
+              <a:t>4/13/2017</a:t>
             </a:fld>
             <a:endParaRPr lang="en-US"/>
           </a:p>
@@ -1627,7 +1627,7 @@
           <a:p>
             <a:fld id="{8749049F-65FB-400B-99EA-5CA2D1D00F38}" type="datetimeFigureOut">
               <a:rPr lang="en-US" smtClean="0"/>
-              <a:t>4/12/2017</a:t>
+              <a:t>4/13/2017</a:t>
             </a:fld>
             <a:endParaRPr lang="en-US"/>
           </a:p>
@@ -1745,7 +1745,7 @@
           <a:p>
             <a:fld id="{8749049F-65FB-400B-99EA-5CA2D1D00F38}" type="datetimeFigureOut">
               <a:rPr lang="en-US" smtClean="0"/>
-              <a:t>4/12/2017</a:t>
+              <a:t>4/13/2017</a:t>
             </a:fld>
             <a:endParaRPr lang="en-US"/>
           </a:p>
@@ -1840,7 +1840,7 @@
           <a:p>
             <a:fld id="{8749049F-65FB-400B-99EA-5CA2D1D00F38}" type="datetimeFigureOut">
               <a:rPr lang="en-US" smtClean="0"/>
-              <a:t>4/12/2017</a:t>
+              <a:t>4/13/2017</a:t>
             </a:fld>
             <a:endParaRPr lang="en-US"/>
           </a:p>
@@ -2117,7 +2117,7 @@
           <a:p>
             <a:fld id="{8749049F-65FB-400B-99EA-5CA2D1D00F38}" type="datetimeFigureOut">
               <a:rPr lang="en-US" smtClean="0"/>
-              <a:t>4/12/2017</a:t>
+              <a:t>4/13/2017</a:t>
             </a:fld>
             <a:endParaRPr lang="en-US"/>
           </a:p>
@@ -2370,7 +2370,7 @@
           <a:p>
             <a:fld id="{8749049F-65FB-400B-99EA-5CA2D1D00F38}" type="datetimeFigureOut">
               <a:rPr lang="en-US" smtClean="0"/>
-              <a:t>4/12/2017</a:t>
+              <a:t>4/13/2017</a:t>
             </a:fld>
             <a:endParaRPr lang="en-US"/>
           </a:p>
@@ -2583,7 +2583,7 @@
           <a:p>
             <a:fld id="{8749049F-65FB-400B-99EA-5CA2D1D00F38}" type="datetimeFigureOut">
               <a:rPr lang="en-US" smtClean="0"/>
-              <a:t>4/12/2017</a:t>
+              <a:t>4/13/2017</a:t>
             </a:fld>
             <a:endParaRPr lang="en-US"/>
           </a:p>
@@ -30299,22 +30299,7 @@
                     <a:latin typeface="Times New Roman" panose="02020603050405020304" pitchFamily="18" charset="0"/>
                     <a:cs typeface="Times New Roman" panose="02020603050405020304" pitchFamily="18" charset="0"/>
                   </a:rPr>
-                  <a:t>L1/Shared </a:t>
-                </a:r>
-                <a:r>
-                  <a:rPr lang="en-US" dirty="0" smtClean="0">
-                    <a:ln w="0"/>
-                    <a:effectLst>
-                      <a:outerShdw blurRad="38100" dist="19050" dir="2700000" algn="tl" rotWithShape="0">
-                        <a:schemeClr val="dk1">
-                          <a:alpha val="40000"/>
-                        </a:schemeClr>
-                      </a:outerShdw>
-                    </a:effectLst>
-                    <a:latin typeface="Times New Roman" panose="02020603050405020304" pitchFamily="18" charset="0"/>
-                    <a:cs typeface="Times New Roman" panose="02020603050405020304" pitchFamily="18" charset="0"/>
-                  </a:rPr>
-                  <a:t>Memory</a:t>
+                  <a:t>L1/Shared Memory</a:t>
                 </a:r>
                 <a:endParaRPr lang="en-US" dirty="0">
                   <a:latin typeface="Times New Roman" panose="02020603050405020304" pitchFamily="18" charset="0"/>
